--- a/slides/A-01-01-Proofs-Rewriting.pptx
+++ b/slides/A-01-01-Proofs-Rewriting.pptx
@@ -5,14 +5,19 @@
     <p:sldMasterId id="2147483649" r:id="rId1"/>
   </p:sldMasterIdLst>
   <p:notesMasterIdLst>
-    <p:notesMasterId r:id="rId4"/>
+    <p:notesMasterId r:id="rId9"/>
   </p:notesMasterIdLst>
   <p:handoutMasterIdLst>
-    <p:handoutMasterId r:id="rId5"/>
+    <p:handoutMasterId r:id="rId10"/>
   </p:handoutMasterIdLst>
   <p:sldIdLst>
     <p:sldId id="258" r:id="rId2"/>
     <p:sldId id="1911" r:id="rId3"/>
+    <p:sldId id="1912" r:id="rId4"/>
+    <p:sldId id="1915" r:id="rId5"/>
+    <p:sldId id="1916" r:id="rId6"/>
+    <p:sldId id="1913" r:id="rId7"/>
+    <p:sldId id="1914" r:id="rId8"/>
   </p:sldIdLst>
   <p:sldSz cx="9144000" cy="6858000" type="screen4x3"/>
   <p:notesSz cx="6858000" cy="9144000"/>
@@ -1131,6 +1136,901 @@
     <p:extLst>
       <p:ext uri="{BB962C8B-B14F-4D97-AF65-F5344CB8AC3E}">
         <p14:creationId xmlns:p14="http://schemas.microsoft.com/office/powerpoint/2010/main" val="2787644252"/>
+      </p:ext>
+    </p:extLst>
+  </p:cSld>
+  <p:clrMapOvr>
+    <a:masterClrMapping/>
+  </p:clrMapOvr>
+</p:notes>
+</file>
+
+<file path=ppt/notesSlides/notesSlide3.xml><?xml version="1.0" encoding="utf-8"?>
+<p:notes xmlns:a="http://schemas.openxmlformats.org/drawingml/2006/main" xmlns:r="http://schemas.openxmlformats.org/officeDocument/2006/relationships" xmlns:p="http://schemas.openxmlformats.org/presentationml/2006/main">
+  <p:cSld>
+    <p:spTree>
+      <p:nvGrpSpPr>
+        <p:cNvPr id="1" name="">
+          <a:extLst>
+            <a:ext uri="{FF2B5EF4-FFF2-40B4-BE49-F238E27FC236}">
+              <a16:creationId xmlns:a16="http://schemas.microsoft.com/office/drawing/2014/main" id="{027E1A11-045F-F1B3-4209-F36F5F69C5B5}"/>
+            </a:ext>
+          </a:extLst>
+        </p:cNvPr>
+        <p:cNvGrpSpPr/>
+        <p:nvPr/>
+      </p:nvGrpSpPr>
+      <p:grpSpPr>
+        <a:xfrm>
+          <a:off x="0" y="0"/>
+          <a:ext cx="0" cy="0"/>
+          <a:chOff x="0" y="0"/>
+          <a:chExt cx="0" cy="0"/>
+        </a:xfrm>
+      </p:grpSpPr>
+      <p:sp>
+        <p:nvSpPr>
+          <p:cNvPr id="2" name="Slide Image Placeholder 1">
+            <a:extLst>
+              <a:ext uri="{FF2B5EF4-FFF2-40B4-BE49-F238E27FC236}">
+                <a16:creationId xmlns:a16="http://schemas.microsoft.com/office/drawing/2014/main" id="{DBB3E258-FB4B-4354-72C5-8779FC3397B5}"/>
+              </a:ext>
+            </a:extLst>
+          </p:cNvPr>
+          <p:cNvSpPr>
+            <a:spLocks noGrp="1" noRot="1" noChangeAspect="1"/>
+          </p:cNvSpPr>
+          <p:nvPr>
+            <p:ph type="sldImg"/>
+          </p:nvPr>
+        </p:nvSpPr>
+        <p:spPr/>
+      </p:sp>
+      <p:sp>
+        <p:nvSpPr>
+          <p:cNvPr id="3" name="Notes Placeholder 2">
+            <a:extLst>
+              <a:ext uri="{FF2B5EF4-FFF2-40B4-BE49-F238E27FC236}">
+                <a16:creationId xmlns:a16="http://schemas.microsoft.com/office/drawing/2014/main" id="{FD27AB99-E837-4205-B8BF-408BC6D7C627}"/>
+              </a:ext>
+            </a:extLst>
+          </p:cNvPr>
+          <p:cNvSpPr>
+            <a:spLocks noGrp="1"/>
+          </p:cNvSpPr>
+          <p:nvPr>
+            <p:ph type="body" idx="1"/>
+          </p:nvPr>
+        </p:nvSpPr>
+        <p:spPr/>
+        <p:txBody>
+          <a:bodyPr/>
+          <a:lstStyle/>
+          <a:p>
+            <a:r>
+              <a:rPr lang="en-US" dirty="0">
+                <a:latin typeface="Tahoma" panose="020B0604030504040204" pitchFamily="34" charset="0"/>
+                <a:ea typeface="Tahoma" panose="020B0604030504040204" pitchFamily="34" charset="0"/>
+                <a:cs typeface="Tahoma" panose="020B0604030504040204" pitchFamily="34" charset="0"/>
+              </a:rPr>
+              <a:t>The framework that we will be using for this work is HAMR -- a model-driven development tool chain for high assurance embedded systems that emphasizes three layers of development:</a:t>
+            </a:r>
+          </a:p>
+          <a:p>
+            <a:endParaRPr lang="en-US" dirty="0">
+              <a:latin typeface="Tahoma" panose="020B0604030504040204" pitchFamily="34" charset="0"/>
+              <a:ea typeface="Tahoma" panose="020B0604030504040204" pitchFamily="34" charset="0"/>
+              <a:cs typeface="Tahoma" panose="020B0604030504040204" pitchFamily="34" charset="0"/>
+            </a:endParaRPr>
+          </a:p>
+          <a:p>
+            <a:r>
+              <a:rPr lang="en-US" dirty="0">
+                <a:latin typeface="Tahoma" panose="020B0604030504040204" pitchFamily="34" charset="0"/>
+                <a:ea typeface="Tahoma" panose="020B0604030504040204" pitchFamily="34" charset="0"/>
+                <a:cs typeface="Tahoma" panose="020B0604030504040204" pitchFamily="34" charset="0"/>
+              </a:rPr>
+              <a:t>Modeling, analysis and verification in the AADL modeling language, leveraging many tools in the AADL ecosystem</a:t>
+            </a:r>
+          </a:p>
+          <a:p>
+            <a:endParaRPr lang="en-US" dirty="0">
+              <a:latin typeface="Tahoma" panose="020B0604030504040204" pitchFamily="34" charset="0"/>
+              <a:ea typeface="Tahoma" panose="020B0604030504040204" pitchFamily="34" charset="0"/>
+              <a:cs typeface="Tahoma" panose="020B0604030504040204" pitchFamily="34" charset="0"/>
+            </a:endParaRPr>
+          </a:p>
+          <a:p>
+            <a:r>
+              <a:rPr lang="en-US" dirty="0">
+                <a:latin typeface="Tahoma" panose="020B0604030504040204" pitchFamily="34" charset="0"/>
+                <a:ea typeface="Tahoma" panose="020B0604030504040204" pitchFamily="34" charset="0"/>
+                <a:cs typeface="Tahoma" panose="020B0604030504040204" pitchFamily="34" charset="0"/>
+              </a:rPr>
+              <a:t>Development of component application logic in multiple languages include C and Slang (a safety-critical system of Scala with a contract verification framework, which can be translated to C)</a:t>
+            </a:r>
+          </a:p>
+          <a:p>
+            <a:endParaRPr lang="en-US" dirty="0">
+              <a:latin typeface="Tahoma" panose="020B0604030504040204" pitchFamily="34" charset="0"/>
+              <a:ea typeface="Tahoma" panose="020B0604030504040204" pitchFamily="34" charset="0"/>
+              <a:cs typeface="Tahoma" panose="020B0604030504040204" pitchFamily="34" charset="0"/>
+            </a:endParaRPr>
+          </a:p>
+          <a:p>
+            <a:r>
+              <a:rPr lang="en-US" dirty="0">
+                <a:latin typeface="Tahoma" panose="020B0604030504040204" pitchFamily="34" charset="0"/>
+                <a:ea typeface="Tahoma" panose="020B0604030504040204" pitchFamily="34" charset="0"/>
+                <a:cs typeface="Tahoma" panose="020B0604030504040204" pitchFamily="34" charset="0"/>
+              </a:rPr>
+              <a:t>Deployments on multiple platforms including seL4 verified microkernel.</a:t>
+            </a:r>
+          </a:p>
+          <a:p>
+            <a:endParaRPr lang="en-US" dirty="0">
+              <a:latin typeface="Tahoma" panose="020B0604030504040204" pitchFamily="34" charset="0"/>
+              <a:ea typeface="Tahoma" panose="020B0604030504040204" pitchFamily="34" charset="0"/>
+              <a:cs typeface="Tahoma" panose="020B0604030504040204" pitchFamily="34" charset="0"/>
+            </a:endParaRPr>
+          </a:p>
+        </p:txBody>
+      </p:sp>
+      <p:sp>
+        <p:nvSpPr>
+          <p:cNvPr id="4" name="Slide Number Placeholder 3">
+            <a:extLst>
+              <a:ext uri="{FF2B5EF4-FFF2-40B4-BE49-F238E27FC236}">
+                <a16:creationId xmlns:a16="http://schemas.microsoft.com/office/drawing/2014/main" id="{AAEFA10B-C829-7D54-9635-302793B426A6}"/>
+              </a:ext>
+            </a:extLst>
+          </p:cNvPr>
+          <p:cNvSpPr>
+            <a:spLocks noGrp="1"/>
+          </p:cNvSpPr>
+          <p:nvPr>
+            <p:ph type="sldNum" sz="quarter" idx="5"/>
+          </p:nvPr>
+        </p:nvSpPr>
+        <p:spPr/>
+        <p:txBody>
+          <a:bodyPr/>
+          <a:lstStyle/>
+          <a:p>
+            <a:pPr>
+              <a:defRPr/>
+            </a:pPr>
+            <a:fld id="{2BFE2475-28EF-9A44-97D3-D2287C00B1B1}" type="slidenum">
+              <a:rPr lang="en-US" smtClean="0"/>
+              <a:pPr>
+                <a:defRPr/>
+              </a:pPr>
+              <a:t>3</a:t>
+            </a:fld>
+            <a:endParaRPr lang="en-US"/>
+          </a:p>
+        </p:txBody>
+      </p:sp>
+    </p:spTree>
+    <p:extLst>
+      <p:ext uri="{BB962C8B-B14F-4D97-AF65-F5344CB8AC3E}">
+        <p14:creationId xmlns:p14="http://schemas.microsoft.com/office/powerpoint/2010/main" val="4195373305"/>
+      </p:ext>
+    </p:extLst>
+  </p:cSld>
+  <p:clrMapOvr>
+    <a:masterClrMapping/>
+  </p:clrMapOvr>
+</p:notes>
+</file>
+
+<file path=ppt/notesSlides/notesSlide4.xml><?xml version="1.0" encoding="utf-8"?>
+<p:notes xmlns:a="http://schemas.openxmlformats.org/drawingml/2006/main" xmlns:r="http://schemas.openxmlformats.org/officeDocument/2006/relationships" xmlns:p="http://schemas.openxmlformats.org/presentationml/2006/main">
+  <p:cSld>
+    <p:spTree>
+      <p:nvGrpSpPr>
+        <p:cNvPr id="1" name="">
+          <a:extLst>
+            <a:ext uri="{FF2B5EF4-FFF2-40B4-BE49-F238E27FC236}">
+              <a16:creationId xmlns:a16="http://schemas.microsoft.com/office/drawing/2014/main" id="{A6907F6C-4918-D1CA-3770-E2713BABD1BC}"/>
+            </a:ext>
+          </a:extLst>
+        </p:cNvPr>
+        <p:cNvGrpSpPr/>
+        <p:nvPr/>
+      </p:nvGrpSpPr>
+      <p:grpSpPr>
+        <a:xfrm>
+          <a:off x="0" y="0"/>
+          <a:ext cx="0" cy="0"/>
+          <a:chOff x="0" y="0"/>
+          <a:chExt cx="0" cy="0"/>
+        </a:xfrm>
+      </p:grpSpPr>
+      <p:sp>
+        <p:nvSpPr>
+          <p:cNvPr id="2" name="Slide Image Placeholder 1">
+            <a:extLst>
+              <a:ext uri="{FF2B5EF4-FFF2-40B4-BE49-F238E27FC236}">
+                <a16:creationId xmlns:a16="http://schemas.microsoft.com/office/drawing/2014/main" id="{939A8582-1691-4AC7-475C-5550AF06D8ED}"/>
+              </a:ext>
+            </a:extLst>
+          </p:cNvPr>
+          <p:cNvSpPr>
+            <a:spLocks noGrp="1" noRot="1" noChangeAspect="1"/>
+          </p:cNvSpPr>
+          <p:nvPr>
+            <p:ph type="sldImg"/>
+          </p:nvPr>
+        </p:nvSpPr>
+        <p:spPr/>
+      </p:sp>
+      <p:sp>
+        <p:nvSpPr>
+          <p:cNvPr id="3" name="Notes Placeholder 2">
+            <a:extLst>
+              <a:ext uri="{FF2B5EF4-FFF2-40B4-BE49-F238E27FC236}">
+                <a16:creationId xmlns:a16="http://schemas.microsoft.com/office/drawing/2014/main" id="{2F13BD15-7627-EA4E-D18B-70419D8FDDBE}"/>
+              </a:ext>
+            </a:extLst>
+          </p:cNvPr>
+          <p:cNvSpPr>
+            <a:spLocks noGrp="1"/>
+          </p:cNvSpPr>
+          <p:nvPr>
+            <p:ph type="body" idx="1"/>
+          </p:nvPr>
+        </p:nvSpPr>
+        <p:spPr/>
+        <p:txBody>
+          <a:bodyPr/>
+          <a:lstStyle/>
+          <a:p>
+            <a:r>
+              <a:rPr lang="en-US" dirty="0">
+                <a:latin typeface="Tahoma" panose="020B0604030504040204" pitchFamily="34" charset="0"/>
+                <a:ea typeface="Tahoma" panose="020B0604030504040204" pitchFamily="34" charset="0"/>
+                <a:cs typeface="Tahoma" panose="020B0604030504040204" pitchFamily="34" charset="0"/>
+              </a:rPr>
+              <a:t>The framework that we will be using for this work is HAMR -- a model-driven development tool chain for high assurance embedded systems that emphasizes three layers of development:</a:t>
+            </a:r>
+          </a:p>
+          <a:p>
+            <a:endParaRPr lang="en-US" dirty="0">
+              <a:latin typeface="Tahoma" panose="020B0604030504040204" pitchFamily="34" charset="0"/>
+              <a:ea typeface="Tahoma" panose="020B0604030504040204" pitchFamily="34" charset="0"/>
+              <a:cs typeface="Tahoma" panose="020B0604030504040204" pitchFamily="34" charset="0"/>
+            </a:endParaRPr>
+          </a:p>
+          <a:p>
+            <a:r>
+              <a:rPr lang="en-US" dirty="0">
+                <a:latin typeface="Tahoma" panose="020B0604030504040204" pitchFamily="34" charset="0"/>
+                <a:ea typeface="Tahoma" panose="020B0604030504040204" pitchFamily="34" charset="0"/>
+                <a:cs typeface="Tahoma" panose="020B0604030504040204" pitchFamily="34" charset="0"/>
+              </a:rPr>
+              <a:t>Modeling, analysis and verification in the AADL modeling language, leveraging many tools in the AADL ecosystem</a:t>
+            </a:r>
+          </a:p>
+          <a:p>
+            <a:endParaRPr lang="en-US" dirty="0">
+              <a:latin typeface="Tahoma" panose="020B0604030504040204" pitchFamily="34" charset="0"/>
+              <a:ea typeface="Tahoma" panose="020B0604030504040204" pitchFamily="34" charset="0"/>
+              <a:cs typeface="Tahoma" panose="020B0604030504040204" pitchFamily="34" charset="0"/>
+            </a:endParaRPr>
+          </a:p>
+          <a:p>
+            <a:r>
+              <a:rPr lang="en-US" dirty="0">
+                <a:latin typeface="Tahoma" panose="020B0604030504040204" pitchFamily="34" charset="0"/>
+                <a:ea typeface="Tahoma" panose="020B0604030504040204" pitchFamily="34" charset="0"/>
+                <a:cs typeface="Tahoma" panose="020B0604030504040204" pitchFamily="34" charset="0"/>
+              </a:rPr>
+              <a:t>Development of component application logic in multiple languages include C and Slang (a safety-critical system of Scala with a contract verification framework, which can be translated to C)</a:t>
+            </a:r>
+          </a:p>
+          <a:p>
+            <a:endParaRPr lang="en-US" dirty="0">
+              <a:latin typeface="Tahoma" panose="020B0604030504040204" pitchFamily="34" charset="0"/>
+              <a:ea typeface="Tahoma" panose="020B0604030504040204" pitchFamily="34" charset="0"/>
+              <a:cs typeface="Tahoma" panose="020B0604030504040204" pitchFamily="34" charset="0"/>
+            </a:endParaRPr>
+          </a:p>
+          <a:p>
+            <a:r>
+              <a:rPr lang="en-US" dirty="0">
+                <a:latin typeface="Tahoma" panose="020B0604030504040204" pitchFamily="34" charset="0"/>
+                <a:ea typeface="Tahoma" panose="020B0604030504040204" pitchFamily="34" charset="0"/>
+                <a:cs typeface="Tahoma" panose="020B0604030504040204" pitchFamily="34" charset="0"/>
+              </a:rPr>
+              <a:t>Deployments on multiple platforms including seL4 verified microkernel.</a:t>
+            </a:r>
+          </a:p>
+          <a:p>
+            <a:endParaRPr lang="en-US" dirty="0">
+              <a:latin typeface="Tahoma" panose="020B0604030504040204" pitchFamily="34" charset="0"/>
+              <a:ea typeface="Tahoma" panose="020B0604030504040204" pitchFamily="34" charset="0"/>
+              <a:cs typeface="Tahoma" panose="020B0604030504040204" pitchFamily="34" charset="0"/>
+            </a:endParaRPr>
+          </a:p>
+        </p:txBody>
+      </p:sp>
+      <p:sp>
+        <p:nvSpPr>
+          <p:cNvPr id="4" name="Slide Number Placeholder 3">
+            <a:extLst>
+              <a:ext uri="{FF2B5EF4-FFF2-40B4-BE49-F238E27FC236}">
+                <a16:creationId xmlns:a16="http://schemas.microsoft.com/office/drawing/2014/main" id="{8D98BF66-5F68-F887-CAB0-729216B982AD}"/>
+              </a:ext>
+            </a:extLst>
+          </p:cNvPr>
+          <p:cNvSpPr>
+            <a:spLocks noGrp="1"/>
+          </p:cNvSpPr>
+          <p:nvPr>
+            <p:ph type="sldNum" sz="quarter" idx="5"/>
+          </p:nvPr>
+        </p:nvSpPr>
+        <p:spPr/>
+        <p:txBody>
+          <a:bodyPr/>
+          <a:lstStyle/>
+          <a:p>
+            <a:pPr>
+              <a:defRPr/>
+            </a:pPr>
+            <a:fld id="{2BFE2475-28EF-9A44-97D3-D2287C00B1B1}" type="slidenum">
+              <a:rPr lang="en-US" smtClean="0"/>
+              <a:pPr>
+                <a:defRPr/>
+              </a:pPr>
+              <a:t>4</a:t>
+            </a:fld>
+            <a:endParaRPr lang="en-US"/>
+          </a:p>
+        </p:txBody>
+      </p:sp>
+    </p:spTree>
+    <p:extLst>
+      <p:ext uri="{BB962C8B-B14F-4D97-AF65-F5344CB8AC3E}">
+        <p14:creationId xmlns:p14="http://schemas.microsoft.com/office/powerpoint/2010/main" val="1396993584"/>
+      </p:ext>
+    </p:extLst>
+  </p:cSld>
+  <p:clrMapOvr>
+    <a:masterClrMapping/>
+  </p:clrMapOvr>
+</p:notes>
+</file>
+
+<file path=ppt/notesSlides/notesSlide5.xml><?xml version="1.0" encoding="utf-8"?>
+<p:notes xmlns:a="http://schemas.openxmlformats.org/drawingml/2006/main" xmlns:r="http://schemas.openxmlformats.org/officeDocument/2006/relationships" xmlns:p="http://schemas.openxmlformats.org/presentationml/2006/main">
+  <p:cSld>
+    <p:spTree>
+      <p:nvGrpSpPr>
+        <p:cNvPr id="1" name="">
+          <a:extLst>
+            <a:ext uri="{FF2B5EF4-FFF2-40B4-BE49-F238E27FC236}">
+              <a16:creationId xmlns:a16="http://schemas.microsoft.com/office/drawing/2014/main" id="{AD46BCF6-0CF1-9A83-094D-26882F4F3AA5}"/>
+            </a:ext>
+          </a:extLst>
+        </p:cNvPr>
+        <p:cNvGrpSpPr/>
+        <p:nvPr/>
+      </p:nvGrpSpPr>
+      <p:grpSpPr>
+        <a:xfrm>
+          <a:off x="0" y="0"/>
+          <a:ext cx="0" cy="0"/>
+          <a:chOff x="0" y="0"/>
+          <a:chExt cx="0" cy="0"/>
+        </a:xfrm>
+      </p:grpSpPr>
+      <p:sp>
+        <p:nvSpPr>
+          <p:cNvPr id="2" name="Slide Image Placeholder 1">
+            <a:extLst>
+              <a:ext uri="{FF2B5EF4-FFF2-40B4-BE49-F238E27FC236}">
+                <a16:creationId xmlns:a16="http://schemas.microsoft.com/office/drawing/2014/main" id="{ED9B7B27-7A8E-1037-08AF-FD86EDA07403}"/>
+              </a:ext>
+            </a:extLst>
+          </p:cNvPr>
+          <p:cNvSpPr>
+            <a:spLocks noGrp="1" noRot="1" noChangeAspect="1"/>
+          </p:cNvSpPr>
+          <p:nvPr>
+            <p:ph type="sldImg"/>
+          </p:nvPr>
+        </p:nvSpPr>
+        <p:spPr/>
+      </p:sp>
+      <p:sp>
+        <p:nvSpPr>
+          <p:cNvPr id="3" name="Notes Placeholder 2">
+            <a:extLst>
+              <a:ext uri="{FF2B5EF4-FFF2-40B4-BE49-F238E27FC236}">
+                <a16:creationId xmlns:a16="http://schemas.microsoft.com/office/drawing/2014/main" id="{61578DB5-A3EE-1E47-E7D6-87C2F787E3A0}"/>
+              </a:ext>
+            </a:extLst>
+          </p:cNvPr>
+          <p:cNvSpPr>
+            <a:spLocks noGrp="1"/>
+          </p:cNvSpPr>
+          <p:nvPr>
+            <p:ph type="body" idx="1"/>
+          </p:nvPr>
+        </p:nvSpPr>
+        <p:spPr/>
+        <p:txBody>
+          <a:bodyPr/>
+          <a:lstStyle/>
+          <a:p>
+            <a:r>
+              <a:rPr lang="en-US" dirty="0">
+                <a:latin typeface="Tahoma" panose="020B0604030504040204" pitchFamily="34" charset="0"/>
+                <a:ea typeface="Tahoma" panose="020B0604030504040204" pitchFamily="34" charset="0"/>
+                <a:cs typeface="Tahoma" panose="020B0604030504040204" pitchFamily="34" charset="0"/>
+              </a:rPr>
+              <a:t>The framework that we will be using for this work is HAMR -- a model-driven development tool chain for high assurance embedded systems that emphasizes three layers of development:</a:t>
+            </a:r>
+          </a:p>
+          <a:p>
+            <a:endParaRPr lang="en-US" dirty="0">
+              <a:latin typeface="Tahoma" panose="020B0604030504040204" pitchFamily="34" charset="0"/>
+              <a:ea typeface="Tahoma" panose="020B0604030504040204" pitchFamily="34" charset="0"/>
+              <a:cs typeface="Tahoma" panose="020B0604030504040204" pitchFamily="34" charset="0"/>
+            </a:endParaRPr>
+          </a:p>
+          <a:p>
+            <a:r>
+              <a:rPr lang="en-US" dirty="0">
+                <a:latin typeface="Tahoma" panose="020B0604030504040204" pitchFamily="34" charset="0"/>
+                <a:ea typeface="Tahoma" panose="020B0604030504040204" pitchFamily="34" charset="0"/>
+                <a:cs typeface="Tahoma" panose="020B0604030504040204" pitchFamily="34" charset="0"/>
+              </a:rPr>
+              <a:t>Modeling, analysis and verification in the AADL modeling language, leveraging many tools in the AADL ecosystem</a:t>
+            </a:r>
+          </a:p>
+          <a:p>
+            <a:endParaRPr lang="en-US" dirty="0">
+              <a:latin typeface="Tahoma" panose="020B0604030504040204" pitchFamily="34" charset="0"/>
+              <a:ea typeface="Tahoma" panose="020B0604030504040204" pitchFamily="34" charset="0"/>
+              <a:cs typeface="Tahoma" panose="020B0604030504040204" pitchFamily="34" charset="0"/>
+            </a:endParaRPr>
+          </a:p>
+          <a:p>
+            <a:r>
+              <a:rPr lang="en-US" dirty="0">
+                <a:latin typeface="Tahoma" panose="020B0604030504040204" pitchFamily="34" charset="0"/>
+                <a:ea typeface="Tahoma" panose="020B0604030504040204" pitchFamily="34" charset="0"/>
+                <a:cs typeface="Tahoma" panose="020B0604030504040204" pitchFamily="34" charset="0"/>
+              </a:rPr>
+              <a:t>Development of component application logic in multiple languages include C and Slang (a safety-critical system of Scala with a contract verification framework, which can be translated to C)</a:t>
+            </a:r>
+          </a:p>
+          <a:p>
+            <a:endParaRPr lang="en-US" dirty="0">
+              <a:latin typeface="Tahoma" panose="020B0604030504040204" pitchFamily="34" charset="0"/>
+              <a:ea typeface="Tahoma" panose="020B0604030504040204" pitchFamily="34" charset="0"/>
+              <a:cs typeface="Tahoma" panose="020B0604030504040204" pitchFamily="34" charset="0"/>
+            </a:endParaRPr>
+          </a:p>
+          <a:p>
+            <a:r>
+              <a:rPr lang="en-US" dirty="0">
+                <a:latin typeface="Tahoma" panose="020B0604030504040204" pitchFamily="34" charset="0"/>
+                <a:ea typeface="Tahoma" panose="020B0604030504040204" pitchFamily="34" charset="0"/>
+                <a:cs typeface="Tahoma" panose="020B0604030504040204" pitchFamily="34" charset="0"/>
+              </a:rPr>
+              <a:t>Deployments on multiple platforms including seL4 verified microkernel.</a:t>
+            </a:r>
+          </a:p>
+          <a:p>
+            <a:endParaRPr lang="en-US" dirty="0">
+              <a:latin typeface="Tahoma" panose="020B0604030504040204" pitchFamily="34" charset="0"/>
+              <a:ea typeface="Tahoma" panose="020B0604030504040204" pitchFamily="34" charset="0"/>
+              <a:cs typeface="Tahoma" panose="020B0604030504040204" pitchFamily="34" charset="0"/>
+            </a:endParaRPr>
+          </a:p>
+        </p:txBody>
+      </p:sp>
+      <p:sp>
+        <p:nvSpPr>
+          <p:cNvPr id="4" name="Slide Number Placeholder 3">
+            <a:extLst>
+              <a:ext uri="{FF2B5EF4-FFF2-40B4-BE49-F238E27FC236}">
+                <a16:creationId xmlns:a16="http://schemas.microsoft.com/office/drawing/2014/main" id="{CC301B6E-01DE-8E4C-E96A-45ED35D4D928}"/>
+              </a:ext>
+            </a:extLst>
+          </p:cNvPr>
+          <p:cNvSpPr>
+            <a:spLocks noGrp="1"/>
+          </p:cNvSpPr>
+          <p:nvPr>
+            <p:ph type="sldNum" sz="quarter" idx="5"/>
+          </p:nvPr>
+        </p:nvSpPr>
+        <p:spPr/>
+        <p:txBody>
+          <a:bodyPr/>
+          <a:lstStyle/>
+          <a:p>
+            <a:pPr>
+              <a:defRPr/>
+            </a:pPr>
+            <a:fld id="{2BFE2475-28EF-9A44-97D3-D2287C00B1B1}" type="slidenum">
+              <a:rPr lang="en-US" smtClean="0"/>
+              <a:pPr>
+                <a:defRPr/>
+              </a:pPr>
+              <a:t>5</a:t>
+            </a:fld>
+            <a:endParaRPr lang="en-US"/>
+          </a:p>
+        </p:txBody>
+      </p:sp>
+    </p:spTree>
+    <p:extLst>
+      <p:ext uri="{BB962C8B-B14F-4D97-AF65-F5344CB8AC3E}">
+        <p14:creationId xmlns:p14="http://schemas.microsoft.com/office/powerpoint/2010/main" val="1188465803"/>
+      </p:ext>
+    </p:extLst>
+  </p:cSld>
+  <p:clrMapOvr>
+    <a:masterClrMapping/>
+  </p:clrMapOvr>
+</p:notes>
+</file>
+
+<file path=ppt/notesSlides/notesSlide6.xml><?xml version="1.0" encoding="utf-8"?>
+<p:notes xmlns:a="http://schemas.openxmlformats.org/drawingml/2006/main" xmlns:r="http://schemas.openxmlformats.org/officeDocument/2006/relationships" xmlns:p="http://schemas.openxmlformats.org/presentationml/2006/main">
+  <p:cSld>
+    <p:spTree>
+      <p:nvGrpSpPr>
+        <p:cNvPr id="1" name="">
+          <a:extLst>
+            <a:ext uri="{FF2B5EF4-FFF2-40B4-BE49-F238E27FC236}">
+              <a16:creationId xmlns:a16="http://schemas.microsoft.com/office/drawing/2014/main" id="{EAC4C3D4-6B0E-E6D0-D0DD-E3A232D199A2}"/>
+            </a:ext>
+          </a:extLst>
+        </p:cNvPr>
+        <p:cNvGrpSpPr/>
+        <p:nvPr/>
+      </p:nvGrpSpPr>
+      <p:grpSpPr>
+        <a:xfrm>
+          <a:off x="0" y="0"/>
+          <a:ext cx="0" cy="0"/>
+          <a:chOff x="0" y="0"/>
+          <a:chExt cx="0" cy="0"/>
+        </a:xfrm>
+      </p:grpSpPr>
+      <p:sp>
+        <p:nvSpPr>
+          <p:cNvPr id="2" name="Slide Image Placeholder 1">
+            <a:extLst>
+              <a:ext uri="{FF2B5EF4-FFF2-40B4-BE49-F238E27FC236}">
+                <a16:creationId xmlns:a16="http://schemas.microsoft.com/office/drawing/2014/main" id="{A8DB0941-D377-3CEF-0C96-4FAD678CB47F}"/>
+              </a:ext>
+            </a:extLst>
+          </p:cNvPr>
+          <p:cNvSpPr>
+            <a:spLocks noGrp="1" noRot="1" noChangeAspect="1"/>
+          </p:cNvSpPr>
+          <p:nvPr>
+            <p:ph type="sldImg"/>
+          </p:nvPr>
+        </p:nvSpPr>
+        <p:spPr/>
+      </p:sp>
+      <p:sp>
+        <p:nvSpPr>
+          <p:cNvPr id="3" name="Notes Placeholder 2">
+            <a:extLst>
+              <a:ext uri="{FF2B5EF4-FFF2-40B4-BE49-F238E27FC236}">
+                <a16:creationId xmlns:a16="http://schemas.microsoft.com/office/drawing/2014/main" id="{C8D15AC4-5598-738B-567F-AA2582560624}"/>
+              </a:ext>
+            </a:extLst>
+          </p:cNvPr>
+          <p:cNvSpPr>
+            <a:spLocks noGrp="1"/>
+          </p:cNvSpPr>
+          <p:nvPr>
+            <p:ph type="body" idx="1"/>
+          </p:nvPr>
+        </p:nvSpPr>
+        <p:spPr/>
+        <p:txBody>
+          <a:bodyPr/>
+          <a:lstStyle/>
+          <a:p>
+            <a:r>
+              <a:rPr lang="en-US" dirty="0">
+                <a:latin typeface="Tahoma" panose="020B0604030504040204" pitchFamily="34" charset="0"/>
+                <a:ea typeface="Tahoma" panose="020B0604030504040204" pitchFamily="34" charset="0"/>
+                <a:cs typeface="Tahoma" panose="020B0604030504040204" pitchFamily="34" charset="0"/>
+              </a:rPr>
+              <a:t>The framework that we will be using for this work is HAMR -- a model-driven development tool chain for high assurance embedded systems that emphasizes three layers of development:</a:t>
+            </a:r>
+          </a:p>
+          <a:p>
+            <a:endParaRPr lang="en-US" dirty="0">
+              <a:latin typeface="Tahoma" panose="020B0604030504040204" pitchFamily="34" charset="0"/>
+              <a:ea typeface="Tahoma" panose="020B0604030504040204" pitchFamily="34" charset="0"/>
+              <a:cs typeface="Tahoma" panose="020B0604030504040204" pitchFamily="34" charset="0"/>
+            </a:endParaRPr>
+          </a:p>
+          <a:p>
+            <a:r>
+              <a:rPr lang="en-US" dirty="0">
+                <a:latin typeface="Tahoma" panose="020B0604030504040204" pitchFamily="34" charset="0"/>
+                <a:ea typeface="Tahoma" panose="020B0604030504040204" pitchFamily="34" charset="0"/>
+                <a:cs typeface="Tahoma" panose="020B0604030504040204" pitchFamily="34" charset="0"/>
+              </a:rPr>
+              <a:t>Modeling, analysis and verification in the AADL modeling language, leveraging many tools in the AADL ecosystem</a:t>
+            </a:r>
+          </a:p>
+          <a:p>
+            <a:endParaRPr lang="en-US" dirty="0">
+              <a:latin typeface="Tahoma" panose="020B0604030504040204" pitchFamily="34" charset="0"/>
+              <a:ea typeface="Tahoma" panose="020B0604030504040204" pitchFamily="34" charset="0"/>
+              <a:cs typeface="Tahoma" panose="020B0604030504040204" pitchFamily="34" charset="0"/>
+            </a:endParaRPr>
+          </a:p>
+          <a:p>
+            <a:r>
+              <a:rPr lang="en-US" dirty="0">
+                <a:latin typeface="Tahoma" panose="020B0604030504040204" pitchFamily="34" charset="0"/>
+                <a:ea typeface="Tahoma" panose="020B0604030504040204" pitchFamily="34" charset="0"/>
+                <a:cs typeface="Tahoma" panose="020B0604030504040204" pitchFamily="34" charset="0"/>
+              </a:rPr>
+              <a:t>Development of component application logic in multiple languages include C and Slang (a safety-critical system of Scala with a contract verification framework, which can be translated to C)</a:t>
+            </a:r>
+          </a:p>
+          <a:p>
+            <a:endParaRPr lang="en-US" dirty="0">
+              <a:latin typeface="Tahoma" panose="020B0604030504040204" pitchFamily="34" charset="0"/>
+              <a:ea typeface="Tahoma" panose="020B0604030504040204" pitchFamily="34" charset="0"/>
+              <a:cs typeface="Tahoma" panose="020B0604030504040204" pitchFamily="34" charset="0"/>
+            </a:endParaRPr>
+          </a:p>
+          <a:p>
+            <a:r>
+              <a:rPr lang="en-US" dirty="0">
+                <a:latin typeface="Tahoma" panose="020B0604030504040204" pitchFamily="34" charset="0"/>
+                <a:ea typeface="Tahoma" panose="020B0604030504040204" pitchFamily="34" charset="0"/>
+                <a:cs typeface="Tahoma" panose="020B0604030504040204" pitchFamily="34" charset="0"/>
+              </a:rPr>
+              <a:t>Deployments on multiple platforms including seL4 verified microkernel.</a:t>
+            </a:r>
+          </a:p>
+          <a:p>
+            <a:endParaRPr lang="en-US" dirty="0">
+              <a:latin typeface="Tahoma" panose="020B0604030504040204" pitchFamily="34" charset="0"/>
+              <a:ea typeface="Tahoma" panose="020B0604030504040204" pitchFamily="34" charset="0"/>
+              <a:cs typeface="Tahoma" panose="020B0604030504040204" pitchFamily="34" charset="0"/>
+            </a:endParaRPr>
+          </a:p>
+        </p:txBody>
+      </p:sp>
+      <p:sp>
+        <p:nvSpPr>
+          <p:cNvPr id="4" name="Slide Number Placeholder 3">
+            <a:extLst>
+              <a:ext uri="{FF2B5EF4-FFF2-40B4-BE49-F238E27FC236}">
+                <a16:creationId xmlns:a16="http://schemas.microsoft.com/office/drawing/2014/main" id="{A056D479-5898-F67D-B7B6-C92F15AF9F0C}"/>
+              </a:ext>
+            </a:extLst>
+          </p:cNvPr>
+          <p:cNvSpPr>
+            <a:spLocks noGrp="1"/>
+          </p:cNvSpPr>
+          <p:nvPr>
+            <p:ph type="sldNum" sz="quarter" idx="5"/>
+          </p:nvPr>
+        </p:nvSpPr>
+        <p:spPr/>
+        <p:txBody>
+          <a:bodyPr/>
+          <a:lstStyle/>
+          <a:p>
+            <a:pPr>
+              <a:defRPr/>
+            </a:pPr>
+            <a:fld id="{2BFE2475-28EF-9A44-97D3-D2287C00B1B1}" type="slidenum">
+              <a:rPr lang="en-US" smtClean="0"/>
+              <a:pPr>
+                <a:defRPr/>
+              </a:pPr>
+              <a:t>6</a:t>
+            </a:fld>
+            <a:endParaRPr lang="en-US"/>
+          </a:p>
+        </p:txBody>
+      </p:sp>
+    </p:spTree>
+    <p:extLst>
+      <p:ext uri="{BB962C8B-B14F-4D97-AF65-F5344CB8AC3E}">
+        <p14:creationId xmlns:p14="http://schemas.microsoft.com/office/powerpoint/2010/main" val="472671827"/>
+      </p:ext>
+    </p:extLst>
+  </p:cSld>
+  <p:clrMapOvr>
+    <a:masterClrMapping/>
+  </p:clrMapOvr>
+</p:notes>
+</file>
+
+<file path=ppt/notesSlides/notesSlide7.xml><?xml version="1.0" encoding="utf-8"?>
+<p:notes xmlns:a="http://schemas.openxmlformats.org/drawingml/2006/main" xmlns:r="http://schemas.openxmlformats.org/officeDocument/2006/relationships" xmlns:p="http://schemas.openxmlformats.org/presentationml/2006/main">
+  <p:cSld>
+    <p:spTree>
+      <p:nvGrpSpPr>
+        <p:cNvPr id="1" name="">
+          <a:extLst>
+            <a:ext uri="{FF2B5EF4-FFF2-40B4-BE49-F238E27FC236}">
+              <a16:creationId xmlns:a16="http://schemas.microsoft.com/office/drawing/2014/main" id="{DC63C6E6-084C-CACE-3377-F6F1401F7D68}"/>
+            </a:ext>
+          </a:extLst>
+        </p:cNvPr>
+        <p:cNvGrpSpPr/>
+        <p:nvPr/>
+      </p:nvGrpSpPr>
+      <p:grpSpPr>
+        <a:xfrm>
+          <a:off x="0" y="0"/>
+          <a:ext cx="0" cy="0"/>
+          <a:chOff x="0" y="0"/>
+          <a:chExt cx="0" cy="0"/>
+        </a:xfrm>
+      </p:grpSpPr>
+      <p:sp>
+        <p:nvSpPr>
+          <p:cNvPr id="2" name="Slide Image Placeholder 1">
+            <a:extLst>
+              <a:ext uri="{FF2B5EF4-FFF2-40B4-BE49-F238E27FC236}">
+                <a16:creationId xmlns:a16="http://schemas.microsoft.com/office/drawing/2014/main" id="{0FAFE3DB-24A1-3A32-D985-D4C3BDF5B348}"/>
+              </a:ext>
+            </a:extLst>
+          </p:cNvPr>
+          <p:cNvSpPr>
+            <a:spLocks noGrp="1" noRot="1" noChangeAspect="1"/>
+          </p:cNvSpPr>
+          <p:nvPr>
+            <p:ph type="sldImg"/>
+          </p:nvPr>
+        </p:nvSpPr>
+        <p:spPr/>
+      </p:sp>
+      <p:sp>
+        <p:nvSpPr>
+          <p:cNvPr id="3" name="Notes Placeholder 2">
+            <a:extLst>
+              <a:ext uri="{FF2B5EF4-FFF2-40B4-BE49-F238E27FC236}">
+                <a16:creationId xmlns:a16="http://schemas.microsoft.com/office/drawing/2014/main" id="{60FBB5FB-8CAA-1907-DE5A-AF81AE95CAD9}"/>
+              </a:ext>
+            </a:extLst>
+          </p:cNvPr>
+          <p:cNvSpPr>
+            <a:spLocks noGrp="1"/>
+          </p:cNvSpPr>
+          <p:nvPr>
+            <p:ph type="body" idx="1"/>
+          </p:nvPr>
+        </p:nvSpPr>
+        <p:spPr/>
+        <p:txBody>
+          <a:bodyPr/>
+          <a:lstStyle/>
+          <a:p>
+            <a:r>
+              <a:rPr lang="en-US" dirty="0">
+                <a:latin typeface="Tahoma" panose="020B0604030504040204" pitchFamily="34" charset="0"/>
+                <a:ea typeface="Tahoma" panose="020B0604030504040204" pitchFamily="34" charset="0"/>
+                <a:cs typeface="Tahoma" panose="020B0604030504040204" pitchFamily="34" charset="0"/>
+              </a:rPr>
+              <a:t>The framework that we will be using for this work is HAMR -- a model-driven development tool chain for high assurance embedded systems that emphasizes three layers of development:</a:t>
+            </a:r>
+          </a:p>
+          <a:p>
+            <a:endParaRPr lang="en-US" dirty="0">
+              <a:latin typeface="Tahoma" panose="020B0604030504040204" pitchFamily="34" charset="0"/>
+              <a:ea typeface="Tahoma" panose="020B0604030504040204" pitchFamily="34" charset="0"/>
+              <a:cs typeface="Tahoma" panose="020B0604030504040204" pitchFamily="34" charset="0"/>
+            </a:endParaRPr>
+          </a:p>
+          <a:p>
+            <a:r>
+              <a:rPr lang="en-US" dirty="0">
+                <a:latin typeface="Tahoma" panose="020B0604030504040204" pitchFamily="34" charset="0"/>
+                <a:ea typeface="Tahoma" panose="020B0604030504040204" pitchFamily="34" charset="0"/>
+                <a:cs typeface="Tahoma" panose="020B0604030504040204" pitchFamily="34" charset="0"/>
+              </a:rPr>
+              <a:t>Modeling, analysis and verification in the AADL modeling language, leveraging many tools in the AADL ecosystem</a:t>
+            </a:r>
+          </a:p>
+          <a:p>
+            <a:endParaRPr lang="en-US" dirty="0">
+              <a:latin typeface="Tahoma" panose="020B0604030504040204" pitchFamily="34" charset="0"/>
+              <a:ea typeface="Tahoma" panose="020B0604030504040204" pitchFamily="34" charset="0"/>
+              <a:cs typeface="Tahoma" panose="020B0604030504040204" pitchFamily="34" charset="0"/>
+            </a:endParaRPr>
+          </a:p>
+          <a:p>
+            <a:r>
+              <a:rPr lang="en-US" dirty="0">
+                <a:latin typeface="Tahoma" panose="020B0604030504040204" pitchFamily="34" charset="0"/>
+                <a:ea typeface="Tahoma" panose="020B0604030504040204" pitchFamily="34" charset="0"/>
+                <a:cs typeface="Tahoma" panose="020B0604030504040204" pitchFamily="34" charset="0"/>
+              </a:rPr>
+              <a:t>Development of component application logic in multiple languages include C and Slang (a safety-critical system of Scala with a contract verification framework, which can be translated to C)</a:t>
+            </a:r>
+          </a:p>
+          <a:p>
+            <a:endParaRPr lang="en-US" dirty="0">
+              <a:latin typeface="Tahoma" panose="020B0604030504040204" pitchFamily="34" charset="0"/>
+              <a:ea typeface="Tahoma" panose="020B0604030504040204" pitchFamily="34" charset="0"/>
+              <a:cs typeface="Tahoma" panose="020B0604030504040204" pitchFamily="34" charset="0"/>
+            </a:endParaRPr>
+          </a:p>
+          <a:p>
+            <a:r>
+              <a:rPr lang="en-US" dirty="0">
+                <a:latin typeface="Tahoma" panose="020B0604030504040204" pitchFamily="34" charset="0"/>
+                <a:ea typeface="Tahoma" panose="020B0604030504040204" pitchFamily="34" charset="0"/>
+                <a:cs typeface="Tahoma" panose="020B0604030504040204" pitchFamily="34" charset="0"/>
+              </a:rPr>
+              <a:t>Deployments on multiple platforms including seL4 verified microkernel.</a:t>
+            </a:r>
+          </a:p>
+          <a:p>
+            <a:endParaRPr lang="en-US" dirty="0">
+              <a:latin typeface="Tahoma" panose="020B0604030504040204" pitchFamily="34" charset="0"/>
+              <a:ea typeface="Tahoma" panose="020B0604030504040204" pitchFamily="34" charset="0"/>
+              <a:cs typeface="Tahoma" panose="020B0604030504040204" pitchFamily="34" charset="0"/>
+            </a:endParaRPr>
+          </a:p>
+        </p:txBody>
+      </p:sp>
+      <p:sp>
+        <p:nvSpPr>
+          <p:cNvPr id="4" name="Slide Number Placeholder 3">
+            <a:extLst>
+              <a:ext uri="{FF2B5EF4-FFF2-40B4-BE49-F238E27FC236}">
+                <a16:creationId xmlns:a16="http://schemas.microsoft.com/office/drawing/2014/main" id="{386DFE06-D674-22D3-8782-1C47F5BE204F}"/>
+              </a:ext>
+            </a:extLst>
+          </p:cNvPr>
+          <p:cNvSpPr>
+            <a:spLocks noGrp="1"/>
+          </p:cNvSpPr>
+          <p:nvPr>
+            <p:ph type="sldNum" sz="quarter" idx="5"/>
+          </p:nvPr>
+        </p:nvSpPr>
+        <p:spPr/>
+        <p:txBody>
+          <a:bodyPr/>
+          <a:lstStyle/>
+          <a:p>
+            <a:pPr>
+              <a:defRPr/>
+            </a:pPr>
+            <a:fld id="{2BFE2475-28EF-9A44-97D3-D2287C00B1B1}" type="slidenum">
+              <a:rPr lang="en-US" smtClean="0"/>
+              <a:pPr>
+                <a:defRPr/>
+              </a:pPr>
+              <a:t>7</a:t>
+            </a:fld>
+            <a:endParaRPr lang="en-US"/>
+          </a:p>
+        </p:txBody>
+      </p:sp>
+    </p:spTree>
+    <p:extLst>
+      <p:ext uri="{BB962C8B-B14F-4D97-AF65-F5344CB8AC3E}">
+        <p14:creationId xmlns:p14="http://schemas.microsoft.com/office/powerpoint/2010/main" val="4092460006"/>
       </p:ext>
     </p:extLst>
   </p:cSld>
@@ -4857,13 +5757,8 @@
           <a:p>
             <a:r>
               <a:rPr lang="en-US" sz="3600" dirty="0"/>
-              <a:t>Proof in </a:t>
-            </a:r>
-            <a:r>
-              <a:rPr lang="en-US" sz="3600" dirty="0" err="1"/>
-              <a:t>Logika</a:t>
-            </a:r>
-            <a:endParaRPr lang="en-US" sz="3600" dirty="0"/>
+              <a:t>Expression Rewriting</a:t>
+            </a:r>
           </a:p>
         </p:txBody>
       </p:sp>
@@ -4949,7 +5844,311 @@
           <a:p>
             <a:r>
               <a:rPr lang="en-US" sz="1600" dirty="0"/>
-              <a:t>Natural Deduction Proofs</a:t>
+              <a:t>Systematic application of equalities </a:t>
+            </a:r>
+          </a:p>
+        </p:txBody>
+      </p:sp>
+      <p:sp>
+        <p:nvSpPr>
+          <p:cNvPr id="4" name="TextBox 3">
+            <a:extLst>
+              <a:ext uri="{FF2B5EF4-FFF2-40B4-BE49-F238E27FC236}">
+                <a16:creationId xmlns:a16="http://schemas.microsoft.com/office/drawing/2014/main" id="{B96E00F2-C7D7-BBD9-E80B-05BDA11A7C1B}"/>
+              </a:ext>
+            </a:extLst>
+          </p:cNvPr>
+          <p:cNvSpPr txBox="1"/>
+          <p:nvPr/>
+        </p:nvSpPr>
+        <p:spPr>
+          <a:xfrm>
+            <a:off x="533400" y="1600200"/>
+            <a:ext cx="7391400" cy="1200329"/>
+          </a:xfrm>
+          <a:prstGeom prst="rect">
+            <a:avLst/>
+          </a:prstGeom>
+          <a:noFill/>
+        </p:spPr>
+        <p:txBody>
+          <a:bodyPr wrap="square" rtlCol="0">
+            <a:spAutoFit/>
+          </a:bodyPr>
+          <a:lstStyle/>
+          <a:p>
+            <a:r>
+              <a:rPr lang="en-GB" sz="1800" dirty="0"/>
+              <a:t>Many facts have the shape of equalities, e.g.,</a:t>
+            </a:r>
+          </a:p>
+          <a:p>
+            <a:pPr marL="285750" indent="-285750">
+              <a:buFont typeface="Arial" panose="020B0604020202020204" pitchFamily="34" charset="0"/>
+              <a:buChar char="•"/>
+            </a:pPr>
+            <a:r>
+              <a:rPr lang="en-GB" sz="1800" dirty="0"/>
+              <a:t>Properties of numbers like </a:t>
+            </a:r>
+            <a:r>
+              <a:rPr lang="en-GB" sz="1800" dirty="0">
+                <a:solidFill>
+                  <a:srgbClr val="8922FD"/>
+                </a:solidFill>
+                <a:latin typeface="Menlo" panose="020B0609030804020204" pitchFamily="49" charset="0"/>
+                <a:ea typeface="Menlo" panose="020B0609030804020204" pitchFamily="49" charset="0"/>
+                <a:cs typeface="Menlo" panose="020B0609030804020204" pitchFamily="49" charset="0"/>
+              </a:rPr>
+              <a:t>x + 0 = x</a:t>
+            </a:r>
+          </a:p>
+          <a:p>
+            <a:pPr marL="285750" indent="-285750">
+              <a:buFont typeface="Arial" panose="020B0604020202020204" pitchFamily="34" charset="0"/>
+              <a:buChar char="•"/>
+            </a:pPr>
+            <a:r>
+              <a:rPr lang="en-GB" sz="1800" dirty="0"/>
+              <a:t>Function definitions like </a:t>
+            </a:r>
+            <a:r>
+              <a:rPr lang="en-GB" sz="1800" dirty="0">
+                <a:solidFill>
+                  <a:srgbClr val="8922FD"/>
+                </a:solidFill>
+                <a:latin typeface="Menlo" panose="020B0609030804020204" pitchFamily="49" charset="0"/>
+                <a:ea typeface="Menlo" panose="020B0609030804020204" pitchFamily="49" charset="0"/>
+                <a:cs typeface="Menlo" panose="020B0609030804020204" pitchFamily="49" charset="0"/>
+              </a:rPr>
+              <a:t>f(x) = if (x &gt; 0) then x else 0</a:t>
+            </a:r>
+          </a:p>
+          <a:p>
+            <a:pPr marL="285750" indent="-285750">
+              <a:buFont typeface="Arial" panose="020B0604020202020204" pitchFamily="34" charset="0"/>
+              <a:buChar char="•"/>
+            </a:pPr>
+            <a:r>
+              <a:rPr lang="en-GB" sz="1800" dirty="0"/>
+              <a:t>Properties derived from the above </a:t>
+            </a:r>
+          </a:p>
+        </p:txBody>
+      </p:sp>
+      <p:sp>
+        <p:nvSpPr>
+          <p:cNvPr id="5" name="TextBox 4">
+            <a:extLst>
+              <a:ext uri="{FF2B5EF4-FFF2-40B4-BE49-F238E27FC236}">
+                <a16:creationId xmlns:a16="http://schemas.microsoft.com/office/drawing/2014/main" id="{DA3B429C-54FB-7979-489D-EED4D59EC5A2}"/>
+              </a:ext>
+            </a:extLst>
+          </p:cNvPr>
+          <p:cNvSpPr txBox="1"/>
+          <p:nvPr/>
+        </p:nvSpPr>
+        <p:spPr>
+          <a:xfrm>
+            <a:off x="533400" y="3033236"/>
+            <a:ext cx="8534400" cy="1477328"/>
+          </a:xfrm>
+          <a:prstGeom prst="rect">
+            <a:avLst/>
+          </a:prstGeom>
+          <a:noFill/>
+        </p:spPr>
+        <p:txBody>
+          <a:bodyPr wrap="square" rtlCol="0">
+            <a:spAutoFit/>
+          </a:bodyPr>
+          <a:lstStyle/>
+          <a:p>
+            <a:r>
+              <a:rPr lang="en-GB" sz="1800" dirty="0"/>
+              <a:t>These can be exploited in proofs, e.g.,</a:t>
+            </a:r>
+          </a:p>
+          <a:p>
+            <a:pPr>
+              <a:tabLst>
+                <a:tab pos="3460750" algn="l"/>
+              </a:tabLst>
+            </a:pPr>
+            <a:r>
+              <a:rPr lang="en-GB" sz="1800" dirty="0">
+                <a:solidFill>
+                  <a:srgbClr val="8922FD"/>
+                </a:solidFill>
+                <a:latin typeface="Menlo" panose="020B0609030804020204" pitchFamily="49" charset="0"/>
+                <a:ea typeface="Menlo" panose="020B0609030804020204" pitchFamily="49" charset="0"/>
+                <a:cs typeface="Menlo" panose="020B0609030804020204" pitchFamily="49" charset="0"/>
+              </a:rPr>
+              <a:t>f(1) + 0</a:t>
+            </a:r>
+          </a:p>
+          <a:p>
+            <a:pPr>
+              <a:tabLst>
+                <a:tab pos="3460750" algn="l"/>
+              </a:tabLst>
+            </a:pPr>
+            <a:r>
+              <a:rPr lang="en-GB" sz="1800" dirty="0">
+                <a:solidFill>
+                  <a:srgbClr val="8922FD"/>
+                </a:solidFill>
+                <a:latin typeface="Menlo" panose="020B0609030804020204" pitchFamily="49" charset="0"/>
+                <a:ea typeface="Menlo" panose="020B0609030804020204" pitchFamily="49" charset="0"/>
+                <a:cs typeface="Menlo" panose="020B0609030804020204" pitchFamily="49" charset="0"/>
+              </a:rPr>
+              <a:t>f(1)</a:t>
+            </a:r>
+            <a:r>
+              <a:rPr lang="en-GB" sz="1800" dirty="0"/>
+              <a:t>	using </a:t>
+            </a:r>
+            <a:r>
+              <a:rPr lang="en-GB" sz="1800" dirty="0">
+                <a:solidFill>
+                  <a:srgbClr val="8922FD"/>
+                </a:solidFill>
+                <a:latin typeface="Menlo" panose="020B0609030804020204" pitchFamily="49" charset="0"/>
+                <a:ea typeface="Menlo" panose="020B0609030804020204" pitchFamily="49" charset="0"/>
+                <a:cs typeface="Menlo" panose="020B0609030804020204" pitchFamily="49" charset="0"/>
+              </a:rPr>
+              <a:t>x + 0 = x</a:t>
+            </a:r>
+            <a:endParaRPr lang="en-GB" sz="1800" dirty="0"/>
+          </a:p>
+          <a:p>
+            <a:pPr>
+              <a:tabLst>
+                <a:tab pos="3460750" algn="l"/>
+              </a:tabLst>
+            </a:pPr>
+            <a:r>
+              <a:rPr lang="en-GB" sz="1800" dirty="0">
+                <a:solidFill>
+                  <a:srgbClr val="8922FD"/>
+                </a:solidFill>
+                <a:latin typeface="Menlo" panose="020B0609030804020204" pitchFamily="49" charset="0"/>
+                <a:ea typeface="Menlo" panose="020B0609030804020204" pitchFamily="49" charset="0"/>
+                <a:cs typeface="Menlo" panose="020B0609030804020204" pitchFamily="49" charset="0"/>
+              </a:rPr>
+              <a:t>if (1 &gt; 0) then 1 else 0</a:t>
+            </a:r>
+            <a:r>
+              <a:rPr lang="en-GB" sz="1800" dirty="0"/>
+              <a:t>	using </a:t>
+            </a:r>
+            <a:r>
+              <a:rPr lang="en-GB" sz="1800" dirty="0">
+                <a:solidFill>
+                  <a:srgbClr val="8922FD"/>
+                </a:solidFill>
+                <a:latin typeface="Menlo" panose="020B0609030804020204" pitchFamily="49" charset="0"/>
+                <a:ea typeface="Menlo" panose="020B0609030804020204" pitchFamily="49" charset="0"/>
+                <a:cs typeface="Menlo" panose="020B0609030804020204" pitchFamily="49" charset="0"/>
+              </a:rPr>
+              <a:t>f(x) = if (x &gt; 0) then x else 0</a:t>
+            </a:r>
+            <a:endParaRPr lang="en-GB" sz="1800" dirty="0"/>
+          </a:p>
+          <a:p>
+            <a:pPr>
+              <a:tabLst>
+                <a:tab pos="3460750" algn="l"/>
+              </a:tabLst>
+            </a:pPr>
+            <a:r>
+              <a:rPr lang="en-GB" sz="1800" dirty="0">
+                <a:solidFill>
+                  <a:srgbClr val="8922FD"/>
+                </a:solidFill>
+                <a:latin typeface="Menlo" panose="020B0609030804020204" pitchFamily="49" charset="0"/>
+                <a:ea typeface="Menlo" panose="020B0609030804020204" pitchFamily="49" charset="0"/>
+                <a:cs typeface="Menlo" panose="020B0609030804020204" pitchFamily="49" charset="0"/>
+              </a:rPr>
+              <a:t>1</a:t>
+            </a:r>
+            <a:r>
+              <a:rPr lang="en-GB" sz="1800" dirty="0"/>
+              <a:t>	using semantics of if-statement</a:t>
+            </a:r>
+          </a:p>
+        </p:txBody>
+      </p:sp>
+      <p:sp>
+        <p:nvSpPr>
+          <p:cNvPr id="6" name="TextBox 5">
+            <a:extLst>
+              <a:ext uri="{FF2B5EF4-FFF2-40B4-BE49-F238E27FC236}">
+                <a16:creationId xmlns:a16="http://schemas.microsoft.com/office/drawing/2014/main" id="{0171ED84-E81C-3E8F-E4E8-5E44A471AD9F}"/>
+              </a:ext>
+            </a:extLst>
+          </p:cNvPr>
+          <p:cNvSpPr txBox="1"/>
+          <p:nvPr/>
+        </p:nvSpPr>
+        <p:spPr>
+          <a:xfrm>
+            <a:off x="502578" y="4738934"/>
+            <a:ext cx="8336622" cy="369332"/>
+          </a:xfrm>
+          <a:prstGeom prst="rect">
+            <a:avLst/>
+          </a:prstGeom>
+          <a:noFill/>
+        </p:spPr>
+        <p:txBody>
+          <a:bodyPr wrap="square" rtlCol="0">
+            <a:spAutoFit/>
+          </a:bodyPr>
+          <a:lstStyle/>
+          <a:p>
+            <a:r>
+              <a:rPr lang="en-GB" sz="1800" dirty="0" err="1"/>
+              <a:t>Logika</a:t>
+            </a:r>
+            <a:r>
+              <a:rPr lang="en-GB" sz="1800" dirty="0"/>
+              <a:t> has some rewriting rules based on semantics (and expression evaluation)</a:t>
+            </a:r>
+          </a:p>
+        </p:txBody>
+      </p:sp>
+      <p:sp>
+        <p:nvSpPr>
+          <p:cNvPr id="7" name="TextBox 6">
+            <a:extLst>
+              <a:ext uri="{FF2B5EF4-FFF2-40B4-BE49-F238E27FC236}">
+                <a16:creationId xmlns:a16="http://schemas.microsoft.com/office/drawing/2014/main" id="{499A4B44-97DB-7E9A-826C-AA873843DFB2}"/>
+              </a:ext>
+            </a:extLst>
+          </p:cNvPr>
+          <p:cNvSpPr txBox="1"/>
+          <p:nvPr/>
+        </p:nvSpPr>
+        <p:spPr>
+          <a:xfrm>
+            <a:off x="498297" y="5336636"/>
+            <a:ext cx="8336622" cy="369332"/>
+          </a:xfrm>
+          <a:prstGeom prst="rect">
+            <a:avLst/>
+          </a:prstGeom>
+          <a:noFill/>
+        </p:spPr>
+        <p:txBody>
+          <a:bodyPr wrap="square" rtlCol="0">
+            <a:spAutoFit/>
+          </a:bodyPr>
+          <a:lstStyle/>
+          <a:p>
+            <a:r>
+              <a:rPr lang="en-GB" sz="1800" dirty="0"/>
+              <a:t>Other rewriting rules can be added and used in proofs</a:t>
             </a:r>
           </a:p>
         </p:txBody>
@@ -4958,6 +6157,935 @@
     <p:extLst>
       <p:ext uri="{BB962C8B-B14F-4D97-AF65-F5344CB8AC3E}">
         <p14:creationId xmlns:p14="http://schemas.microsoft.com/office/powerpoint/2010/main" val="974532288"/>
+      </p:ext>
+    </p:extLst>
+  </p:cSld>
+  <p:clrMapOvr>
+    <a:masterClrMapping/>
+  </p:clrMapOvr>
+</p:sld>
+</file>
+
+<file path=ppt/slides/slide3.xml><?xml version="1.0" encoding="utf-8"?>
+<p:sld xmlns:a="http://schemas.openxmlformats.org/drawingml/2006/main" xmlns:r="http://schemas.openxmlformats.org/officeDocument/2006/relationships" xmlns:p="http://schemas.openxmlformats.org/presentationml/2006/main">
+  <p:cSld>
+    <p:spTree>
+      <p:nvGrpSpPr>
+        <p:cNvPr id="1" name="">
+          <a:extLst>
+            <a:ext uri="{FF2B5EF4-FFF2-40B4-BE49-F238E27FC236}">
+              <a16:creationId xmlns:a16="http://schemas.microsoft.com/office/drawing/2014/main" id="{AB8F1111-F537-5AB4-1279-70D03A2B4E45}"/>
+            </a:ext>
+          </a:extLst>
+        </p:cNvPr>
+        <p:cNvGrpSpPr/>
+        <p:nvPr/>
+      </p:nvGrpSpPr>
+      <p:grpSpPr>
+        <a:xfrm>
+          <a:off x="0" y="0"/>
+          <a:ext cx="0" cy="0"/>
+          <a:chOff x="0" y="0"/>
+          <a:chExt cx="0" cy="0"/>
+        </a:xfrm>
+      </p:grpSpPr>
+      <p:sp>
+        <p:nvSpPr>
+          <p:cNvPr id="2" name="Title 1">
+            <a:extLst>
+              <a:ext uri="{FF2B5EF4-FFF2-40B4-BE49-F238E27FC236}">
+                <a16:creationId xmlns:a16="http://schemas.microsoft.com/office/drawing/2014/main" id="{12F5BBFE-38BD-C912-ACC2-A72C1B9CB452}"/>
+              </a:ext>
+            </a:extLst>
+          </p:cNvPr>
+          <p:cNvSpPr>
+            <a:spLocks noGrp="1"/>
+          </p:cNvSpPr>
+          <p:nvPr>
+            <p:ph type="title"/>
+          </p:nvPr>
+        </p:nvSpPr>
+        <p:spPr/>
+        <p:txBody>
+          <a:bodyPr/>
+          <a:lstStyle/>
+          <a:p>
+            <a:r>
+              <a:rPr lang="en-US" sz="3600" dirty="0"/>
+              <a:t>Expression Rewriting</a:t>
+            </a:r>
+          </a:p>
+        </p:txBody>
+      </p:sp>
+      <p:sp>
+        <p:nvSpPr>
+          <p:cNvPr id="128" name="Slide Number Placeholder 127">
+            <a:extLst>
+              <a:ext uri="{FF2B5EF4-FFF2-40B4-BE49-F238E27FC236}">
+                <a16:creationId xmlns:a16="http://schemas.microsoft.com/office/drawing/2014/main" id="{414942EE-24C9-7EAA-AD56-93ED67F4A8D4}"/>
+              </a:ext>
+            </a:extLst>
+          </p:cNvPr>
+          <p:cNvSpPr>
+            <a:spLocks noGrp="1"/>
+          </p:cNvSpPr>
+          <p:nvPr>
+            <p:ph type="sldNum" sz="quarter" idx="11"/>
+          </p:nvPr>
+        </p:nvSpPr>
+        <p:spPr/>
+        <p:txBody>
+          <a:bodyPr/>
+          <a:lstStyle/>
+          <a:p>
+            <a:pPr>
+              <a:defRPr/>
+            </a:pPr>
+            <a:fld id="{6E0AA622-F4CE-604D-A669-CD3D12FC535C}" type="slidenum">
+              <a:rPr lang="en-US" smtClean="0"/>
+              <a:pPr>
+                <a:defRPr/>
+              </a:pPr>
+              <a:t>3</a:t>
+            </a:fld>
+            <a:endParaRPr lang="en-US" dirty="0"/>
+          </a:p>
+        </p:txBody>
+      </p:sp>
+      <p:sp>
+        <p:nvSpPr>
+          <p:cNvPr id="3" name="TextBox 2">
+            <a:extLst>
+              <a:ext uri="{FF2B5EF4-FFF2-40B4-BE49-F238E27FC236}">
+                <a16:creationId xmlns:a16="http://schemas.microsoft.com/office/drawing/2014/main" id="{9DE81A38-51BC-4160-AD75-94FC8237B39B}"/>
+              </a:ext>
+            </a:extLst>
+          </p:cNvPr>
+          <p:cNvSpPr txBox="1"/>
+          <p:nvPr/>
+        </p:nvSpPr>
+        <p:spPr>
+          <a:xfrm>
+            <a:off x="381000" y="1158925"/>
+            <a:ext cx="8016766" cy="338554"/>
+          </a:xfrm>
+          <a:prstGeom prst="rect">
+            <a:avLst/>
+          </a:prstGeom>
+          <a:gradFill flip="none" rotWithShape="1">
+            <a:gsLst>
+              <a:gs pos="0">
+                <a:schemeClr val="bg1"/>
+              </a:gs>
+              <a:gs pos="74000">
+                <a:srgbClr val="FFE267"/>
+              </a:gs>
+              <a:gs pos="83000">
+                <a:srgbClr val="FFE267"/>
+              </a:gs>
+              <a:gs pos="100000">
+                <a:srgbClr val="FFE267"/>
+              </a:gs>
+            </a:gsLst>
+            <a:lin ang="10800000" scaled="1"/>
+            <a:tileRect/>
+          </a:gradFill>
+        </p:spPr>
+        <p:txBody>
+          <a:bodyPr wrap="square" rtlCol="0">
+            <a:spAutoFit/>
+          </a:bodyPr>
+          <a:lstStyle/>
+          <a:p>
+            <a:r>
+              <a:rPr lang="en-US" sz="1600" dirty="0"/>
+              <a:t>Abstract function definitions</a:t>
+            </a:r>
+          </a:p>
+        </p:txBody>
+      </p:sp>
+      <p:pic>
+        <p:nvPicPr>
+          <p:cNvPr id="5" name="Picture 4" descr="A screenshot of a computer code&#10;&#10;Description automatically generated">
+            <a:extLst>
+              <a:ext uri="{FF2B5EF4-FFF2-40B4-BE49-F238E27FC236}">
+                <a16:creationId xmlns:a16="http://schemas.microsoft.com/office/drawing/2014/main" id="{35363194-AEEA-8056-ADF3-05EDC8F7DD5F}"/>
+              </a:ext>
+            </a:extLst>
+          </p:cNvPr>
+          <p:cNvPicPr>
+            <a:picLocks noChangeAspect="1"/>
+          </p:cNvPicPr>
+          <p:nvPr/>
+        </p:nvPicPr>
+        <p:blipFill>
+          <a:blip r:embed="rId3"/>
+          <a:stretch>
+            <a:fillRect/>
+          </a:stretch>
+        </p:blipFill>
+        <p:spPr>
+          <a:xfrm>
+            <a:off x="533400" y="1676400"/>
+            <a:ext cx="5676900" cy="2286000"/>
+          </a:xfrm>
+          <a:prstGeom prst="rect">
+            <a:avLst/>
+          </a:prstGeom>
+        </p:spPr>
+      </p:pic>
+    </p:spTree>
+    <p:extLst>
+      <p:ext uri="{BB962C8B-B14F-4D97-AF65-F5344CB8AC3E}">
+        <p14:creationId xmlns:p14="http://schemas.microsoft.com/office/powerpoint/2010/main" val="2889095101"/>
+      </p:ext>
+    </p:extLst>
+  </p:cSld>
+  <p:clrMapOvr>
+    <a:masterClrMapping/>
+  </p:clrMapOvr>
+</p:sld>
+</file>
+
+<file path=ppt/slides/slide4.xml><?xml version="1.0" encoding="utf-8"?>
+<p:sld xmlns:a="http://schemas.openxmlformats.org/drawingml/2006/main" xmlns:r="http://schemas.openxmlformats.org/officeDocument/2006/relationships" xmlns:p="http://schemas.openxmlformats.org/presentationml/2006/main">
+  <p:cSld>
+    <p:spTree>
+      <p:nvGrpSpPr>
+        <p:cNvPr id="1" name="">
+          <a:extLst>
+            <a:ext uri="{FF2B5EF4-FFF2-40B4-BE49-F238E27FC236}">
+              <a16:creationId xmlns:a16="http://schemas.microsoft.com/office/drawing/2014/main" id="{05474CEF-F076-5C09-BFC8-783B56DBD6A5}"/>
+            </a:ext>
+          </a:extLst>
+        </p:cNvPr>
+        <p:cNvGrpSpPr/>
+        <p:nvPr/>
+      </p:nvGrpSpPr>
+      <p:grpSpPr>
+        <a:xfrm>
+          <a:off x="0" y="0"/>
+          <a:ext cx="0" cy="0"/>
+          <a:chOff x="0" y="0"/>
+          <a:chExt cx="0" cy="0"/>
+        </a:xfrm>
+      </p:grpSpPr>
+      <p:pic>
+        <p:nvPicPr>
+          <p:cNvPr id="6" name="Picture 5" descr="A screenshot of a math program&#10;&#10;Description automatically generated">
+            <a:extLst>
+              <a:ext uri="{FF2B5EF4-FFF2-40B4-BE49-F238E27FC236}">
+                <a16:creationId xmlns:a16="http://schemas.microsoft.com/office/drawing/2014/main" id="{8FA6E380-C2D6-EBEC-A5CE-AF7A5C09D83A}"/>
+              </a:ext>
+            </a:extLst>
+          </p:cNvPr>
+          <p:cNvPicPr>
+            <a:picLocks noChangeAspect="1"/>
+          </p:cNvPicPr>
+          <p:nvPr/>
+        </p:nvPicPr>
+        <p:blipFill>
+          <a:blip r:embed="rId3"/>
+          <a:stretch>
+            <a:fillRect/>
+          </a:stretch>
+        </p:blipFill>
+        <p:spPr>
+          <a:xfrm>
+            <a:off x="533400" y="1676400"/>
+            <a:ext cx="7772400" cy="3136636"/>
+          </a:xfrm>
+          <a:prstGeom prst="rect">
+            <a:avLst/>
+          </a:prstGeom>
+        </p:spPr>
+      </p:pic>
+      <p:sp>
+        <p:nvSpPr>
+          <p:cNvPr id="2" name="Title 1">
+            <a:extLst>
+              <a:ext uri="{FF2B5EF4-FFF2-40B4-BE49-F238E27FC236}">
+                <a16:creationId xmlns:a16="http://schemas.microsoft.com/office/drawing/2014/main" id="{913BC31D-B073-7C27-4CB1-C91FA990CF0B}"/>
+              </a:ext>
+            </a:extLst>
+          </p:cNvPr>
+          <p:cNvSpPr>
+            <a:spLocks noGrp="1"/>
+          </p:cNvSpPr>
+          <p:nvPr>
+            <p:ph type="title"/>
+          </p:nvPr>
+        </p:nvSpPr>
+        <p:spPr/>
+        <p:txBody>
+          <a:bodyPr/>
+          <a:lstStyle/>
+          <a:p>
+            <a:r>
+              <a:rPr lang="en-US" sz="3600" dirty="0"/>
+              <a:t>Expression Rewriting</a:t>
+            </a:r>
+          </a:p>
+        </p:txBody>
+      </p:sp>
+      <p:sp>
+        <p:nvSpPr>
+          <p:cNvPr id="128" name="Slide Number Placeholder 127">
+            <a:extLst>
+              <a:ext uri="{FF2B5EF4-FFF2-40B4-BE49-F238E27FC236}">
+                <a16:creationId xmlns:a16="http://schemas.microsoft.com/office/drawing/2014/main" id="{C893FA73-329B-41E0-2A65-C40232C3859B}"/>
+              </a:ext>
+            </a:extLst>
+          </p:cNvPr>
+          <p:cNvSpPr>
+            <a:spLocks noGrp="1"/>
+          </p:cNvSpPr>
+          <p:nvPr>
+            <p:ph type="sldNum" sz="quarter" idx="11"/>
+          </p:nvPr>
+        </p:nvSpPr>
+        <p:spPr/>
+        <p:txBody>
+          <a:bodyPr/>
+          <a:lstStyle/>
+          <a:p>
+            <a:pPr>
+              <a:defRPr/>
+            </a:pPr>
+            <a:fld id="{6E0AA622-F4CE-604D-A669-CD3D12FC535C}" type="slidenum">
+              <a:rPr lang="en-US" smtClean="0"/>
+              <a:pPr>
+                <a:defRPr/>
+              </a:pPr>
+              <a:t>4</a:t>
+            </a:fld>
+            <a:endParaRPr lang="en-US" dirty="0"/>
+          </a:p>
+        </p:txBody>
+      </p:sp>
+      <p:sp>
+        <p:nvSpPr>
+          <p:cNvPr id="3" name="TextBox 2">
+            <a:extLst>
+              <a:ext uri="{FF2B5EF4-FFF2-40B4-BE49-F238E27FC236}">
+                <a16:creationId xmlns:a16="http://schemas.microsoft.com/office/drawing/2014/main" id="{6D8650BC-1BEB-5211-AFD8-0D22E7CFC32E}"/>
+              </a:ext>
+            </a:extLst>
+          </p:cNvPr>
+          <p:cNvSpPr txBox="1"/>
+          <p:nvPr/>
+        </p:nvSpPr>
+        <p:spPr>
+          <a:xfrm>
+            <a:off x="381000" y="1158925"/>
+            <a:ext cx="8016766" cy="338554"/>
+          </a:xfrm>
+          <a:prstGeom prst="rect">
+            <a:avLst/>
+          </a:prstGeom>
+          <a:gradFill flip="none" rotWithShape="1">
+            <a:gsLst>
+              <a:gs pos="0">
+                <a:schemeClr val="bg1"/>
+              </a:gs>
+              <a:gs pos="74000">
+                <a:srgbClr val="FFE267"/>
+              </a:gs>
+              <a:gs pos="83000">
+                <a:srgbClr val="FFE267"/>
+              </a:gs>
+              <a:gs pos="100000">
+                <a:srgbClr val="FFE267"/>
+              </a:gs>
+            </a:gsLst>
+            <a:lin ang="10800000" scaled="1"/>
+            <a:tileRect/>
+          </a:gradFill>
+        </p:spPr>
+        <p:txBody>
+          <a:bodyPr wrap="square" rtlCol="0">
+            <a:spAutoFit/>
+          </a:bodyPr>
+          <a:lstStyle/>
+          <a:p>
+            <a:r>
+              <a:rPr lang="en-US" sz="1600" dirty="0"/>
+              <a:t>The </a:t>
+            </a:r>
+            <a:r>
+              <a:rPr lang="en-US" sz="1600" dirty="0">
+                <a:latin typeface="Menlo" panose="020B0609030804020204" pitchFamily="49" charset="0"/>
+                <a:ea typeface="Menlo" panose="020B0609030804020204" pitchFamily="49" charset="0"/>
+                <a:cs typeface="Menlo" panose="020B0609030804020204" pitchFamily="49" charset="0"/>
+              </a:rPr>
+              <a:t>Rewrite</a:t>
+            </a:r>
+            <a:r>
+              <a:rPr lang="en-US" sz="1600" dirty="0"/>
+              <a:t> tactic</a:t>
+            </a:r>
+          </a:p>
+        </p:txBody>
+      </p:sp>
+    </p:spTree>
+    <p:extLst>
+      <p:ext uri="{BB962C8B-B14F-4D97-AF65-F5344CB8AC3E}">
+        <p14:creationId xmlns:p14="http://schemas.microsoft.com/office/powerpoint/2010/main" val="945844136"/>
+      </p:ext>
+    </p:extLst>
+  </p:cSld>
+  <p:clrMapOvr>
+    <a:masterClrMapping/>
+  </p:clrMapOvr>
+</p:sld>
+</file>
+
+<file path=ppt/slides/slide5.xml><?xml version="1.0" encoding="utf-8"?>
+<p:sld xmlns:a="http://schemas.openxmlformats.org/drawingml/2006/main" xmlns:r="http://schemas.openxmlformats.org/officeDocument/2006/relationships" xmlns:p="http://schemas.openxmlformats.org/presentationml/2006/main">
+  <p:cSld>
+    <p:spTree>
+      <p:nvGrpSpPr>
+        <p:cNvPr id="1" name="">
+          <a:extLst>
+            <a:ext uri="{FF2B5EF4-FFF2-40B4-BE49-F238E27FC236}">
+              <a16:creationId xmlns:a16="http://schemas.microsoft.com/office/drawing/2014/main" id="{162F2D4F-8C02-FC14-33A7-8B9BCB0992A0}"/>
+            </a:ext>
+          </a:extLst>
+        </p:cNvPr>
+        <p:cNvGrpSpPr/>
+        <p:nvPr/>
+      </p:nvGrpSpPr>
+      <p:grpSpPr>
+        <a:xfrm>
+          <a:off x="0" y="0"/>
+          <a:ext cx="0" cy="0"/>
+          <a:chOff x="0" y="0"/>
+          <a:chExt cx="0" cy="0"/>
+        </a:xfrm>
+      </p:grpSpPr>
+      <p:pic>
+        <p:nvPicPr>
+          <p:cNvPr id="6" name="Picture 5" descr="A screenshot of a math problem&#10;&#10;Description automatically generated">
+            <a:extLst>
+              <a:ext uri="{FF2B5EF4-FFF2-40B4-BE49-F238E27FC236}">
+                <a16:creationId xmlns:a16="http://schemas.microsoft.com/office/drawing/2014/main" id="{65110875-4C1D-C2F4-9623-861F284BEB87}"/>
+              </a:ext>
+            </a:extLst>
+          </p:cNvPr>
+          <p:cNvPicPr>
+            <a:picLocks noChangeAspect="1"/>
+          </p:cNvPicPr>
+          <p:nvPr/>
+        </p:nvPicPr>
+        <p:blipFill>
+          <a:blip r:embed="rId3"/>
+          <a:stretch>
+            <a:fillRect/>
+          </a:stretch>
+        </p:blipFill>
+        <p:spPr>
+          <a:xfrm>
+            <a:off x="533400" y="1676400"/>
+            <a:ext cx="7772400" cy="4147771"/>
+          </a:xfrm>
+          <a:prstGeom prst="rect">
+            <a:avLst/>
+          </a:prstGeom>
+        </p:spPr>
+      </p:pic>
+      <p:sp>
+        <p:nvSpPr>
+          <p:cNvPr id="2" name="Title 1">
+            <a:extLst>
+              <a:ext uri="{FF2B5EF4-FFF2-40B4-BE49-F238E27FC236}">
+                <a16:creationId xmlns:a16="http://schemas.microsoft.com/office/drawing/2014/main" id="{8117C642-5155-D283-BCA1-4DAD54B70BE7}"/>
+              </a:ext>
+            </a:extLst>
+          </p:cNvPr>
+          <p:cNvSpPr>
+            <a:spLocks noGrp="1"/>
+          </p:cNvSpPr>
+          <p:nvPr>
+            <p:ph type="title"/>
+          </p:nvPr>
+        </p:nvSpPr>
+        <p:spPr/>
+        <p:txBody>
+          <a:bodyPr/>
+          <a:lstStyle/>
+          <a:p>
+            <a:r>
+              <a:rPr lang="en-US" sz="3600" dirty="0"/>
+              <a:t>Expression Rewriting</a:t>
+            </a:r>
+          </a:p>
+        </p:txBody>
+      </p:sp>
+      <p:sp>
+        <p:nvSpPr>
+          <p:cNvPr id="128" name="Slide Number Placeholder 127">
+            <a:extLst>
+              <a:ext uri="{FF2B5EF4-FFF2-40B4-BE49-F238E27FC236}">
+                <a16:creationId xmlns:a16="http://schemas.microsoft.com/office/drawing/2014/main" id="{0C42E801-DA9D-77D4-F61D-9A099E428B6D}"/>
+              </a:ext>
+            </a:extLst>
+          </p:cNvPr>
+          <p:cNvSpPr>
+            <a:spLocks noGrp="1"/>
+          </p:cNvSpPr>
+          <p:nvPr>
+            <p:ph type="sldNum" sz="quarter" idx="11"/>
+          </p:nvPr>
+        </p:nvSpPr>
+        <p:spPr/>
+        <p:txBody>
+          <a:bodyPr/>
+          <a:lstStyle/>
+          <a:p>
+            <a:pPr>
+              <a:defRPr/>
+            </a:pPr>
+            <a:fld id="{6E0AA622-F4CE-604D-A669-CD3D12FC535C}" type="slidenum">
+              <a:rPr lang="en-US" smtClean="0"/>
+              <a:pPr>
+                <a:defRPr/>
+              </a:pPr>
+              <a:t>5</a:t>
+            </a:fld>
+            <a:endParaRPr lang="en-US" dirty="0"/>
+          </a:p>
+        </p:txBody>
+      </p:sp>
+      <p:sp>
+        <p:nvSpPr>
+          <p:cNvPr id="3" name="TextBox 2">
+            <a:extLst>
+              <a:ext uri="{FF2B5EF4-FFF2-40B4-BE49-F238E27FC236}">
+                <a16:creationId xmlns:a16="http://schemas.microsoft.com/office/drawing/2014/main" id="{7D73BFB1-A1C0-7B29-44C9-5665EB574443}"/>
+              </a:ext>
+            </a:extLst>
+          </p:cNvPr>
+          <p:cNvSpPr txBox="1"/>
+          <p:nvPr/>
+        </p:nvSpPr>
+        <p:spPr>
+          <a:xfrm>
+            <a:off x="381000" y="1158925"/>
+            <a:ext cx="8016766" cy="338554"/>
+          </a:xfrm>
+          <a:prstGeom prst="rect">
+            <a:avLst/>
+          </a:prstGeom>
+          <a:gradFill flip="none" rotWithShape="1">
+            <a:gsLst>
+              <a:gs pos="0">
+                <a:schemeClr val="bg1"/>
+              </a:gs>
+              <a:gs pos="74000">
+                <a:srgbClr val="FFE267"/>
+              </a:gs>
+              <a:gs pos="83000">
+                <a:srgbClr val="FFE267"/>
+              </a:gs>
+              <a:gs pos="100000">
+                <a:srgbClr val="FFE267"/>
+              </a:gs>
+            </a:gsLst>
+            <a:lin ang="10800000" scaled="1"/>
+            <a:tileRect/>
+          </a:gradFill>
+        </p:spPr>
+        <p:txBody>
+          <a:bodyPr wrap="square" rtlCol="0">
+            <a:spAutoFit/>
+          </a:bodyPr>
+          <a:lstStyle/>
+          <a:p>
+            <a:r>
+              <a:rPr lang="en-US" sz="1600" dirty="0"/>
+              <a:t>The </a:t>
+            </a:r>
+            <a:r>
+              <a:rPr lang="en-US" sz="1600" dirty="0" err="1">
+                <a:latin typeface="Menlo" panose="020B0609030804020204" pitchFamily="49" charset="0"/>
+                <a:ea typeface="Menlo" panose="020B0609030804020204" pitchFamily="49" charset="0"/>
+                <a:cs typeface="Menlo" panose="020B0609030804020204" pitchFamily="49" charset="0"/>
+              </a:rPr>
+              <a:t>RSimpl</a:t>
+            </a:r>
+            <a:r>
+              <a:rPr lang="en-US" sz="1600" dirty="0"/>
+              <a:t> tactic</a:t>
+            </a:r>
+          </a:p>
+        </p:txBody>
+      </p:sp>
+    </p:spTree>
+    <p:extLst>
+      <p:ext uri="{BB962C8B-B14F-4D97-AF65-F5344CB8AC3E}">
+        <p14:creationId xmlns:p14="http://schemas.microsoft.com/office/powerpoint/2010/main" val="3415203761"/>
+      </p:ext>
+    </p:extLst>
+  </p:cSld>
+  <p:clrMapOvr>
+    <a:masterClrMapping/>
+  </p:clrMapOvr>
+</p:sld>
+</file>
+
+<file path=ppt/slides/slide6.xml><?xml version="1.0" encoding="utf-8"?>
+<p:sld xmlns:a="http://schemas.openxmlformats.org/drawingml/2006/main" xmlns:r="http://schemas.openxmlformats.org/officeDocument/2006/relationships" xmlns:p="http://schemas.openxmlformats.org/presentationml/2006/main">
+  <p:cSld>
+    <p:spTree>
+      <p:nvGrpSpPr>
+        <p:cNvPr id="1" name="">
+          <a:extLst>
+            <a:ext uri="{FF2B5EF4-FFF2-40B4-BE49-F238E27FC236}">
+              <a16:creationId xmlns:a16="http://schemas.microsoft.com/office/drawing/2014/main" id="{3F414FF3-DA84-C2FB-BAF3-68E75930C438}"/>
+            </a:ext>
+          </a:extLst>
+        </p:cNvPr>
+        <p:cNvGrpSpPr/>
+        <p:nvPr/>
+      </p:nvGrpSpPr>
+      <p:grpSpPr>
+        <a:xfrm>
+          <a:off x="0" y="0"/>
+          <a:ext cx="0" cy="0"/>
+          <a:chOff x="0" y="0"/>
+          <a:chExt cx="0" cy="0"/>
+        </a:xfrm>
+      </p:grpSpPr>
+      <p:sp>
+        <p:nvSpPr>
+          <p:cNvPr id="2" name="Title 1">
+            <a:extLst>
+              <a:ext uri="{FF2B5EF4-FFF2-40B4-BE49-F238E27FC236}">
+                <a16:creationId xmlns:a16="http://schemas.microsoft.com/office/drawing/2014/main" id="{D395A07A-F2C9-FA0A-D766-0FD466664789}"/>
+              </a:ext>
+            </a:extLst>
+          </p:cNvPr>
+          <p:cNvSpPr>
+            <a:spLocks noGrp="1"/>
+          </p:cNvSpPr>
+          <p:nvPr>
+            <p:ph type="title"/>
+          </p:nvPr>
+        </p:nvSpPr>
+        <p:spPr/>
+        <p:txBody>
+          <a:bodyPr/>
+          <a:lstStyle/>
+          <a:p>
+            <a:r>
+              <a:rPr lang="en-US" sz="3600" dirty="0"/>
+              <a:t>Expression Rewriting</a:t>
+            </a:r>
+          </a:p>
+        </p:txBody>
+      </p:sp>
+      <p:sp>
+        <p:nvSpPr>
+          <p:cNvPr id="128" name="Slide Number Placeholder 127">
+            <a:extLst>
+              <a:ext uri="{FF2B5EF4-FFF2-40B4-BE49-F238E27FC236}">
+                <a16:creationId xmlns:a16="http://schemas.microsoft.com/office/drawing/2014/main" id="{4CA45419-937D-15A3-EF89-8C893B5CE8DC}"/>
+              </a:ext>
+            </a:extLst>
+          </p:cNvPr>
+          <p:cNvSpPr>
+            <a:spLocks noGrp="1"/>
+          </p:cNvSpPr>
+          <p:nvPr>
+            <p:ph type="sldNum" sz="quarter" idx="11"/>
+          </p:nvPr>
+        </p:nvSpPr>
+        <p:spPr/>
+        <p:txBody>
+          <a:bodyPr/>
+          <a:lstStyle/>
+          <a:p>
+            <a:pPr>
+              <a:defRPr/>
+            </a:pPr>
+            <a:fld id="{6E0AA622-F4CE-604D-A669-CD3D12FC535C}" type="slidenum">
+              <a:rPr lang="en-US" smtClean="0"/>
+              <a:pPr>
+                <a:defRPr/>
+              </a:pPr>
+              <a:t>6</a:t>
+            </a:fld>
+            <a:endParaRPr lang="en-US" dirty="0"/>
+          </a:p>
+        </p:txBody>
+      </p:sp>
+      <p:sp>
+        <p:nvSpPr>
+          <p:cNvPr id="3" name="TextBox 2">
+            <a:extLst>
+              <a:ext uri="{FF2B5EF4-FFF2-40B4-BE49-F238E27FC236}">
+                <a16:creationId xmlns:a16="http://schemas.microsoft.com/office/drawing/2014/main" id="{CA2750F5-89FF-8115-0A49-8D510ED4C023}"/>
+              </a:ext>
+            </a:extLst>
+          </p:cNvPr>
+          <p:cNvSpPr txBox="1"/>
+          <p:nvPr/>
+        </p:nvSpPr>
+        <p:spPr>
+          <a:xfrm>
+            <a:off x="381000" y="1158925"/>
+            <a:ext cx="8016766" cy="338554"/>
+          </a:xfrm>
+          <a:prstGeom prst="rect">
+            <a:avLst/>
+          </a:prstGeom>
+          <a:gradFill flip="none" rotWithShape="1">
+            <a:gsLst>
+              <a:gs pos="0">
+                <a:schemeClr val="bg1"/>
+              </a:gs>
+              <a:gs pos="74000">
+                <a:srgbClr val="FFE267"/>
+              </a:gs>
+              <a:gs pos="83000">
+                <a:srgbClr val="FFE267"/>
+              </a:gs>
+              <a:gs pos="100000">
+                <a:srgbClr val="FFE267"/>
+              </a:gs>
+            </a:gsLst>
+            <a:lin ang="10800000" scaled="1"/>
+            <a:tileRect/>
+          </a:gradFill>
+        </p:spPr>
+        <p:txBody>
+          <a:bodyPr wrap="square" rtlCol="0">
+            <a:spAutoFit/>
+          </a:bodyPr>
+          <a:lstStyle/>
+          <a:p>
+            <a:r>
+              <a:rPr lang="en-US" sz="1600" dirty="0"/>
+              <a:t>Forward substitution</a:t>
+            </a:r>
+          </a:p>
+        </p:txBody>
+      </p:sp>
+      <p:pic>
+        <p:nvPicPr>
+          <p:cNvPr id="5" name="Picture 4" descr="A screenshot of a math problem&#10;&#10;Description automatically generated">
+            <a:extLst>
+              <a:ext uri="{FF2B5EF4-FFF2-40B4-BE49-F238E27FC236}">
+                <a16:creationId xmlns:a16="http://schemas.microsoft.com/office/drawing/2014/main" id="{A1DC975B-16E3-92ED-EC5E-0D2BA423FC7F}"/>
+              </a:ext>
+            </a:extLst>
+          </p:cNvPr>
+          <p:cNvPicPr>
+            <a:picLocks noChangeAspect="1"/>
+          </p:cNvPicPr>
+          <p:nvPr/>
+        </p:nvPicPr>
+        <p:blipFill>
+          <a:blip r:embed="rId3"/>
+          <a:stretch>
+            <a:fillRect/>
+          </a:stretch>
+        </p:blipFill>
+        <p:spPr>
+          <a:xfrm>
+            <a:off x="625366" y="1942210"/>
+            <a:ext cx="7772400" cy="3756865"/>
+          </a:xfrm>
+          <a:prstGeom prst="rect">
+            <a:avLst/>
+          </a:prstGeom>
+        </p:spPr>
+      </p:pic>
+    </p:spTree>
+    <p:extLst>
+      <p:ext uri="{BB962C8B-B14F-4D97-AF65-F5344CB8AC3E}">
+        <p14:creationId xmlns:p14="http://schemas.microsoft.com/office/powerpoint/2010/main" val="2344217997"/>
+      </p:ext>
+    </p:extLst>
+  </p:cSld>
+  <p:clrMapOvr>
+    <a:masterClrMapping/>
+  </p:clrMapOvr>
+</p:sld>
+</file>
+
+<file path=ppt/slides/slide7.xml><?xml version="1.0" encoding="utf-8"?>
+<p:sld xmlns:a="http://schemas.openxmlformats.org/drawingml/2006/main" xmlns:r="http://schemas.openxmlformats.org/officeDocument/2006/relationships" xmlns:p="http://schemas.openxmlformats.org/presentationml/2006/main">
+  <p:cSld>
+    <p:spTree>
+      <p:nvGrpSpPr>
+        <p:cNvPr id="1" name="">
+          <a:extLst>
+            <a:ext uri="{FF2B5EF4-FFF2-40B4-BE49-F238E27FC236}">
+              <a16:creationId xmlns:a16="http://schemas.microsoft.com/office/drawing/2014/main" id="{1259811E-EE53-3614-BBDB-DEA7BE690332}"/>
+            </a:ext>
+          </a:extLst>
+        </p:cNvPr>
+        <p:cNvGrpSpPr/>
+        <p:nvPr/>
+      </p:nvGrpSpPr>
+      <p:grpSpPr>
+        <a:xfrm>
+          <a:off x="0" y="0"/>
+          <a:ext cx="0" cy="0"/>
+          <a:chOff x="0" y="0"/>
+          <a:chExt cx="0" cy="0"/>
+        </a:xfrm>
+      </p:grpSpPr>
+      <p:sp>
+        <p:nvSpPr>
+          <p:cNvPr id="2" name="Title 1">
+            <a:extLst>
+              <a:ext uri="{FF2B5EF4-FFF2-40B4-BE49-F238E27FC236}">
+                <a16:creationId xmlns:a16="http://schemas.microsoft.com/office/drawing/2014/main" id="{BC34EAE1-9189-4EE6-EB77-17A4B0ADE3CA}"/>
+              </a:ext>
+            </a:extLst>
+          </p:cNvPr>
+          <p:cNvSpPr>
+            <a:spLocks noGrp="1"/>
+          </p:cNvSpPr>
+          <p:nvPr>
+            <p:ph type="title"/>
+          </p:nvPr>
+        </p:nvSpPr>
+        <p:spPr/>
+        <p:txBody>
+          <a:bodyPr/>
+          <a:lstStyle/>
+          <a:p>
+            <a:r>
+              <a:rPr lang="en-US" sz="3600" dirty="0"/>
+              <a:t>Expression Rewriting</a:t>
+            </a:r>
+          </a:p>
+        </p:txBody>
+      </p:sp>
+      <p:sp>
+        <p:nvSpPr>
+          <p:cNvPr id="128" name="Slide Number Placeholder 127">
+            <a:extLst>
+              <a:ext uri="{FF2B5EF4-FFF2-40B4-BE49-F238E27FC236}">
+                <a16:creationId xmlns:a16="http://schemas.microsoft.com/office/drawing/2014/main" id="{7DFD8CD0-A5B9-876A-7851-07B3D1966F4E}"/>
+              </a:ext>
+            </a:extLst>
+          </p:cNvPr>
+          <p:cNvSpPr>
+            <a:spLocks noGrp="1"/>
+          </p:cNvSpPr>
+          <p:nvPr>
+            <p:ph type="sldNum" sz="quarter" idx="11"/>
+          </p:nvPr>
+        </p:nvSpPr>
+        <p:spPr/>
+        <p:txBody>
+          <a:bodyPr/>
+          <a:lstStyle/>
+          <a:p>
+            <a:pPr>
+              <a:defRPr/>
+            </a:pPr>
+            <a:fld id="{6E0AA622-F4CE-604D-A669-CD3D12FC535C}" type="slidenum">
+              <a:rPr lang="en-US" smtClean="0"/>
+              <a:pPr>
+                <a:defRPr/>
+              </a:pPr>
+              <a:t>7</a:t>
+            </a:fld>
+            <a:endParaRPr lang="en-US" dirty="0"/>
+          </a:p>
+        </p:txBody>
+      </p:sp>
+      <p:sp>
+        <p:nvSpPr>
+          <p:cNvPr id="3" name="TextBox 2">
+            <a:extLst>
+              <a:ext uri="{FF2B5EF4-FFF2-40B4-BE49-F238E27FC236}">
+                <a16:creationId xmlns:a16="http://schemas.microsoft.com/office/drawing/2014/main" id="{63D4F072-2C9D-465F-674E-540BC5E88BE3}"/>
+              </a:ext>
+            </a:extLst>
+          </p:cNvPr>
+          <p:cNvSpPr txBox="1"/>
+          <p:nvPr/>
+        </p:nvSpPr>
+        <p:spPr>
+          <a:xfrm>
+            <a:off x="381000" y="1158925"/>
+            <a:ext cx="8016766" cy="338554"/>
+          </a:xfrm>
+          <a:prstGeom prst="rect">
+            <a:avLst/>
+          </a:prstGeom>
+          <a:gradFill flip="none" rotWithShape="1">
+            <a:gsLst>
+              <a:gs pos="0">
+                <a:schemeClr val="bg1"/>
+              </a:gs>
+              <a:gs pos="74000">
+                <a:srgbClr val="FFE267"/>
+              </a:gs>
+              <a:gs pos="83000">
+                <a:srgbClr val="FFE267"/>
+              </a:gs>
+              <a:gs pos="100000">
+                <a:srgbClr val="FFE267"/>
+              </a:gs>
+            </a:gsLst>
+            <a:lin ang="10800000" scaled="1"/>
+            <a:tileRect/>
+          </a:gradFill>
+        </p:spPr>
+        <p:txBody>
+          <a:bodyPr wrap="square" rtlCol="0">
+            <a:spAutoFit/>
+          </a:bodyPr>
+          <a:lstStyle/>
+          <a:p>
+            <a:r>
+              <a:rPr lang="en-US" sz="1600" dirty="0"/>
+              <a:t>Backward substitution</a:t>
+            </a:r>
+          </a:p>
+        </p:txBody>
+      </p:sp>
+      <p:pic>
+        <p:nvPicPr>
+          <p:cNvPr id="5" name="Picture 4" descr="A screenshot of a math equation&#10;&#10;Description automatically generated">
+            <a:extLst>
+              <a:ext uri="{FF2B5EF4-FFF2-40B4-BE49-F238E27FC236}">
+                <a16:creationId xmlns:a16="http://schemas.microsoft.com/office/drawing/2014/main" id="{7D883AD3-5AC5-D532-5E6C-49D65F8FC5A2}"/>
+              </a:ext>
+            </a:extLst>
+          </p:cNvPr>
+          <p:cNvPicPr>
+            <a:picLocks noChangeAspect="1"/>
+          </p:cNvPicPr>
+          <p:nvPr/>
+        </p:nvPicPr>
+        <p:blipFill>
+          <a:blip r:embed="rId3"/>
+          <a:stretch>
+            <a:fillRect/>
+          </a:stretch>
+        </p:blipFill>
+        <p:spPr>
+          <a:xfrm>
+            <a:off x="614236" y="1954528"/>
+            <a:ext cx="7772400" cy="3744547"/>
+          </a:xfrm>
+          <a:prstGeom prst="rect">
+            <a:avLst/>
+          </a:prstGeom>
+        </p:spPr>
+      </p:pic>
+    </p:spTree>
+    <p:extLst>
+      <p:ext uri="{BB962C8B-B14F-4D97-AF65-F5344CB8AC3E}">
+        <p14:creationId xmlns:p14="http://schemas.microsoft.com/office/powerpoint/2010/main" val="2036394989"/>
       </p:ext>
     </p:extLst>
   </p:cSld>

--- a/slides/A-01-01-Proofs-Rewriting.pptx
+++ b/slides/A-01-01-Proofs-Rewriting.pptx
@@ -5,10 +5,10 @@
     <p:sldMasterId id="2147483649" r:id="rId1"/>
   </p:sldMasterIdLst>
   <p:notesMasterIdLst>
-    <p:notesMasterId r:id="rId9"/>
+    <p:notesMasterId r:id="rId11"/>
   </p:notesMasterIdLst>
   <p:handoutMasterIdLst>
-    <p:handoutMasterId r:id="rId10"/>
+    <p:handoutMasterId r:id="rId12"/>
   </p:handoutMasterIdLst>
   <p:sldIdLst>
     <p:sldId id="258" r:id="rId2"/>
@@ -18,6 +18,8 @@
     <p:sldId id="1916" r:id="rId6"/>
     <p:sldId id="1913" r:id="rId7"/>
     <p:sldId id="1914" r:id="rId8"/>
+    <p:sldId id="1917" r:id="rId9"/>
+    <p:sldId id="1918" r:id="rId10"/>
   </p:sldIdLst>
   <p:sldSz cx="9144000" cy="6858000" type="screen4x3"/>
   <p:notesSz cx="6858000" cy="9144000"/>
@@ -2031,6 +2033,364 @@
     <p:extLst>
       <p:ext uri="{BB962C8B-B14F-4D97-AF65-F5344CB8AC3E}">
         <p14:creationId xmlns:p14="http://schemas.microsoft.com/office/powerpoint/2010/main" val="4092460006"/>
+      </p:ext>
+    </p:extLst>
+  </p:cSld>
+  <p:clrMapOvr>
+    <a:masterClrMapping/>
+  </p:clrMapOvr>
+</p:notes>
+</file>
+
+<file path=ppt/notesSlides/notesSlide8.xml><?xml version="1.0" encoding="utf-8"?>
+<p:notes xmlns:a="http://schemas.openxmlformats.org/drawingml/2006/main" xmlns:r="http://schemas.openxmlformats.org/officeDocument/2006/relationships" xmlns:p="http://schemas.openxmlformats.org/presentationml/2006/main">
+  <p:cSld>
+    <p:spTree>
+      <p:nvGrpSpPr>
+        <p:cNvPr id="1" name="">
+          <a:extLst>
+            <a:ext uri="{FF2B5EF4-FFF2-40B4-BE49-F238E27FC236}">
+              <a16:creationId xmlns:a16="http://schemas.microsoft.com/office/drawing/2014/main" id="{00EAA439-524F-ADCC-ABD4-D4AE8E3C7F86}"/>
+            </a:ext>
+          </a:extLst>
+        </p:cNvPr>
+        <p:cNvGrpSpPr/>
+        <p:nvPr/>
+      </p:nvGrpSpPr>
+      <p:grpSpPr>
+        <a:xfrm>
+          <a:off x="0" y="0"/>
+          <a:ext cx="0" cy="0"/>
+          <a:chOff x="0" y="0"/>
+          <a:chExt cx="0" cy="0"/>
+        </a:xfrm>
+      </p:grpSpPr>
+      <p:sp>
+        <p:nvSpPr>
+          <p:cNvPr id="2" name="Slide Image Placeholder 1">
+            <a:extLst>
+              <a:ext uri="{FF2B5EF4-FFF2-40B4-BE49-F238E27FC236}">
+                <a16:creationId xmlns:a16="http://schemas.microsoft.com/office/drawing/2014/main" id="{4550212B-0C0E-843B-7B16-60ACB6C13371}"/>
+              </a:ext>
+            </a:extLst>
+          </p:cNvPr>
+          <p:cNvSpPr>
+            <a:spLocks noGrp="1" noRot="1" noChangeAspect="1"/>
+          </p:cNvSpPr>
+          <p:nvPr>
+            <p:ph type="sldImg"/>
+          </p:nvPr>
+        </p:nvSpPr>
+        <p:spPr/>
+      </p:sp>
+      <p:sp>
+        <p:nvSpPr>
+          <p:cNvPr id="3" name="Notes Placeholder 2">
+            <a:extLst>
+              <a:ext uri="{FF2B5EF4-FFF2-40B4-BE49-F238E27FC236}">
+                <a16:creationId xmlns:a16="http://schemas.microsoft.com/office/drawing/2014/main" id="{109B2180-F193-3F5C-0741-3ED1F3283816}"/>
+              </a:ext>
+            </a:extLst>
+          </p:cNvPr>
+          <p:cNvSpPr>
+            <a:spLocks noGrp="1"/>
+          </p:cNvSpPr>
+          <p:nvPr>
+            <p:ph type="body" idx="1"/>
+          </p:nvPr>
+        </p:nvSpPr>
+        <p:spPr/>
+        <p:txBody>
+          <a:bodyPr/>
+          <a:lstStyle/>
+          <a:p>
+            <a:r>
+              <a:rPr lang="en-US" dirty="0">
+                <a:latin typeface="Tahoma" panose="020B0604030504040204" pitchFamily="34" charset="0"/>
+                <a:ea typeface="Tahoma" panose="020B0604030504040204" pitchFamily="34" charset="0"/>
+                <a:cs typeface="Tahoma" panose="020B0604030504040204" pitchFamily="34" charset="0"/>
+              </a:rPr>
+              <a:t>The framework that we will be using for this work is HAMR -- a model-driven development tool chain for high assurance embedded systems that emphasizes three layers of development:</a:t>
+            </a:r>
+          </a:p>
+          <a:p>
+            <a:endParaRPr lang="en-US" dirty="0">
+              <a:latin typeface="Tahoma" panose="020B0604030504040204" pitchFamily="34" charset="0"/>
+              <a:ea typeface="Tahoma" panose="020B0604030504040204" pitchFamily="34" charset="0"/>
+              <a:cs typeface="Tahoma" panose="020B0604030504040204" pitchFamily="34" charset="0"/>
+            </a:endParaRPr>
+          </a:p>
+          <a:p>
+            <a:r>
+              <a:rPr lang="en-US" dirty="0">
+                <a:latin typeface="Tahoma" panose="020B0604030504040204" pitchFamily="34" charset="0"/>
+                <a:ea typeface="Tahoma" panose="020B0604030504040204" pitchFamily="34" charset="0"/>
+                <a:cs typeface="Tahoma" panose="020B0604030504040204" pitchFamily="34" charset="0"/>
+              </a:rPr>
+              <a:t>Modeling, analysis and verification in the AADL modeling language, leveraging many tools in the AADL ecosystem</a:t>
+            </a:r>
+          </a:p>
+          <a:p>
+            <a:endParaRPr lang="en-US" dirty="0">
+              <a:latin typeface="Tahoma" panose="020B0604030504040204" pitchFamily="34" charset="0"/>
+              <a:ea typeface="Tahoma" panose="020B0604030504040204" pitchFamily="34" charset="0"/>
+              <a:cs typeface="Tahoma" panose="020B0604030504040204" pitchFamily="34" charset="0"/>
+            </a:endParaRPr>
+          </a:p>
+          <a:p>
+            <a:r>
+              <a:rPr lang="en-US" dirty="0">
+                <a:latin typeface="Tahoma" panose="020B0604030504040204" pitchFamily="34" charset="0"/>
+                <a:ea typeface="Tahoma" panose="020B0604030504040204" pitchFamily="34" charset="0"/>
+                <a:cs typeface="Tahoma" panose="020B0604030504040204" pitchFamily="34" charset="0"/>
+              </a:rPr>
+              <a:t>Development of component application logic in multiple languages include C and Slang (a safety-critical system of Scala with a contract verification framework, which can be translated to C)</a:t>
+            </a:r>
+          </a:p>
+          <a:p>
+            <a:endParaRPr lang="en-US" dirty="0">
+              <a:latin typeface="Tahoma" panose="020B0604030504040204" pitchFamily="34" charset="0"/>
+              <a:ea typeface="Tahoma" panose="020B0604030504040204" pitchFamily="34" charset="0"/>
+              <a:cs typeface="Tahoma" panose="020B0604030504040204" pitchFamily="34" charset="0"/>
+            </a:endParaRPr>
+          </a:p>
+          <a:p>
+            <a:r>
+              <a:rPr lang="en-US" dirty="0">
+                <a:latin typeface="Tahoma" panose="020B0604030504040204" pitchFamily="34" charset="0"/>
+                <a:ea typeface="Tahoma" panose="020B0604030504040204" pitchFamily="34" charset="0"/>
+                <a:cs typeface="Tahoma" panose="020B0604030504040204" pitchFamily="34" charset="0"/>
+              </a:rPr>
+              <a:t>Deployments on multiple platforms including seL4 verified microkernel.</a:t>
+            </a:r>
+          </a:p>
+          <a:p>
+            <a:endParaRPr lang="en-US" dirty="0">
+              <a:latin typeface="Tahoma" panose="020B0604030504040204" pitchFamily="34" charset="0"/>
+              <a:ea typeface="Tahoma" panose="020B0604030504040204" pitchFamily="34" charset="0"/>
+              <a:cs typeface="Tahoma" panose="020B0604030504040204" pitchFamily="34" charset="0"/>
+            </a:endParaRPr>
+          </a:p>
+        </p:txBody>
+      </p:sp>
+      <p:sp>
+        <p:nvSpPr>
+          <p:cNvPr id="4" name="Slide Number Placeholder 3">
+            <a:extLst>
+              <a:ext uri="{FF2B5EF4-FFF2-40B4-BE49-F238E27FC236}">
+                <a16:creationId xmlns:a16="http://schemas.microsoft.com/office/drawing/2014/main" id="{544A72D6-3DA3-A38B-8089-56A6ED185790}"/>
+              </a:ext>
+            </a:extLst>
+          </p:cNvPr>
+          <p:cNvSpPr>
+            <a:spLocks noGrp="1"/>
+          </p:cNvSpPr>
+          <p:nvPr>
+            <p:ph type="sldNum" sz="quarter" idx="5"/>
+          </p:nvPr>
+        </p:nvSpPr>
+        <p:spPr/>
+        <p:txBody>
+          <a:bodyPr/>
+          <a:lstStyle/>
+          <a:p>
+            <a:pPr>
+              <a:defRPr/>
+            </a:pPr>
+            <a:fld id="{2BFE2475-28EF-9A44-97D3-D2287C00B1B1}" type="slidenum">
+              <a:rPr lang="en-US" smtClean="0"/>
+              <a:pPr>
+                <a:defRPr/>
+              </a:pPr>
+              <a:t>8</a:t>
+            </a:fld>
+            <a:endParaRPr lang="en-US"/>
+          </a:p>
+        </p:txBody>
+      </p:sp>
+    </p:spTree>
+    <p:extLst>
+      <p:ext uri="{BB962C8B-B14F-4D97-AF65-F5344CB8AC3E}">
+        <p14:creationId xmlns:p14="http://schemas.microsoft.com/office/powerpoint/2010/main" val="572531543"/>
+      </p:ext>
+    </p:extLst>
+  </p:cSld>
+  <p:clrMapOvr>
+    <a:masterClrMapping/>
+  </p:clrMapOvr>
+</p:notes>
+</file>
+
+<file path=ppt/notesSlides/notesSlide9.xml><?xml version="1.0" encoding="utf-8"?>
+<p:notes xmlns:a="http://schemas.openxmlformats.org/drawingml/2006/main" xmlns:r="http://schemas.openxmlformats.org/officeDocument/2006/relationships" xmlns:p="http://schemas.openxmlformats.org/presentationml/2006/main">
+  <p:cSld>
+    <p:spTree>
+      <p:nvGrpSpPr>
+        <p:cNvPr id="1" name="">
+          <a:extLst>
+            <a:ext uri="{FF2B5EF4-FFF2-40B4-BE49-F238E27FC236}">
+              <a16:creationId xmlns:a16="http://schemas.microsoft.com/office/drawing/2014/main" id="{91401038-1049-8A3A-59EF-B529D7234B62}"/>
+            </a:ext>
+          </a:extLst>
+        </p:cNvPr>
+        <p:cNvGrpSpPr/>
+        <p:nvPr/>
+      </p:nvGrpSpPr>
+      <p:grpSpPr>
+        <a:xfrm>
+          <a:off x="0" y="0"/>
+          <a:ext cx="0" cy="0"/>
+          <a:chOff x="0" y="0"/>
+          <a:chExt cx="0" cy="0"/>
+        </a:xfrm>
+      </p:grpSpPr>
+      <p:sp>
+        <p:nvSpPr>
+          <p:cNvPr id="2" name="Slide Image Placeholder 1">
+            <a:extLst>
+              <a:ext uri="{FF2B5EF4-FFF2-40B4-BE49-F238E27FC236}">
+                <a16:creationId xmlns:a16="http://schemas.microsoft.com/office/drawing/2014/main" id="{35932EA1-E66E-44EB-0D1B-250D8722A961}"/>
+              </a:ext>
+            </a:extLst>
+          </p:cNvPr>
+          <p:cNvSpPr>
+            <a:spLocks noGrp="1" noRot="1" noChangeAspect="1"/>
+          </p:cNvSpPr>
+          <p:nvPr>
+            <p:ph type="sldImg"/>
+          </p:nvPr>
+        </p:nvSpPr>
+        <p:spPr/>
+      </p:sp>
+      <p:sp>
+        <p:nvSpPr>
+          <p:cNvPr id="3" name="Notes Placeholder 2">
+            <a:extLst>
+              <a:ext uri="{FF2B5EF4-FFF2-40B4-BE49-F238E27FC236}">
+                <a16:creationId xmlns:a16="http://schemas.microsoft.com/office/drawing/2014/main" id="{E86CE853-470E-A356-8057-BCA4604A5B7A}"/>
+              </a:ext>
+            </a:extLst>
+          </p:cNvPr>
+          <p:cNvSpPr>
+            <a:spLocks noGrp="1"/>
+          </p:cNvSpPr>
+          <p:nvPr>
+            <p:ph type="body" idx="1"/>
+          </p:nvPr>
+        </p:nvSpPr>
+        <p:spPr/>
+        <p:txBody>
+          <a:bodyPr/>
+          <a:lstStyle/>
+          <a:p>
+            <a:r>
+              <a:rPr lang="en-US" dirty="0">
+                <a:latin typeface="Tahoma" panose="020B0604030504040204" pitchFamily="34" charset="0"/>
+                <a:ea typeface="Tahoma" panose="020B0604030504040204" pitchFamily="34" charset="0"/>
+                <a:cs typeface="Tahoma" panose="020B0604030504040204" pitchFamily="34" charset="0"/>
+              </a:rPr>
+              <a:t>The framework that we will be using for this work is HAMR -- a model-driven development tool chain for high assurance embedded systems that emphasizes three layers of development:</a:t>
+            </a:r>
+          </a:p>
+          <a:p>
+            <a:endParaRPr lang="en-US" dirty="0">
+              <a:latin typeface="Tahoma" panose="020B0604030504040204" pitchFamily="34" charset="0"/>
+              <a:ea typeface="Tahoma" panose="020B0604030504040204" pitchFamily="34" charset="0"/>
+              <a:cs typeface="Tahoma" panose="020B0604030504040204" pitchFamily="34" charset="0"/>
+            </a:endParaRPr>
+          </a:p>
+          <a:p>
+            <a:r>
+              <a:rPr lang="en-US" dirty="0">
+                <a:latin typeface="Tahoma" panose="020B0604030504040204" pitchFamily="34" charset="0"/>
+                <a:ea typeface="Tahoma" panose="020B0604030504040204" pitchFamily="34" charset="0"/>
+                <a:cs typeface="Tahoma" panose="020B0604030504040204" pitchFamily="34" charset="0"/>
+              </a:rPr>
+              <a:t>Modeling, analysis and verification in the AADL modeling language, leveraging many tools in the AADL ecosystem</a:t>
+            </a:r>
+          </a:p>
+          <a:p>
+            <a:endParaRPr lang="en-US" dirty="0">
+              <a:latin typeface="Tahoma" panose="020B0604030504040204" pitchFamily="34" charset="0"/>
+              <a:ea typeface="Tahoma" panose="020B0604030504040204" pitchFamily="34" charset="0"/>
+              <a:cs typeface="Tahoma" panose="020B0604030504040204" pitchFamily="34" charset="0"/>
+            </a:endParaRPr>
+          </a:p>
+          <a:p>
+            <a:r>
+              <a:rPr lang="en-US" dirty="0">
+                <a:latin typeface="Tahoma" panose="020B0604030504040204" pitchFamily="34" charset="0"/>
+                <a:ea typeface="Tahoma" panose="020B0604030504040204" pitchFamily="34" charset="0"/>
+                <a:cs typeface="Tahoma" panose="020B0604030504040204" pitchFamily="34" charset="0"/>
+              </a:rPr>
+              <a:t>Development of component application logic in multiple languages include C and Slang (a safety-critical system of Scala with a contract verification framework, which can be translated to C)</a:t>
+            </a:r>
+          </a:p>
+          <a:p>
+            <a:endParaRPr lang="en-US" dirty="0">
+              <a:latin typeface="Tahoma" panose="020B0604030504040204" pitchFamily="34" charset="0"/>
+              <a:ea typeface="Tahoma" panose="020B0604030504040204" pitchFamily="34" charset="0"/>
+              <a:cs typeface="Tahoma" panose="020B0604030504040204" pitchFamily="34" charset="0"/>
+            </a:endParaRPr>
+          </a:p>
+          <a:p>
+            <a:r>
+              <a:rPr lang="en-US" dirty="0">
+                <a:latin typeface="Tahoma" panose="020B0604030504040204" pitchFamily="34" charset="0"/>
+                <a:ea typeface="Tahoma" panose="020B0604030504040204" pitchFamily="34" charset="0"/>
+                <a:cs typeface="Tahoma" panose="020B0604030504040204" pitchFamily="34" charset="0"/>
+              </a:rPr>
+              <a:t>Deployments on multiple platforms including seL4 verified microkernel.</a:t>
+            </a:r>
+          </a:p>
+          <a:p>
+            <a:endParaRPr lang="en-US" dirty="0">
+              <a:latin typeface="Tahoma" panose="020B0604030504040204" pitchFamily="34" charset="0"/>
+              <a:ea typeface="Tahoma" panose="020B0604030504040204" pitchFamily="34" charset="0"/>
+              <a:cs typeface="Tahoma" panose="020B0604030504040204" pitchFamily="34" charset="0"/>
+            </a:endParaRPr>
+          </a:p>
+        </p:txBody>
+      </p:sp>
+      <p:sp>
+        <p:nvSpPr>
+          <p:cNvPr id="4" name="Slide Number Placeholder 3">
+            <a:extLst>
+              <a:ext uri="{FF2B5EF4-FFF2-40B4-BE49-F238E27FC236}">
+                <a16:creationId xmlns:a16="http://schemas.microsoft.com/office/drawing/2014/main" id="{ED35CE57-E1FA-4C06-C7C6-8DA56EFE60AE}"/>
+              </a:ext>
+            </a:extLst>
+          </p:cNvPr>
+          <p:cNvSpPr>
+            <a:spLocks noGrp="1"/>
+          </p:cNvSpPr>
+          <p:nvPr>
+            <p:ph type="sldNum" sz="quarter" idx="5"/>
+          </p:nvPr>
+        </p:nvSpPr>
+        <p:spPr/>
+        <p:txBody>
+          <a:bodyPr/>
+          <a:lstStyle/>
+          <a:p>
+            <a:pPr>
+              <a:defRPr/>
+            </a:pPr>
+            <a:fld id="{2BFE2475-28EF-9A44-97D3-D2287C00B1B1}" type="slidenum">
+              <a:rPr lang="en-US" smtClean="0"/>
+              <a:pPr>
+                <a:defRPr/>
+              </a:pPr>
+              <a:t>9</a:t>
+            </a:fld>
+            <a:endParaRPr lang="en-US"/>
+          </a:p>
+        </p:txBody>
+      </p:sp>
+    </p:spTree>
+    <p:extLst>
+      <p:ext uri="{BB962C8B-B14F-4D97-AF65-F5344CB8AC3E}">
+        <p14:creationId xmlns:p14="http://schemas.microsoft.com/office/powerpoint/2010/main" val="3672847578"/>
       </p:ext>
     </p:extLst>
   </p:cSld>
@@ -5612,8 +5972,8 @@
         </p:nvSpPr>
         <p:spPr bwMode="auto">
           <a:xfrm flipV="1">
-            <a:off x="2317125" y="4599080"/>
-            <a:ext cx="1421121" cy="277720"/>
+            <a:off x="4953000" y="4396636"/>
+            <a:ext cx="1832233" cy="277720"/>
           </a:xfrm>
           <a:prstGeom prst="rect">
             <a:avLst/>
@@ -5879,7 +6239,15 @@
           <a:p>
             <a:r>
               <a:rPr lang="en-GB" sz="1800" dirty="0"/>
-              <a:t>Many facts have the shape of equalities, e.g.,</a:t>
+              <a:t>Many facts have the shape of </a:t>
+            </a:r>
+            <a:r>
+              <a:rPr lang="en-GB" sz="1800" b="1" dirty="0"/>
+              <a:t>equalities</a:t>
+            </a:r>
+            <a:r>
+              <a:rPr lang="en-GB" sz="1800" dirty="0"/>
+              <a:t>, e.g.,</a:t>
             </a:r>
           </a:p>
           <a:p>
@@ -6094,7 +6462,7 @@
         <p:spPr>
           <a:xfrm>
             <a:off x="502578" y="4738934"/>
-            <a:ext cx="8336622" cy="369332"/>
+            <a:ext cx="8336622" cy="646331"/>
           </a:xfrm>
           <a:prstGeom prst="rect">
             <a:avLst/>
@@ -6113,7 +6481,21 @@
             </a:r>
             <a:r>
               <a:rPr lang="en-GB" sz="1800" dirty="0"/>
-              <a:t> has some rewriting rules based on semantics (and expression evaluation)</a:t>
+              <a:t> has </a:t>
+            </a:r>
+            <a:r>
+              <a:rPr lang="en-GB" sz="1800" b="1" dirty="0"/>
+              <a:t>built in </a:t>
+            </a:r>
+            <a:r>
+              <a:rPr lang="en-GB" sz="1800" dirty="0"/>
+              <a:t>some rewriting rules </a:t>
+            </a:r>
+          </a:p>
+          <a:p>
+            <a:r>
+              <a:rPr lang="en-GB" sz="1800" dirty="0"/>
+              <a:t>based on semantics (and expression evaluation)</a:t>
             </a:r>
           </a:p>
         </p:txBody>
@@ -6132,7 +6514,7 @@
         </p:nvSpPr>
         <p:spPr>
           <a:xfrm>
-            <a:off x="498297" y="5336636"/>
+            <a:off x="502578" y="5600279"/>
             <a:ext cx="8336622" cy="369332"/>
           </a:xfrm>
           <a:prstGeom prst="rect">
@@ -6147,8 +6529,12 @@
           <a:lstStyle/>
           <a:p>
             <a:r>
+              <a:rPr lang="en-GB" sz="1800" b="1" dirty="0"/>
+              <a:t>Other rewriting rules can be added </a:t>
+            </a:r>
+            <a:r>
               <a:rPr lang="en-GB" sz="1800" dirty="0"/>
-              <a:t>Other rewriting rules can be added and used in proofs</a:t>
+              <a:t>and used in proofs</a:t>
             </a:r>
           </a:p>
         </p:txBody>
@@ -6334,6 +6720,382 @@
           </a:prstGeom>
         </p:spPr>
       </p:pic>
+      <p:sp>
+        <p:nvSpPr>
+          <p:cNvPr id="4" name="Rectangle 3">
+            <a:extLst>
+              <a:ext uri="{FF2B5EF4-FFF2-40B4-BE49-F238E27FC236}">
+                <a16:creationId xmlns:a16="http://schemas.microsoft.com/office/drawing/2014/main" id="{7998CE2D-7AF3-CC30-8C48-224BEA464A32}"/>
+              </a:ext>
+            </a:extLst>
+          </p:cNvPr>
+          <p:cNvSpPr/>
+          <p:nvPr/>
+        </p:nvSpPr>
+        <p:spPr bwMode="auto">
+          <a:xfrm>
+            <a:off x="3919020" y="3657600"/>
+            <a:ext cx="2273300" cy="685800"/>
+          </a:xfrm>
+          <a:prstGeom prst="rect">
+            <a:avLst/>
+          </a:prstGeom>
+          <a:solidFill>
+            <a:srgbClr val="FFE267"/>
+          </a:solidFill>
+          <a:ln w="9525" cap="flat" cmpd="sng" algn="ctr">
+            <a:solidFill>
+              <a:schemeClr val="tx1"/>
+            </a:solidFill>
+            <a:prstDash val="solid"/>
+            <a:miter lim="800000"/>
+            <a:headEnd type="none" w="med" len="med"/>
+            <a:tailEnd type="none" w="med" len="med"/>
+          </a:ln>
+          <a:effectLst/>
+        </p:spPr>
+        <p:txBody>
+          <a:bodyPr vert="horz" wrap="square" lIns="91440" tIns="45720" rIns="91440" bIns="45720" numCol="1" rtlCol="0" anchor="t" anchorCtr="0" compatLnSpc="1">
+            <a:prstTxWarp prst="textNoShape">
+              <a:avLst/>
+            </a:prstTxWarp>
+          </a:bodyPr>
+          <a:lstStyle/>
+          <a:p>
+            <a:pPr marL="0" marR="0" indent="0" algn="l" defTabSz="914400" rtl="0" eaLnBrk="1" fontAlgn="base" latinLnBrk="0" hangingPunct="1">
+              <a:lnSpc>
+                <a:spcPct val="100000"/>
+              </a:lnSpc>
+              <a:spcBef>
+                <a:spcPct val="0"/>
+              </a:spcBef>
+              <a:spcAft>
+                <a:spcPct val="0"/>
+              </a:spcAft>
+              <a:buClrTx/>
+              <a:buSzTx/>
+              <a:buFontTx/>
+              <a:buNone/>
+              <a:tabLst/>
+            </a:pPr>
+            <a:r>
+              <a:rPr kumimoji="0" lang="en-GB" sz="1800" b="0" i="0" u="none" strike="noStrike" cap="none" normalizeH="0" baseline="0" dirty="0">
+                <a:ln>
+                  <a:noFill/>
+                </a:ln>
+                <a:solidFill>
+                  <a:schemeClr val="tx1"/>
+                </a:solidFill>
+                <a:effectLst/>
+                <a:latin typeface="Tahoma" charset="0"/>
+              </a:rPr>
+              <a:t>Definition of rewrite set called </a:t>
+            </a:r>
+            <a:r>
+              <a:rPr kumimoji="0" lang="en-GB" sz="1800" b="0" i="0" u="none" strike="noStrike" cap="none" normalizeH="0" baseline="0" dirty="0" err="1">
+                <a:ln>
+                  <a:noFill/>
+                </a:ln>
+                <a:solidFill>
+                  <a:srgbClr val="8922FD"/>
+                </a:solidFill>
+                <a:effectLst/>
+                <a:latin typeface="Menlo" panose="020B0609030804020204" pitchFamily="49" charset="0"/>
+                <a:ea typeface="Menlo" panose="020B0609030804020204" pitchFamily="49" charset="0"/>
+                <a:cs typeface="Menlo" panose="020B0609030804020204" pitchFamily="49" charset="0"/>
+              </a:rPr>
+              <a:t>incRS</a:t>
+            </a:r>
+            <a:endParaRPr kumimoji="0" lang="en-GB" sz="1800" b="0" i="0" u="none" strike="noStrike" cap="none" normalizeH="0" baseline="0" dirty="0">
+              <a:ln>
+                <a:noFill/>
+              </a:ln>
+              <a:solidFill>
+                <a:srgbClr val="8922FD"/>
+              </a:solidFill>
+              <a:effectLst/>
+              <a:latin typeface="Menlo" panose="020B0609030804020204" pitchFamily="49" charset="0"/>
+              <a:ea typeface="Menlo" panose="020B0609030804020204" pitchFamily="49" charset="0"/>
+              <a:cs typeface="Menlo" panose="020B0609030804020204" pitchFamily="49" charset="0"/>
+            </a:endParaRPr>
+          </a:p>
+        </p:txBody>
+      </p:sp>
+      <p:cxnSp>
+        <p:nvCxnSpPr>
+          <p:cNvPr id="6" name="Straight Arrow Connector 5">
+            <a:extLst>
+              <a:ext uri="{FF2B5EF4-FFF2-40B4-BE49-F238E27FC236}">
+                <a16:creationId xmlns:a16="http://schemas.microsoft.com/office/drawing/2014/main" id="{7C59FA65-2EBB-6744-8971-80DB2F2E4F7D}"/>
+              </a:ext>
+            </a:extLst>
+          </p:cNvPr>
+          <p:cNvCxnSpPr>
+            <a:cxnSpLocks/>
+            <a:stCxn id="4" idx="1"/>
+          </p:cNvCxnSpPr>
+          <p:nvPr/>
+        </p:nvCxnSpPr>
+        <p:spPr bwMode="auto">
+          <a:xfrm flipH="1" flipV="1">
+            <a:off x="3144320" y="3614565"/>
+            <a:ext cx="774700" cy="385935"/>
+          </a:xfrm>
+          <a:prstGeom prst="straightConnector1">
+            <a:avLst/>
+          </a:prstGeom>
+          <a:solidFill>
+            <a:schemeClr val="accent1"/>
+          </a:solidFill>
+          <a:ln w="15875" cap="flat" cmpd="sng" algn="ctr">
+            <a:solidFill>
+              <a:schemeClr val="tx1"/>
+            </a:solidFill>
+            <a:prstDash val="solid"/>
+            <a:miter lim="800000"/>
+            <a:headEnd type="none" w="med" len="med"/>
+            <a:tailEnd type="triangle" w="lg" len="med"/>
+          </a:ln>
+          <a:effectLst/>
+        </p:spPr>
+      </p:cxnSp>
+      <p:sp>
+        <p:nvSpPr>
+          <p:cNvPr id="8" name="Rectangle 7">
+            <a:extLst>
+              <a:ext uri="{FF2B5EF4-FFF2-40B4-BE49-F238E27FC236}">
+                <a16:creationId xmlns:a16="http://schemas.microsoft.com/office/drawing/2014/main" id="{E77B904E-BAD6-895D-C298-7523AF7F512D}"/>
+              </a:ext>
+            </a:extLst>
+          </p:cNvPr>
+          <p:cNvSpPr/>
+          <p:nvPr/>
+        </p:nvSpPr>
+        <p:spPr bwMode="auto">
+          <a:xfrm>
+            <a:off x="6629400" y="2445428"/>
+            <a:ext cx="2286000" cy="907372"/>
+          </a:xfrm>
+          <a:prstGeom prst="rect">
+            <a:avLst/>
+          </a:prstGeom>
+          <a:solidFill>
+            <a:srgbClr val="FFE267"/>
+          </a:solidFill>
+          <a:ln w="9525" cap="flat" cmpd="sng" algn="ctr">
+            <a:solidFill>
+              <a:schemeClr val="tx1"/>
+            </a:solidFill>
+            <a:prstDash val="solid"/>
+            <a:miter lim="800000"/>
+            <a:headEnd type="none" w="med" len="med"/>
+            <a:tailEnd type="none" w="med" len="med"/>
+          </a:ln>
+          <a:effectLst/>
+        </p:spPr>
+        <p:txBody>
+          <a:bodyPr vert="horz" wrap="square" lIns="91440" tIns="45720" rIns="91440" bIns="45720" numCol="1" rtlCol="0" anchor="t" anchorCtr="0" compatLnSpc="1">
+            <a:prstTxWarp prst="textNoShape">
+              <a:avLst/>
+            </a:prstTxWarp>
+          </a:bodyPr>
+          <a:lstStyle/>
+          <a:p>
+            <a:pPr marL="0" marR="0" indent="0" algn="l" defTabSz="914400" rtl="0" eaLnBrk="1" fontAlgn="base" latinLnBrk="0" hangingPunct="1">
+              <a:lnSpc>
+                <a:spcPct val="100000"/>
+              </a:lnSpc>
+              <a:spcBef>
+                <a:spcPct val="0"/>
+              </a:spcBef>
+              <a:spcAft>
+                <a:spcPct val="0"/>
+              </a:spcAft>
+              <a:buClrTx/>
+              <a:buSzTx/>
+              <a:buFontTx/>
+              <a:buNone/>
+              <a:tabLst/>
+            </a:pPr>
+            <a:r>
+              <a:rPr kumimoji="0" lang="en-GB" sz="1800" b="0" i="0" u="none" strike="noStrike" cap="none" normalizeH="0" baseline="0" dirty="0">
+                <a:ln>
+                  <a:noFill/>
+                </a:ln>
+                <a:solidFill>
+                  <a:schemeClr val="tx1"/>
+                </a:solidFill>
+                <a:effectLst/>
+                <a:latin typeface="Tahoma" charset="0"/>
+              </a:rPr>
+              <a:t>Two functions that can be used directly for rewriting </a:t>
+            </a:r>
+            <a:r>
+              <a:rPr kumimoji="0" lang="en-GB" sz="1800" b="0" i="0" u="none" strike="noStrike" cap="none" normalizeH="0" baseline="0" dirty="0">
+                <a:ln>
+                  <a:noFill/>
+                </a:ln>
+                <a:solidFill>
+                  <a:srgbClr val="8922FD"/>
+                </a:solidFill>
+                <a:effectLst/>
+                <a:latin typeface="Menlo" panose="020B0609030804020204" pitchFamily="49" charset="0"/>
+                <a:ea typeface="Menlo" panose="020B0609030804020204" pitchFamily="49" charset="0"/>
+                <a:cs typeface="Menlo" panose="020B0609030804020204" pitchFamily="49" charset="0"/>
+              </a:rPr>
+              <a:t>(@abs</a:t>
+            </a:r>
+            <a:r>
+              <a:rPr kumimoji="0" lang="en-GB" sz="1800" b="0" i="0" u="none" strike="noStrike" cap="none" normalizeH="0" baseline="0" dirty="0">
+                <a:ln>
+                  <a:noFill/>
+                </a:ln>
+                <a:solidFill>
+                  <a:schemeClr val="tx1"/>
+                </a:solidFill>
+                <a:effectLst/>
+                <a:latin typeface="Tahoma" charset="0"/>
+              </a:rPr>
+              <a:t>)</a:t>
+            </a:r>
+          </a:p>
+        </p:txBody>
+      </p:sp>
+      <p:cxnSp>
+        <p:nvCxnSpPr>
+          <p:cNvPr id="9" name="Straight Arrow Connector 8">
+            <a:extLst>
+              <a:ext uri="{FF2B5EF4-FFF2-40B4-BE49-F238E27FC236}">
+                <a16:creationId xmlns:a16="http://schemas.microsoft.com/office/drawing/2014/main" id="{F25749BA-D641-2D6A-EA6D-43BFE9E590DC}"/>
+              </a:ext>
+            </a:extLst>
+          </p:cNvPr>
+          <p:cNvCxnSpPr>
+            <a:cxnSpLocks/>
+            <a:stCxn id="8" idx="1"/>
+          </p:cNvCxnSpPr>
+          <p:nvPr/>
+        </p:nvCxnSpPr>
+        <p:spPr bwMode="auto">
+          <a:xfrm flipH="1" flipV="1">
+            <a:off x="5854700" y="2402393"/>
+            <a:ext cx="774700" cy="496721"/>
+          </a:xfrm>
+          <a:prstGeom prst="straightConnector1">
+            <a:avLst/>
+          </a:prstGeom>
+          <a:solidFill>
+            <a:schemeClr val="accent1"/>
+          </a:solidFill>
+          <a:ln w="15875" cap="flat" cmpd="sng" algn="ctr">
+            <a:solidFill>
+              <a:schemeClr val="tx1"/>
+            </a:solidFill>
+            <a:prstDash val="solid"/>
+            <a:miter lim="800000"/>
+            <a:headEnd type="none" w="med" len="med"/>
+            <a:tailEnd type="triangle" w="lg" len="med"/>
+          </a:ln>
+          <a:effectLst/>
+        </p:spPr>
+      </p:cxnSp>
+      <p:sp>
+        <p:nvSpPr>
+          <p:cNvPr id="13" name="Rectangle 12">
+            <a:extLst>
+              <a:ext uri="{FF2B5EF4-FFF2-40B4-BE49-F238E27FC236}">
+                <a16:creationId xmlns:a16="http://schemas.microsoft.com/office/drawing/2014/main" id="{C201BEB0-FBE9-A0D7-1A26-73978E82F62C}"/>
+              </a:ext>
+            </a:extLst>
+          </p:cNvPr>
+          <p:cNvSpPr/>
+          <p:nvPr/>
+        </p:nvSpPr>
+        <p:spPr bwMode="auto">
+          <a:xfrm>
+            <a:off x="533400" y="5485151"/>
+            <a:ext cx="2319600" cy="381000"/>
+          </a:xfrm>
+          <a:prstGeom prst="rect">
+            <a:avLst/>
+          </a:prstGeom>
+          <a:solidFill>
+            <a:srgbClr val="FFE267"/>
+          </a:solidFill>
+          <a:ln w="25400" cap="flat" cmpd="sng" algn="ctr">
+            <a:solidFill>
+              <a:srgbClr val="C00000"/>
+            </a:solidFill>
+            <a:prstDash val="solid"/>
+            <a:miter lim="800000"/>
+            <a:headEnd type="none" w="med" len="med"/>
+            <a:tailEnd type="none" w="med" len="med"/>
+          </a:ln>
+          <a:effectLst/>
+        </p:spPr>
+        <p:txBody>
+          <a:bodyPr vert="horz" wrap="none" lIns="91440" tIns="45720" rIns="91440" bIns="45720" numCol="1" rtlCol="0" anchor="t" anchorCtr="0" compatLnSpc="1">
+            <a:prstTxWarp prst="textNoShape">
+              <a:avLst/>
+            </a:prstTxWarp>
+          </a:bodyPr>
+          <a:lstStyle/>
+          <a:p>
+            <a:pPr marL="0" marR="0" indent="0" algn="l" defTabSz="914400" rtl="0" eaLnBrk="1" fontAlgn="base" latinLnBrk="0" hangingPunct="1">
+              <a:lnSpc>
+                <a:spcPct val="100000"/>
+              </a:lnSpc>
+              <a:spcBef>
+                <a:spcPct val="0"/>
+              </a:spcBef>
+              <a:spcAft>
+                <a:spcPct val="0"/>
+              </a:spcAft>
+              <a:buClrTx/>
+              <a:buSzTx/>
+              <a:buFontTx/>
+              <a:buNone/>
+              <a:tabLst/>
+            </a:pPr>
+            <a:r>
+              <a:rPr kumimoji="0" lang="en-GB" sz="1800" b="0" i="0" u="none" strike="noStrike" cap="none" normalizeH="0" baseline="0" dirty="0">
+                <a:ln>
+                  <a:noFill/>
+                </a:ln>
+                <a:solidFill>
+                  <a:schemeClr val="tx1"/>
+                </a:solidFill>
+                <a:effectLst/>
+                <a:latin typeface="Tahoma" charset="0"/>
+              </a:rPr>
+              <a:t>File: </a:t>
+            </a:r>
+            <a:r>
+              <a:rPr kumimoji="0" lang="en-GB" sz="1800" b="0" i="0" u="none" strike="noStrike" cap="none" normalizeH="0" baseline="0" dirty="0" err="1">
+                <a:ln>
+                  <a:noFill/>
+                </a:ln>
+                <a:solidFill>
+                  <a:schemeClr val="tx1"/>
+                </a:solidFill>
+                <a:effectLst/>
+                <a:latin typeface="Tahoma" charset="0"/>
+              </a:rPr>
+              <a:t>Proof_rewrite.sc</a:t>
+            </a:r>
+            <a:endParaRPr kumimoji="0" lang="en-GB" sz="1800" b="0" i="0" u="none" strike="noStrike" cap="none" normalizeH="0" baseline="0" dirty="0">
+              <a:ln>
+                <a:noFill/>
+              </a:ln>
+              <a:solidFill>
+                <a:schemeClr val="tx1"/>
+              </a:solidFill>
+              <a:effectLst/>
+              <a:latin typeface="Tahoma" charset="0"/>
+            </a:endParaRPr>
+          </a:p>
+        </p:txBody>
+      </p:sp>
     </p:spTree>
     <p:extLst>
       <p:ext uri="{BB962C8B-B14F-4D97-AF65-F5344CB8AC3E}">
@@ -6527,6 +7289,614 @@
           </a:p>
         </p:txBody>
       </p:sp>
+      <p:sp>
+        <p:nvSpPr>
+          <p:cNvPr id="12" name="Rectangle 11">
+            <a:extLst>
+              <a:ext uri="{FF2B5EF4-FFF2-40B4-BE49-F238E27FC236}">
+                <a16:creationId xmlns:a16="http://schemas.microsoft.com/office/drawing/2014/main" id="{BE4D465E-7968-E473-2EF0-4A977DAE9D74}"/>
+              </a:ext>
+            </a:extLst>
+          </p:cNvPr>
+          <p:cNvSpPr/>
+          <p:nvPr/>
+        </p:nvSpPr>
+        <p:spPr bwMode="auto">
+          <a:xfrm>
+            <a:off x="5954229" y="5205515"/>
+            <a:ext cx="2438400" cy="940273"/>
+          </a:xfrm>
+          <a:prstGeom prst="rect">
+            <a:avLst/>
+          </a:prstGeom>
+          <a:solidFill>
+            <a:srgbClr val="FFE267"/>
+          </a:solidFill>
+          <a:ln w="9525" cap="flat" cmpd="sng" algn="ctr">
+            <a:solidFill>
+              <a:schemeClr val="tx1"/>
+            </a:solidFill>
+            <a:prstDash val="solid"/>
+            <a:miter lim="800000"/>
+            <a:headEnd type="none" w="med" len="med"/>
+            <a:tailEnd type="none" w="med" len="med"/>
+          </a:ln>
+          <a:effectLst/>
+        </p:spPr>
+        <p:txBody>
+          <a:bodyPr vert="horz" wrap="square" lIns="91440" tIns="45720" rIns="91440" bIns="45720" numCol="1" rtlCol="0" anchor="t" anchorCtr="0" compatLnSpc="1">
+            <a:prstTxWarp prst="textNoShape">
+              <a:avLst/>
+            </a:prstTxWarp>
+          </a:bodyPr>
+          <a:lstStyle/>
+          <a:p>
+            <a:pPr marL="0" marR="0" indent="0" algn="l" defTabSz="914400" rtl="0" eaLnBrk="1" fontAlgn="base" latinLnBrk="0" hangingPunct="1">
+              <a:lnSpc>
+                <a:spcPct val="100000"/>
+              </a:lnSpc>
+              <a:spcBef>
+                <a:spcPct val="0"/>
+              </a:spcBef>
+              <a:spcAft>
+                <a:spcPct val="0"/>
+              </a:spcAft>
+              <a:buClrTx/>
+              <a:buSzTx/>
+              <a:buFontTx/>
+              <a:buNone/>
+              <a:tabLst/>
+            </a:pPr>
+            <a:r>
+              <a:rPr kumimoji="0" lang="en-GB" sz="1800" b="0" i="0" u="none" strike="noStrike" cap="none" normalizeH="0" baseline="0" dirty="0">
+                <a:ln>
+                  <a:noFill/>
+                </a:ln>
+                <a:solidFill>
+                  <a:schemeClr val="tx1"/>
+                </a:solidFill>
+                <a:effectLst/>
+                <a:latin typeface="Tahoma" charset="0"/>
+              </a:rPr>
+              <a:t>where </a:t>
+            </a:r>
+            <a:r>
+              <a:rPr kumimoji="0" lang="en-GB" sz="1800" b="0" i="0" u="none" strike="noStrike" cap="none" normalizeH="0" baseline="0" dirty="0" err="1">
+                <a:ln>
+                  <a:noFill/>
+                </a:ln>
+                <a:solidFill>
+                  <a:srgbClr val="8922FD"/>
+                </a:solidFill>
+                <a:effectLst/>
+                <a:latin typeface="Menlo" panose="020B0609030804020204" pitchFamily="49" charset="0"/>
+                <a:ea typeface="Menlo" panose="020B0609030804020204" pitchFamily="49" charset="0"/>
+                <a:cs typeface="Menlo" panose="020B0609030804020204" pitchFamily="49" charset="0"/>
+              </a:rPr>
+              <a:t>incRS</a:t>
+            </a:r>
+            <a:r>
+              <a:rPr kumimoji="0" lang="en-GB" sz="1800" b="0" i="0" u="none" strike="noStrike" cap="none" normalizeH="0" baseline="0" dirty="0">
+                <a:ln>
+                  <a:noFill/>
+                </a:ln>
+                <a:solidFill>
+                  <a:schemeClr val="tx1"/>
+                </a:solidFill>
+                <a:effectLst/>
+                <a:latin typeface="Tahoma" charset="0"/>
+              </a:rPr>
+              <a:t> is</a:t>
+            </a:r>
+          </a:p>
+          <a:p>
+            <a:pPr marL="0" marR="0" indent="0" algn="l" defTabSz="914400" rtl="0" eaLnBrk="1" fontAlgn="base" latinLnBrk="0" hangingPunct="1">
+              <a:lnSpc>
+                <a:spcPct val="100000"/>
+              </a:lnSpc>
+              <a:spcBef>
+                <a:spcPct val="0"/>
+              </a:spcBef>
+              <a:spcAft>
+                <a:spcPct val="0"/>
+              </a:spcAft>
+              <a:buClrTx/>
+              <a:buSzTx/>
+              <a:buFontTx/>
+              <a:buNone/>
+              <a:tabLst/>
+            </a:pPr>
+            <a:r>
+              <a:rPr lang="en-GB" sz="1800" dirty="0">
+                <a:solidFill>
+                  <a:srgbClr val="8922FD"/>
+                </a:solidFill>
+                <a:latin typeface="Menlo" panose="020B0609030804020204" pitchFamily="49" charset="0"/>
+                <a:ea typeface="Menlo" panose="020B0609030804020204" pitchFamily="49" charset="0"/>
+                <a:cs typeface="Menlo" panose="020B0609030804020204" pitchFamily="49" charset="0"/>
+              </a:rPr>
+              <a:t>inc1(x) == x + 1</a:t>
+            </a:r>
+          </a:p>
+          <a:p>
+            <a:pPr marL="0" marR="0" indent="0" algn="l" defTabSz="914400" rtl="0" eaLnBrk="1" fontAlgn="base" latinLnBrk="0" hangingPunct="1">
+              <a:lnSpc>
+                <a:spcPct val="100000"/>
+              </a:lnSpc>
+              <a:spcBef>
+                <a:spcPct val="0"/>
+              </a:spcBef>
+              <a:spcAft>
+                <a:spcPct val="0"/>
+              </a:spcAft>
+              <a:buClrTx/>
+              <a:buSzTx/>
+              <a:buFontTx/>
+              <a:buNone/>
+              <a:tabLst/>
+            </a:pPr>
+            <a:r>
+              <a:rPr kumimoji="0" lang="en-GB" sz="1800" b="0" i="0" u="none" strike="noStrike" cap="none" normalizeH="0" baseline="0" dirty="0">
+                <a:ln>
+                  <a:noFill/>
+                </a:ln>
+                <a:solidFill>
+                  <a:srgbClr val="8922FD"/>
+                </a:solidFill>
+                <a:effectLst/>
+                <a:latin typeface="Menlo" panose="020B0609030804020204" pitchFamily="49" charset="0"/>
+                <a:ea typeface="Menlo" panose="020B0609030804020204" pitchFamily="49" charset="0"/>
+                <a:cs typeface="Menlo" panose="020B0609030804020204" pitchFamily="49" charset="0"/>
+              </a:rPr>
+              <a:t>inc2(x) == x + 2</a:t>
+            </a:r>
+          </a:p>
+        </p:txBody>
+      </p:sp>
+      <p:sp>
+        <p:nvSpPr>
+          <p:cNvPr id="4" name="Rectangle 3">
+            <a:extLst>
+              <a:ext uri="{FF2B5EF4-FFF2-40B4-BE49-F238E27FC236}">
+                <a16:creationId xmlns:a16="http://schemas.microsoft.com/office/drawing/2014/main" id="{5F661F92-0442-F459-225F-C3BB4AF1B275}"/>
+              </a:ext>
+            </a:extLst>
+          </p:cNvPr>
+          <p:cNvSpPr/>
+          <p:nvPr/>
+        </p:nvSpPr>
+        <p:spPr bwMode="auto">
+          <a:xfrm>
+            <a:off x="5715000" y="4590426"/>
+            <a:ext cx="2209800" cy="667374"/>
+          </a:xfrm>
+          <a:prstGeom prst="rect">
+            <a:avLst/>
+          </a:prstGeom>
+          <a:solidFill>
+            <a:srgbClr val="FFE267"/>
+          </a:solidFill>
+          <a:ln w="9525" cap="flat" cmpd="sng" algn="ctr">
+            <a:solidFill>
+              <a:schemeClr val="tx1"/>
+            </a:solidFill>
+            <a:prstDash val="solid"/>
+            <a:miter lim="800000"/>
+            <a:headEnd type="none" w="med" len="med"/>
+            <a:tailEnd type="none" w="med" len="med"/>
+          </a:ln>
+          <a:effectLst/>
+        </p:spPr>
+        <p:txBody>
+          <a:bodyPr vert="horz" wrap="square" lIns="91440" tIns="45720" rIns="91440" bIns="45720" numCol="1" rtlCol="0" anchor="t" anchorCtr="0" compatLnSpc="1">
+            <a:prstTxWarp prst="textNoShape">
+              <a:avLst/>
+            </a:prstTxWarp>
+          </a:bodyPr>
+          <a:lstStyle/>
+          <a:p>
+            <a:pPr marL="0" marR="0" indent="0" algn="l" defTabSz="914400" rtl="0" eaLnBrk="1" fontAlgn="base" latinLnBrk="0" hangingPunct="1">
+              <a:lnSpc>
+                <a:spcPct val="100000"/>
+              </a:lnSpc>
+              <a:spcBef>
+                <a:spcPct val="0"/>
+              </a:spcBef>
+              <a:spcAft>
+                <a:spcPct val="0"/>
+              </a:spcAft>
+              <a:buClrTx/>
+              <a:buSzTx/>
+              <a:buFontTx/>
+              <a:buNone/>
+              <a:tabLst/>
+            </a:pPr>
+            <a:r>
+              <a:rPr kumimoji="0" lang="en-GB" sz="1800" b="0" i="0" u="none" strike="noStrike" cap="none" normalizeH="0" baseline="0" dirty="0">
+                <a:ln>
+                  <a:noFill/>
+                </a:ln>
+                <a:solidFill>
+                  <a:schemeClr val="tx1"/>
+                </a:solidFill>
+                <a:effectLst/>
+                <a:latin typeface="Tahoma" charset="0"/>
+              </a:rPr>
+              <a:t>Rewrite </a:t>
+            </a:r>
+            <a:r>
+              <a:rPr kumimoji="0" lang="en-GB" sz="1800" b="0" i="0" u="none" strike="noStrike" cap="none" normalizeH="0" baseline="0" dirty="0">
+                <a:ln>
+                  <a:noFill/>
+                </a:ln>
+                <a:solidFill>
+                  <a:srgbClr val="0070C0"/>
+                </a:solidFill>
+                <a:effectLst/>
+                <a:latin typeface="Tahoma" charset="0"/>
+              </a:rPr>
+              <a:t>1</a:t>
+            </a:r>
+            <a:r>
+              <a:rPr kumimoji="0" lang="en-GB" sz="1800" b="0" i="0" u="none" strike="noStrike" cap="none" normalizeH="0" baseline="0" dirty="0">
+                <a:ln>
+                  <a:noFill/>
+                </a:ln>
+                <a:solidFill>
+                  <a:schemeClr val="tx1"/>
+                </a:solidFill>
+                <a:effectLst/>
+                <a:latin typeface="Tahoma" charset="0"/>
+              </a:rPr>
+              <a:t> using the equations in </a:t>
+            </a:r>
+            <a:r>
+              <a:rPr kumimoji="0" lang="en-GB" sz="1800" b="0" i="0" u="none" strike="noStrike" cap="none" normalizeH="0" baseline="0" dirty="0" err="1">
+                <a:ln>
+                  <a:noFill/>
+                </a:ln>
+                <a:solidFill>
+                  <a:srgbClr val="8922FD"/>
+                </a:solidFill>
+                <a:effectLst/>
+                <a:latin typeface="Menlo" panose="020B0609030804020204" pitchFamily="49" charset="0"/>
+                <a:ea typeface="Menlo" panose="020B0609030804020204" pitchFamily="49" charset="0"/>
+                <a:cs typeface="Menlo" panose="020B0609030804020204" pitchFamily="49" charset="0"/>
+              </a:rPr>
+              <a:t>incRS</a:t>
+            </a:r>
+            <a:endParaRPr kumimoji="0" lang="en-GB" sz="1800" b="0" i="0" u="none" strike="noStrike" cap="none" normalizeH="0" baseline="0" dirty="0">
+              <a:ln>
+                <a:noFill/>
+              </a:ln>
+              <a:solidFill>
+                <a:srgbClr val="8922FD"/>
+              </a:solidFill>
+              <a:effectLst/>
+              <a:latin typeface="Menlo" panose="020B0609030804020204" pitchFamily="49" charset="0"/>
+              <a:ea typeface="Menlo" panose="020B0609030804020204" pitchFamily="49" charset="0"/>
+              <a:cs typeface="Menlo" panose="020B0609030804020204" pitchFamily="49" charset="0"/>
+            </a:endParaRPr>
+          </a:p>
+        </p:txBody>
+      </p:sp>
+      <p:cxnSp>
+        <p:nvCxnSpPr>
+          <p:cNvPr id="5" name="Straight Arrow Connector 4">
+            <a:extLst>
+              <a:ext uri="{FF2B5EF4-FFF2-40B4-BE49-F238E27FC236}">
+                <a16:creationId xmlns:a16="http://schemas.microsoft.com/office/drawing/2014/main" id="{0A0C30BD-70AA-DB00-B353-3928484D9F4E}"/>
+              </a:ext>
+            </a:extLst>
+          </p:cNvPr>
+          <p:cNvCxnSpPr>
+            <a:cxnSpLocks/>
+            <a:stCxn id="4" idx="0"/>
+          </p:cNvCxnSpPr>
+          <p:nvPr/>
+        </p:nvCxnSpPr>
+        <p:spPr bwMode="auto">
+          <a:xfrm flipH="1" flipV="1">
+            <a:off x="6096000" y="3436706"/>
+            <a:ext cx="723900" cy="1153720"/>
+          </a:xfrm>
+          <a:prstGeom prst="straightConnector1">
+            <a:avLst/>
+          </a:prstGeom>
+          <a:solidFill>
+            <a:schemeClr val="accent1"/>
+          </a:solidFill>
+          <a:ln w="15875" cap="flat" cmpd="sng" algn="ctr">
+            <a:solidFill>
+              <a:schemeClr val="tx1"/>
+            </a:solidFill>
+            <a:prstDash val="solid"/>
+            <a:miter lim="800000"/>
+            <a:headEnd type="none" w="med" len="med"/>
+            <a:tailEnd type="triangle" w="lg" len="med"/>
+          </a:ln>
+          <a:effectLst/>
+        </p:spPr>
+      </p:cxnSp>
+      <p:sp>
+        <p:nvSpPr>
+          <p:cNvPr id="7" name="Rectangle 6">
+            <a:extLst>
+              <a:ext uri="{FF2B5EF4-FFF2-40B4-BE49-F238E27FC236}">
+                <a16:creationId xmlns:a16="http://schemas.microsoft.com/office/drawing/2014/main" id="{12CF3793-7485-1DFB-7650-D6D4BCDF8F15}"/>
+              </a:ext>
+            </a:extLst>
+          </p:cNvPr>
+          <p:cNvSpPr/>
+          <p:nvPr/>
+        </p:nvSpPr>
+        <p:spPr bwMode="auto">
+          <a:xfrm>
+            <a:off x="4724400" y="3055706"/>
+            <a:ext cx="2743200" cy="381000"/>
+          </a:xfrm>
+          <a:prstGeom prst="rect">
+            <a:avLst/>
+          </a:prstGeom>
+          <a:noFill/>
+          <a:ln w="25400" cap="flat" cmpd="sng" algn="ctr">
+            <a:solidFill>
+              <a:schemeClr val="tx2">
+                <a:lumMod val="60000"/>
+                <a:lumOff val="40000"/>
+              </a:schemeClr>
+            </a:solidFill>
+            <a:prstDash val="solid"/>
+            <a:miter lim="800000"/>
+            <a:headEnd type="none" w="med" len="med"/>
+            <a:tailEnd type="none" w="med" len="med"/>
+          </a:ln>
+          <a:effectLst/>
+        </p:spPr>
+        <p:txBody>
+          <a:bodyPr vert="horz" wrap="none" lIns="91440" tIns="45720" rIns="91440" bIns="45720" numCol="1" rtlCol="0" anchor="t" anchorCtr="0" compatLnSpc="1">
+            <a:prstTxWarp prst="textNoShape">
+              <a:avLst/>
+            </a:prstTxWarp>
+          </a:bodyPr>
+          <a:lstStyle/>
+          <a:p>
+            <a:pPr marL="0" marR="0" indent="0" algn="l" defTabSz="914400" rtl="0" eaLnBrk="1" fontAlgn="base" latinLnBrk="0" hangingPunct="1">
+              <a:lnSpc>
+                <a:spcPct val="100000"/>
+              </a:lnSpc>
+              <a:spcBef>
+                <a:spcPct val="0"/>
+              </a:spcBef>
+              <a:spcAft>
+                <a:spcPct val="0"/>
+              </a:spcAft>
+              <a:buClrTx/>
+              <a:buSzTx/>
+              <a:buFontTx/>
+              <a:buNone/>
+              <a:tabLst/>
+            </a:pPr>
+            <a:endParaRPr kumimoji="0" lang="en-GB" sz="2400" b="0" i="0" u="none" strike="noStrike" cap="none" normalizeH="0" baseline="0">
+              <a:ln>
+                <a:noFill/>
+              </a:ln>
+              <a:solidFill>
+                <a:schemeClr val="tx1"/>
+              </a:solidFill>
+              <a:effectLst/>
+              <a:latin typeface="Tahoma" charset="0"/>
+            </a:endParaRPr>
+          </a:p>
+        </p:txBody>
+      </p:sp>
+      <p:sp>
+        <p:nvSpPr>
+          <p:cNvPr id="13" name="Rectangle 12">
+            <a:extLst>
+              <a:ext uri="{FF2B5EF4-FFF2-40B4-BE49-F238E27FC236}">
+                <a16:creationId xmlns:a16="http://schemas.microsoft.com/office/drawing/2014/main" id="{4E3C6F57-845E-7F97-2B79-41CAFF6C3AD6}"/>
+              </a:ext>
+            </a:extLst>
+          </p:cNvPr>
+          <p:cNvSpPr/>
+          <p:nvPr/>
+        </p:nvSpPr>
+        <p:spPr bwMode="auto">
+          <a:xfrm>
+            <a:off x="1513424" y="4556124"/>
+            <a:ext cx="3477676" cy="667374"/>
+          </a:xfrm>
+          <a:prstGeom prst="rect">
+            <a:avLst/>
+          </a:prstGeom>
+          <a:solidFill>
+            <a:srgbClr val="FFE267"/>
+          </a:solidFill>
+          <a:ln w="9525" cap="flat" cmpd="sng" algn="ctr">
+            <a:solidFill>
+              <a:schemeClr val="tx1"/>
+            </a:solidFill>
+            <a:prstDash val="solid"/>
+            <a:miter lim="800000"/>
+            <a:headEnd type="none" w="med" len="med"/>
+            <a:tailEnd type="none" w="med" len="med"/>
+          </a:ln>
+          <a:effectLst/>
+        </p:spPr>
+        <p:txBody>
+          <a:bodyPr vert="horz" wrap="square" lIns="91440" tIns="45720" rIns="91440" bIns="45720" numCol="1" rtlCol="0" anchor="t" anchorCtr="0" compatLnSpc="1">
+            <a:prstTxWarp prst="textNoShape">
+              <a:avLst/>
+            </a:prstTxWarp>
+          </a:bodyPr>
+          <a:lstStyle/>
+          <a:p>
+            <a:pPr marL="0" marR="0" indent="0" algn="l" defTabSz="914400" rtl="0" eaLnBrk="1" fontAlgn="base" latinLnBrk="0" hangingPunct="1">
+              <a:lnSpc>
+                <a:spcPct val="100000"/>
+              </a:lnSpc>
+              <a:spcBef>
+                <a:spcPct val="0"/>
+              </a:spcBef>
+              <a:spcAft>
+                <a:spcPct val="0"/>
+              </a:spcAft>
+              <a:buClrTx/>
+              <a:buSzTx/>
+              <a:buFontTx/>
+              <a:buNone/>
+              <a:tabLst/>
+            </a:pPr>
+            <a:r>
+              <a:rPr kumimoji="0" lang="en-GB" sz="1800" b="0" i="0" u="none" strike="noStrike" cap="none" normalizeH="0" baseline="0" dirty="0">
+                <a:ln>
+                  <a:noFill/>
+                </a:ln>
+                <a:solidFill>
+                  <a:schemeClr val="tx1"/>
+                </a:solidFill>
+                <a:effectLst/>
+                <a:latin typeface="Tahoma" charset="0"/>
+              </a:rPr>
+              <a:t>This is a forward rewriting step that rewrites a previous fact (</a:t>
+            </a:r>
+            <a:r>
+              <a:rPr kumimoji="0" lang="en-GB" sz="1800" b="0" i="0" u="none" strike="noStrike" cap="none" normalizeH="0" baseline="0" dirty="0">
+                <a:ln>
+                  <a:noFill/>
+                </a:ln>
+                <a:solidFill>
+                  <a:srgbClr val="0070C0"/>
+                </a:solidFill>
+                <a:effectLst/>
+                <a:latin typeface="Tahoma" charset="0"/>
+              </a:rPr>
+              <a:t>1</a:t>
+            </a:r>
+            <a:r>
+              <a:rPr kumimoji="0" lang="en-GB" sz="1800" b="0" i="0" u="none" strike="noStrike" cap="none" normalizeH="0" baseline="0" dirty="0">
+                <a:ln>
+                  <a:noFill/>
+                </a:ln>
+                <a:solidFill>
+                  <a:schemeClr val="tx1"/>
+                </a:solidFill>
+                <a:effectLst/>
+                <a:latin typeface="Tahoma" charset="0"/>
+              </a:rPr>
+              <a:t>)</a:t>
+            </a:r>
+            <a:endParaRPr kumimoji="0" lang="en-GB" sz="1800" b="0" i="0" u="none" strike="noStrike" cap="none" normalizeH="0" baseline="0" dirty="0">
+              <a:ln>
+                <a:noFill/>
+              </a:ln>
+              <a:solidFill>
+                <a:srgbClr val="0070C0"/>
+              </a:solidFill>
+              <a:effectLst/>
+              <a:latin typeface="Tahoma" charset="0"/>
+            </a:endParaRPr>
+          </a:p>
+        </p:txBody>
+      </p:sp>
+      <p:sp>
+        <p:nvSpPr>
+          <p:cNvPr id="15" name="Rectangle 14">
+            <a:extLst>
+              <a:ext uri="{FF2B5EF4-FFF2-40B4-BE49-F238E27FC236}">
+                <a16:creationId xmlns:a16="http://schemas.microsoft.com/office/drawing/2014/main" id="{FC08FC71-F884-4A93-2A9E-6EE48F231F28}"/>
+              </a:ext>
+            </a:extLst>
+          </p:cNvPr>
+          <p:cNvSpPr/>
+          <p:nvPr/>
+        </p:nvSpPr>
+        <p:spPr bwMode="auto">
+          <a:xfrm>
+            <a:off x="533400" y="5485151"/>
+            <a:ext cx="2319600" cy="381000"/>
+          </a:xfrm>
+          <a:prstGeom prst="rect">
+            <a:avLst/>
+          </a:prstGeom>
+          <a:solidFill>
+            <a:srgbClr val="FFE267"/>
+          </a:solidFill>
+          <a:ln w="25400" cap="flat" cmpd="sng" algn="ctr">
+            <a:solidFill>
+              <a:srgbClr val="C00000"/>
+            </a:solidFill>
+            <a:prstDash val="solid"/>
+            <a:miter lim="800000"/>
+            <a:headEnd type="none" w="med" len="med"/>
+            <a:tailEnd type="none" w="med" len="med"/>
+          </a:ln>
+          <a:effectLst/>
+        </p:spPr>
+        <p:txBody>
+          <a:bodyPr vert="horz" wrap="none" lIns="91440" tIns="45720" rIns="91440" bIns="45720" numCol="1" rtlCol="0" anchor="t" anchorCtr="0" compatLnSpc="1">
+            <a:prstTxWarp prst="textNoShape">
+              <a:avLst/>
+            </a:prstTxWarp>
+          </a:bodyPr>
+          <a:lstStyle/>
+          <a:p>
+            <a:pPr marL="0" marR="0" indent="0" algn="l" defTabSz="914400" rtl="0" eaLnBrk="1" fontAlgn="base" latinLnBrk="0" hangingPunct="1">
+              <a:lnSpc>
+                <a:spcPct val="100000"/>
+              </a:lnSpc>
+              <a:spcBef>
+                <a:spcPct val="0"/>
+              </a:spcBef>
+              <a:spcAft>
+                <a:spcPct val="0"/>
+              </a:spcAft>
+              <a:buClrTx/>
+              <a:buSzTx/>
+              <a:buFontTx/>
+              <a:buNone/>
+              <a:tabLst/>
+            </a:pPr>
+            <a:r>
+              <a:rPr kumimoji="0" lang="en-GB" sz="1800" b="0" i="0" u="none" strike="noStrike" cap="none" normalizeH="0" baseline="0" dirty="0">
+                <a:ln>
+                  <a:noFill/>
+                </a:ln>
+                <a:solidFill>
+                  <a:schemeClr val="tx1"/>
+                </a:solidFill>
+                <a:effectLst/>
+                <a:latin typeface="Tahoma" charset="0"/>
+              </a:rPr>
+              <a:t>File: </a:t>
+            </a:r>
+            <a:r>
+              <a:rPr kumimoji="0" lang="en-GB" sz="1800" b="0" i="0" u="none" strike="noStrike" cap="none" normalizeH="0" baseline="0" dirty="0" err="1">
+                <a:ln>
+                  <a:noFill/>
+                </a:ln>
+                <a:solidFill>
+                  <a:schemeClr val="tx1"/>
+                </a:solidFill>
+                <a:effectLst/>
+                <a:latin typeface="Tahoma" charset="0"/>
+              </a:rPr>
+              <a:t>Proof_rewrite.sc</a:t>
+            </a:r>
+            <a:endParaRPr kumimoji="0" lang="en-GB" sz="1800" b="0" i="0" u="none" strike="noStrike" cap="none" normalizeH="0" baseline="0" dirty="0">
+              <a:ln>
+                <a:noFill/>
+              </a:ln>
+              <a:solidFill>
+                <a:schemeClr val="tx1"/>
+              </a:solidFill>
+              <a:effectLst/>
+              <a:latin typeface="Tahoma" charset="0"/>
+            </a:endParaRPr>
+          </a:p>
+        </p:txBody>
+      </p:sp>
     </p:spTree>
     <p:extLst>
       <p:ext uri="{BB962C8B-B14F-4D97-AF65-F5344CB8AC3E}">
@@ -6720,6 +8090,509 @@
           </a:p>
         </p:txBody>
       </p:sp>
+      <p:sp>
+        <p:nvSpPr>
+          <p:cNvPr id="4" name="Rectangle 3">
+            <a:extLst>
+              <a:ext uri="{FF2B5EF4-FFF2-40B4-BE49-F238E27FC236}">
+                <a16:creationId xmlns:a16="http://schemas.microsoft.com/office/drawing/2014/main" id="{F8428E91-BEC8-9D72-C84E-07F3BF0EB543}"/>
+              </a:ext>
+            </a:extLst>
+          </p:cNvPr>
+          <p:cNvSpPr/>
+          <p:nvPr/>
+        </p:nvSpPr>
+        <p:spPr bwMode="auto">
+          <a:xfrm>
+            <a:off x="5615683" y="4343400"/>
+            <a:ext cx="2690117" cy="381000"/>
+          </a:xfrm>
+          <a:prstGeom prst="rect">
+            <a:avLst/>
+          </a:prstGeom>
+          <a:noFill/>
+          <a:ln w="25400" cap="flat" cmpd="sng" algn="ctr">
+            <a:solidFill>
+              <a:schemeClr val="tx2">
+                <a:lumMod val="60000"/>
+                <a:lumOff val="40000"/>
+              </a:schemeClr>
+            </a:solidFill>
+            <a:prstDash val="solid"/>
+            <a:miter lim="800000"/>
+            <a:headEnd type="none" w="med" len="med"/>
+            <a:tailEnd type="none" w="med" len="med"/>
+          </a:ln>
+          <a:effectLst/>
+        </p:spPr>
+        <p:txBody>
+          <a:bodyPr vert="horz" wrap="none" lIns="91440" tIns="45720" rIns="91440" bIns="45720" numCol="1" rtlCol="0" anchor="t" anchorCtr="0" compatLnSpc="1">
+            <a:prstTxWarp prst="textNoShape">
+              <a:avLst/>
+            </a:prstTxWarp>
+          </a:bodyPr>
+          <a:lstStyle/>
+          <a:p>
+            <a:pPr marL="0" marR="0" indent="0" algn="l" defTabSz="914400" rtl="0" eaLnBrk="1" fontAlgn="base" latinLnBrk="0" hangingPunct="1">
+              <a:lnSpc>
+                <a:spcPct val="100000"/>
+              </a:lnSpc>
+              <a:spcBef>
+                <a:spcPct val="0"/>
+              </a:spcBef>
+              <a:spcAft>
+                <a:spcPct val="0"/>
+              </a:spcAft>
+              <a:buClrTx/>
+              <a:buSzTx/>
+              <a:buFontTx/>
+              <a:buNone/>
+              <a:tabLst/>
+            </a:pPr>
+            <a:endParaRPr kumimoji="0" lang="en-GB" sz="2400" b="0" i="0" u="none" strike="noStrike" cap="none" normalizeH="0" baseline="0">
+              <a:ln>
+                <a:noFill/>
+              </a:ln>
+              <a:solidFill>
+                <a:schemeClr val="tx1"/>
+              </a:solidFill>
+              <a:effectLst/>
+              <a:latin typeface="Tahoma" charset="0"/>
+            </a:endParaRPr>
+          </a:p>
+        </p:txBody>
+      </p:sp>
+      <p:sp>
+        <p:nvSpPr>
+          <p:cNvPr id="5" name="Rectangle 4">
+            <a:extLst>
+              <a:ext uri="{FF2B5EF4-FFF2-40B4-BE49-F238E27FC236}">
+                <a16:creationId xmlns:a16="http://schemas.microsoft.com/office/drawing/2014/main" id="{569C3AA2-AD3A-A198-96ED-E9991FA2D29D}"/>
+              </a:ext>
+            </a:extLst>
+          </p:cNvPr>
+          <p:cNvSpPr/>
+          <p:nvPr/>
+        </p:nvSpPr>
+        <p:spPr bwMode="auto">
+          <a:xfrm>
+            <a:off x="5768083" y="5401249"/>
+            <a:ext cx="2842517" cy="667374"/>
+          </a:xfrm>
+          <a:prstGeom prst="rect">
+            <a:avLst/>
+          </a:prstGeom>
+          <a:solidFill>
+            <a:srgbClr val="FFE267"/>
+          </a:solidFill>
+          <a:ln w="9525" cap="flat" cmpd="sng" algn="ctr">
+            <a:solidFill>
+              <a:schemeClr val="tx1"/>
+            </a:solidFill>
+            <a:prstDash val="solid"/>
+            <a:miter lim="800000"/>
+            <a:headEnd type="none" w="med" len="med"/>
+            <a:tailEnd type="none" w="med" len="med"/>
+          </a:ln>
+          <a:effectLst/>
+        </p:spPr>
+        <p:txBody>
+          <a:bodyPr vert="horz" wrap="square" lIns="91440" tIns="45720" rIns="91440" bIns="45720" numCol="1" rtlCol="0" anchor="t" anchorCtr="0" compatLnSpc="1">
+            <a:prstTxWarp prst="textNoShape">
+              <a:avLst/>
+            </a:prstTxWarp>
+          </a:bodyPr>
+          <a:lstStyle/>
+          <a:p>
+            <a:pPr marL="0" marR="0" indent="0" algn="l" defTabSz="914400" rtl="0" eaLnBrk="1" fontAlgn="base" latinLnBrk="0" hangingPunct="1">
+              <a:lnSpc>
+                <a:spcPct val="100000"/>
+              </a:lnSpc>
+              <a:spcBef>
+                <a:spcPct val="0"/>
+              </a:spcBef>
+              <a:spcAft>
+                <a:spcPct val="0"/>
+              </a:spcAft>
+              <a:buClrTx/>
+              <a:buSzTx/>
+              <a:buFontTx/>
+              <a:buNone/>
+              <a:tabLst/>
+            </a:pPr>
+            <a:r>
+              <a:rPr kumimoji="0" lang="en-GB" sz="1800" b="0" i="0" u="none" strike="noStrike" cap="none" normalizeH="0" baseline="0" dirty="0">
+                <a:ln>
+                  <a:noFill/>
+                </a:ln>
+                <a:solidFill>
+                  <a:schemeClr val="tx1"/>
+                </a:solidFill>
+                <a:effectLst/>
+                <a:latin typeface="Tahoma" charset="0"/>
+              </a:rPr>
+              <a:t>Rewrite </a:t>
+            </a:r>
+            <a:r>
+              <a:rPr kumimoji="0" lang="en-GB" sz="1800" b="0" i="0" u="none" strike="noStrike" cap="none" normalizeH="0" baseline="0" dirty="0">
+                <a:ln>
+                  <a:noFill/>
+                </a:ln>
+                <a:solidFill>
+                  <a:srgbClr val="0070C0"/>
+                </a:solidFill>
+                <a:effectLst/>
+                <a:latin typeface="Tahoma" charset="0"/>
+              </a:rPr>
+              <a:t>4</a:t>
+            </a:r>
+            <a:r>
+              <a:rPr kumimoji="0" lang="en-GB" sz="1800" b="0" i="0" u="none" strike="noStrike" cap="none" normalizeH="0" baseline="0" dirty="0">
+                <a:ln>
+                  <a:noFill/>
+                </a:ln>
+                <a:solidFill>
+                  <a:schemeClr val="tx1"/>
+                </a:solidFill>
+                <a:effectLst/>
+                <a:latin typeface="Tahoma" charset="0"/>
+              </a:rPr>
+              <a:t> using the equations in </a:t>
+            </a:r>
+            <a:r>
+              <a:rPr kumimoji="0" lang="en-GB" sz="1800" b="0" i="0" u="none" strike="noStrike" cap="none" normalizeH="0" baseline="0" dirty="0" err="1">
+                <a:ln>
+                  <a:noFill/>
+                </a:ln>
+                <a:solidFill>
+                  <a:srgbClr val="8922FD"/>
+                </a:solidFill>
+                <a:effectLst/>
+                <a:latin typeface="Menlo" panose="020B0609030804020204" pitchFamily="49" charset="0"/>
+                <a:ea typeface="Menlo" panose="020B0609030804020204" pitchFamily="49" charset="0"/>
+                <a:cs typeface="Menlo" panose="020B0609030804020204" pitchFamily="49" charset="0"/>
+              </a:rPr>
+              <a:t>incRS</a:t>
+            </a:r>
+            <a:r>
+              <a:rPr kumimoji="0" lang="en-GB" sz="1800" b="0" i="0" u="none" strike="noStrike" cap="none" normalizeH="0" baseline="0" dirty="0">
+                <a:ln>
+                  <a:noFill/>
+                </a:ln>
+                <a:solidFill>
+                  <a:schemeClr val="tx1"/>
+                </a:solidFill>
+                <a:effectLst/>
+                <a:latin typeface="Tahoma" charset="0"/>
+              </a:rPr>
+              <a:t> and </a:t>
+            </a:r>
+            <a:r>
+              <a:rPr kumimoji="0" lang="en-GB" sz="1800" b="0" i="0" u="none" strike="noStrike" cap="none" normalizeH="0" baseline="0" dirty="0">
+                <a:ln>
+                  <a:noFill/>
+                </a:ln>
+                <a:solidFill>
+                  <a:srgbClr val="0070C0"/>
+                </a:solidFill>
+                <a:effectLst/>
+                <a:latin typeface="Tahoma" charset="0"/>
+              </a:rPr>
+              <a:t>3</a:t>
+            </a:r>
+            <a:r>
+              <a:rPr kumimoji="0" lang="en-GB" sz="1800" b="0" i="0" u="none" strike="noStrike" cap="none" normalizeH="0" baseline="0" dirty="0">
+                <a:ln>
+                  <a:noFill/>
+                </a:ln>
+                <a:solidFill>
+                  <a:schemeClr val="tx1"/>
+                </a:solidFill>
+                <a:effectLst/>
+                <a:latin typeface="Tahoma" charset="0"/>
+              </a:rPr>
+              <a:t> </a:t>
+            </a:r>
+            <a:endParaRPr kumimoji="0" lang="en-GB" sz="1800" b="0" i="0" u="none" strike="noStrike" cap="none" normalizeH="0" baseline="0" dirty="0">
+              <a:ln>
+                <a:noFill/>
+              </a:ln>
+              <a:solidFill>
+                <a:srgbClr val="8922FD"/>
+              </a:solidFill>
+              <a:effectLst/>
+              <a:latin typeface="Menlo" panose="020B0609030804020204" pitchFamily="49" charset="0"/>
+              <a:ea typeface="Menlo" panose="020B0609030804020204" pitchFamily="49" charset="0"/>
+              <a:cs typeface="Menlo" panose="020B0609030804020204" pitchFamily="49" charset="0"/>
+            </a:endParaRPr>
+          </a:p>
+        </p:txBody>
+      </p:sp>
+      <p:cxnSp>
+        <p:nvCxnSpPr>
+          <p:cNvPr id="7" name="Straight Arrow Connector 6">
+            <a:extLst>
+              <a:ext uri="{FF2B5EF4-FFF2-40B4-BE49-F238E27FC236}">
+                <a16:creationId xmlns:a16="http://schemas.microsoft.com/office/drawing/2014/main" id="{A6FEDF60-BE5C-688C-1CDA-7CBCCC641470}"/>
+              </a:ext>
+            </a:extLst>
+          </p:cNvPr>
+          <p:cNvCxnSpPr>
+            <a:cxnSpLocks/>
+            <a:stCxn id="5" idx="0"/>
+            <a:endCxn id="4" idx="2"/>
+          </p:cNvCxnSpPr>
+          <p:nvPr/>
+        </p:nvCxnSpPr>
+        <p:spPr bwMode="auto">
+          <a:xfrm flipH="1" flipV="1">
+            <a:off x="6960742" y="4724400"/>
+            <a:ext cx="228600" cy="676849"/>
+          </a:xfrm>
+          <a:prstGeom prst="straightConnector1">
+            <a:avLst/>
+          </a:prstGeom>
+          <a:solidFill>
+            <a:schemeClr val="accent1"/>
+          </a:solidFill>
+          <a:ln w="15875" cap="flat" cmpd="sng" algn="ctr">
+            <a:solidFill>
+              <a:schemeClr val="tx1"/>
+            </a:solidFill>
+            <a:prstDash val="solid"/>
+            <a:miter lim="800000"/>
+            <a:headEnd type="none" w="med" len="med"/>
+            <a:tailEnd type="triangle" w="lg" len="med"/>
+          </a:ln>
+          <a:effectLst/>
+        </p:spPr>
+      </p:cxnSp>
+      <p:sp>
+        <p:nvSpPr>
+          <p:cNvPr id="13" name="Rectangle 12">
+            <a:extLst>
+              <a:ext uri="{FF2B5EF4-FFF2-40B4-BE49-F238E27FC236}">
+                <a16:creationId xmlns:a16="http://schemas.microsoft.com/office/drawing/2014/main" id="{CC6B448C-D147-3DA5-1584-502BFF8305D2}"/>
+              </a:ext>
+            </a:extLst>
+          </p:cNvPr>
+          <p:cNvSpPr/>
+          <p:nvPr/>
+        </p:nvSpPr>
+        <p:spPr bwMode="auto">
+          <a:xfrm>
+            <a:off x="1618030" y="5612710"/>
+            <a:ext cx="3515776" cy="667374"/>
+          </a:xfrm>
+          <a:prstGeom prst="rect">
+            <a:avLst/>
+          </a:prstGeom>
+          <a:solidFill>
+            <a:srgbClr val="FFE267"/>
+          </a:solidFill>
+          <a:ln w="9525" cap="flat" cmpd="sng" algn="ctr">
+            <a:solidFill>
+              <a:schemeClr val="tx1"/>
+            </a:solidFill>
+            <a:prstDash val="solid"/>
+            <a:miter lim="800000"/>
+            <a:headEnd type="none" w="med" len="med"/>
+            <a:tailEnd type="none" w="med" len="med"/>
+          </a:ln>
+          <a:effectLst/>
+        </p:spPr>
+        <p:txBody>
+          <a:bodyPr vert="horz" wrap="square" lIns="91440" tIns="45720" rIns="91440" bIns="45720" numCol="1" rtlCol="0" anchor="t" anchorCtr="0" compatLnSpc="1">
+            <a:prstTxWarp prst="textNoShape">
+              <a:avLst/>
+            </a:prstTxWarp>
+          </a:bodyPr>
+          <a:lstStyle/>
+          <a:p>
+            <a:pPr marL="0" marR="0" indent="0" algn="l" defTabSz="914400" rtl="0" eaLnBrk="1" fontAlgn="base" latinLnBrk="0" hangingPunct="1">
+              <a:lnSpc>
+                <a:spcPct val="100000"/>
+              </a:lnSpc>
+              <a:spcBef>
+                <a:spcPct val="0"/>
+              </a:spcBef>
+              <a:spcAft>
+                <a:spcPct val="0"/>
+              </a:spcAft>
+              <a:buClrTx/>
+              <a:buSzTx/>
+              <a:buFontTx/>
+              <a:buNone/>
+              <a:tabLst/>
+            </a:pPr>
+            <a:r>
+              <a:rPr kumimoji="0" lang="en-GB" sz="1800" b="0" i="0" u="none" strike="noStrike" cap="none" normalizeH="0" baseline="0" dirty="0">
+                <a:ln>
+                  <a:noFill/>
+                </a:ln>
+                <a:solidFill>
+                  <a:schemeClr val="tx1"/>
+                </a:solidFill>
+                <a:effectLst/>
+                <a:latin typeface="Tahoma" charset="0"/>
+              </a:rPr>
+              <a:t>This is a </a:t>
+            </a:r>
+            <a:r>
+              <a:rPr lang="en-GB" sz="1800" dirty="0">
+                <a:latin typeface="Tahoma" charset="0"/>
+              </a:rPr>
+              <a:t>back</a:t>
+            </a:r>
+            <a:r>
+              <a:rPr kumimoji="0" lang="en-GB" sz="1800" b="0" i="0" u="none" strike="noStrike" cap="none" normalizeH="0" baseline="0" dirty="0">
+                <a:ln>
+                  <a:noFill/>
+                </a:ln>
+                <a:solidFill>
+                  <a:schemeClr val="tx1"/>
+                </a:solidFill>
+                <a:effectLst/>
+                <a:latin typeface="Tahoma" charset="0"/>
+              </a:rPr>
+              <a:t>ward rewriting step that rewrites the current goal (</a:t>
+            </a:r>
+            <a:r>
+              <a:rPr kumimoji="0" lang="en-GB" sz="1800" b="0" i="0" u="none" strike="noStrike" cap="none" normalizeH="0" baseline="0" dirty="0">
+                <a:ln>
+                  <a:noFill/>
+                </a:ln>
+                <a:solidFill>
+                  <a:srgbClr val="0070C0"/>
+                </a:solidFill>
+                <a:effectLst/>
+                <a:latin typeface="Tahoma" charset="0"/>
+              </a:rPr>
+              <a:t>4</a:t>
+            </a:r>
+            <a:r>
+              <a:rPr kumimoji="0" lang="en-GB" sz="1800" b="0" i="0" u="none" strike="noStrike" cap="none" normalizeH="0" baseline="0" dirty="0">
+                <a:ln>
+                  <a:noFill/>
+                </a:ln>
+                <a:solidFill>
+                  <a:schemeClr val="tx1"/>
+                </a:solidFill>
+                <a:effectLst/>
+                <a:latin typeface="Tahoma" charset="0"/>
+              </a:rPr>
+              <a:t>)</a:t>
+            </a:r>
+            <a:endParaRPr kumimoji="0" lang="en-GB" sz="1800" b="0" i="0" u="none" strike="noStrike" cap="none" normalizeH="0" baseline="0" dirty="0">
+              <a:ln>
+                <a:noFill/>
+              </a:ln>
+              <a:solidFill>
+                <a:srgbClr val="0070C0"/>
+              </a:solidFill>
+              <a:effectLst/>
+              <a:latin typeface="Tahoma" charset="0"/>
+            </a:endParaRPr>
+          </a:p>
+        </p:txBody>
+      </p:sp>
+      <p:sp>
+        <p:nvSpPr>
+          <p:cNvPr id="14" name="Rectangle 13">
+            <a:extLst>
+              <a:ext uri="{FF2B5EF4-FFF2-40B4-BE49-F238E27FC236}">
+                <a16:creationId xmlns:a16="http://schemas.microsoft.com/office/drawing/2014/main" id="{5B3257DF-5C7C-86F5-2ABC-9E69DFA7277E}"/>
+              </a:ext>
+            </a:extLst>
+          </p:cNvPr>
+          <p:cNvSpPr/>
+          <p:nvPr/>
+        </p:nvSpPr>
+        <p:spPr bwMode="auto">
+          <a:xfrm>
+            <a:off x="533400" y="6400800"/>
+            <a:ext cx="2319600" cy="381000"/>
+          </a:xfrm>
+          <a:prstGeom prst="rect">
+            <a:avLst/>
+          </a:prstGeom>
+          <a:solidFill>
+            <a:srgbClr val="FFE267"/>
+          </a:solidFill>
+          <a:ln w="25400" cap="flat" cmpd="sng" algn="ctr">
+            <a:solidFill>
+              <a:srgbClr val="C00000"/>
+            </a:solidFill>
+            <a:prstDash val="solid"/>
+            <a:miter lim="800000"/>
+            <a:headEnd type="none" w="med" len="med"/>
+            <a:tailEnd type="none" w="med" len="med"/>
+          </a:ln>
+          <a:effectLst/>
+        </p:spPr>
+        <p:txBody>
+          <a:bodyPr vert="horz" wrap="none" lIns="91440" tIns="45720" rIns="91440" bIns="45720" numCol="1" rtlCol="0" anchor="t" anchorCtr="0" compatLnSpc="1">
+            <a:prstTxWarp prst="textNoShape">
+              <a:avLst/>
+            </a:prstTxWarp>
+          </a:bodyPr>
+          <a:lstStyle/>
+          <a:p>
+            <a:pPr marL="0" marR="0" indent="0" algn="l" defTabSz="914400" rtl="0" eaLnBrk="1" fontAlgn="base" latinLnBrk="0" hangingPunct="1">
+              <a:lnSpc>
+                <a:spcPct val="100000"/>
+              </a:lnSpc>
+              <a:spcBef>
+                <a:spcPct val="0"/>
+              </a:spcBef>
+              <a:spcAft>
+                <a:spcPct val="0"/>
+              </a:spcAft>
+              <a:buClrTx/>
+              <a:buSzTx/>
+              <a:buFontTx/>
+              <a:buNone/>
+              <a:tabLst/>
+            </a:pPr>
+            <a:r>
+              <a:rPr kumimoji="0" lang="en-GB" sz="1800" b="0" i="0" u="none" strike="noStrike" cap="none" normalizeH="0" baseline="0" dirty="0">
+                <a:ln>
+                  <a:noFill/>
+                </a:ln>
+                <a:solidFill>
+                  <a:schemeClr val="tx1"/>
+                </a:solidFill>
+                <a:effectLst/>
+                <a:latin typeface="Tahoma" charset="0"/>
+              </a:rPr>
+              <a:t>File: </a:t>
+            </a:r>
+            <a:r>
+              <a:rPr kumimoji="0" lang="en-GB" sz="1800" b="0" i="0" u="none" strike="noStrike" cap="none" normalizeH="0" baseline="0" dirty="0" err="1">
+                <a:ln>
+                  <a:noFill/>
+                </a:ln>
+                <a:solidFill>
+                  <a:schemeClr val="tx1"/>
+                </a:solidFill>
+                <a:effectLst/>
+                <a:latin typeface="Tahoma" charset="0"/>
+              </a:rPr>
+              <a:t>Proof_rewrite.sc</a:t>
+            </a:r>
+            <a:endParaRPr kumimoji="0" lang="en-GB" sz="1800" b="0" i="0" u="none" strike="noStrike" cap="none" normalizeH="0" baseline="0" dirty="0">
+              <a:ln>
+                <a:noFill/>
+              </a:ln>
+              <a:solidFill>
+                <a:schemeClr val="tx1"/>
+              </a:solidFill>
+              <a:effectLst/>
+              <a:latin typeface="Tahoma" charset="0"/>
+            </a:endParaRPr>
+          </a:p>
+        </p:txBody>
+      </p:sp>
     </p:spTree>
     <p:extLst>
       <p:ext uri="{BB962C8B-B14F-4D97-AF65-F5344CB8AC3E}">
@@ -6901,6 +8774,445 @@
           </a:prstGeom>
         </p:spPr>
       </p:pic>
+      <p:sp>
+        <p:nvSpPr>
+          <p:cNvPr id="4" name="Rectangle 3">
+            <a:extLst>
+              <a:ext uri="{FF2B5EF4-FFF2-40B4-BE49-F238E27FC236}">
+                <a16:creationId xmlns:a16="http://schemas.microsoft.com/office/drawing/2014/main" id="{5489A414-4240-5814-5B5C-15B0629E3B9D}"/>
+              </a:ext>
+            </a:extLst>
+          </p:cNvPr>
+          <p:cNvSpPr/>
+          <p:nvPr/>
+        </p:nvSpPr>
+        <p:spPr bwMode="auto">
+          <a:xfrm>
+            <a:off x="5410201" y="3820642"/>
+            <a:ext cx="1905000" cy="381000"/>
+          </a:xfrm>
+          <a:prstGeom prst="rect">
+            <a:avLst/>
+          </a:prstGeom>
+          <a:noFill/>
+          <a:ln w="25400" cap="flat" cmpd="sng" algn="ctr">
+            <a:solidFill>
+              <a:schemeClr val="tx2">
+                <a:lumMod val="60000"/>
+                <a:lumOff val="40000"/>
+              </a:schemeClr>
+            </a:solidFill>
+            <a:prstDash val="solid"/>
+            <a:miter lim="800000"/>
+            <a:headEnd type="none" w="med" len="med"/>
+            <a:tailEnd type="none" w="med" len="med"/>
+          </a:ln>
+          <a:effectLst/>
+        </p:spPr>
+        <p:txBody>
+          <a:bodyPr vert="horz" wrap="none" lIns="91440" tIns="45720" rIns="91440" bIns="45720" numCol="1" rtlCol="0" anchor="t" anchorCtr="0" compatLnSpc="1">
+            <a:prstTxWarp prst="textNoShape">
+              <a:avLst/>
+            </a:prstTxWarp>
+          </a:bodyPr>
+          <a:lstStyle/>
+          <a:p>
+            <a:pPr marL="0" marR="0" indent="0" algn="l" defTabSz="914400" rtl="0" eaLnBrk="1" fontAlgn="base" latinLnBrk="0" hangingPunct="1">
+              <a:lnSpc>
+                <a:spcPct val="100000"/>
+              </a:lnSpc>
+              <a:spcBef>
+                <a:spcPct val="0"/>
+              </a:spcBef>
+              <a:spcAft>
+                <a:spcPct val="0"/>
+              </a:spcAft>
+              <a:buClrTx/>
+              <a:buSzTx/>
+              <a:buFontTx/>
+              <a:buNone/>
+              <a:tabLst/>
+            </a:pPr>
+            <a:endParaRPr kumimoji="0" lang="en-GB" sz="2400" b="0" i="0" u="none" strike="noStrike" cap="none" normalizeH="0" baseline="0">
+              <a:ln>
+                <a:noFill/>
+              </a:ln>
+              <a:solidFill>
+                <a:schemeClr val="tx1"/>
+              </a:solidFill>
+              <a:effectLst/>
+              <a:latin typeface="Tahoma" charset="0"/>
+            </a:endParaRPr>
+          </a:p>
+        </p:txBody>
+      </p:sp>
+      <p:sp>
+        <p:nvSpPr>
+          <p:cNvPr id="6" name="Rectangle 5">
+            <a:extLst>
+              <a:ext uri="{FF2B5EF4-FFF2-40B4-BE49-F238E27FC236}">
+                <a16:creationId xmlns:a16="http://schemas.microsoft.com/office/drawing/2014/main" id="{B4C49E95-3639-457C-1683-541E194FFE9B}"/>
+              </a:ext>
+            </a:extLst>
+          </p:cNvPr>
+          <p:cNvSpPr/>
+          <p:nvPr/>
+        </p:nvSpPr>
+        <p:spPr bwMode="auto">
+          <a:xfrm>
+            <a:off x="5676117" y="5365388"/>
+            <a:ext cx="3010683" cy="381000"/>
+          </a:xfrm>
+          <a:prstGeom prst="rect">
+            <a:avLst/>
+          </a:prstGeom>
+          <a:solidFill>
+            <a:srgbClr val="FFE267"/>
+          </a:solidFill>
+          <a:ln w="9525" cap="flat" cmpd="sng" algn="ctr">
+            <a:solidFill>
+              <a:schemeClr val="tx1"/>
+            </a:solidFill>
+            <a:prstDash val="solid"/>
+            <a:miter lim="800000"/>
+            <a:headEnd type="none" w="med" len="med"/>
+            <a:tailEnd type="none" w="med" len="med"/>
+          </a:ln>
+          <a:effectLst/>
+        </p:spPr>
+        <p:txBody>
+          <a:bodyPr vert="horz" wrap="square" lIns="91440" tIns="45720" rIns="91440" bIns="45720" numCol="1" rtlCol="0" anchor="t" anchorCtr="0" compatLnSpc="1">
+            <a:prstTxWarp prst="textNoShape">
+              <a:avLst/>
+            </a:prstTxWarp>
+          </a:bodyPr>
+          <a:lstStyle/>
+          <a:p>
+            <a:pPr marL="0" marR="0" indent="0" algn="l" defTabSz="914400" rtl="0" eaLnBrk="1" fontAlgn="base" latinLnBrk="0" hangingPunct="1">
+              <a:lnSpc>
+                <a:spcPct val="100000"/>
+              </a:lnSpc>
+              <a:spcBef>
+                <a:spcPct val="0"/>
+              </a:spcBef>
+              <a:spcAft>
+                <a:spcPct val="0"/>
+              </a:spcAft>
+              <a:buClrTx/>
+              <a:buSzTx/>
+              <a:buFontTx/>
+              <a:buNone/>
+              <a:tabLst/>
+            </a:pPr>
+            <a:r>
+              <a:rPr kumimoji="0" lang="en-GB" sz="1800" b="0" i="0" u="none" strike="noStrike" cap="none" normalizeH="0" baseline="0" dirty="0">
+                <a:ln>
+                  <a:noFill/>
+                </a:ln>
+                <a:solidFill>
+                  <a:schemeClr val="tx1"/>
+                </a:solidFill>
+                <a:effectLst/>
+                <a:latin typeface="Tahoma" charset="0"/>
+              </a:rPr>
+              <a:t>Substitute </a:t>
+            </a:r>
+            <a:r>
+              <a:rPr lang="en-GB" sz="1800" dirty="0">
+                <a:solidFill>
+                  <a:srgbClr val="0070C0"/>
+                </a:solidFill>
+                <a:latin typeface="Tahoma" charset="0"/>
+              </a:rPr>
+              <a:t>1</a:t>
+            </a:r>
+            <a:r>
+              <a:rPr kumimoji="0" lang="en-GB" sz="1800" b="0" i="0" u="none" strike="noStrike" cap="none" normalizeH="0" baseline="0" dirty="0">
+                <a:ln>
+                  <a:noFill/>
+                </a:ln>
+                <a:solidFill>
+                  <a:schemeClr val="tx1"/>
+                </a:solidFill>
+                <a:effectLst/>
+                <a:latin typeface="Tahoma" charset="0"/>
+              </a:rPr>
+              <a:t> in </a:t>
+            </a:r>
+            <a:r>
+              <a:rPr kumimoji="0" lang="en-GB" sz="1800" b="0" i="0" u="none" strike="noStrike" cap="none" normalizeH="0" baseline="0" dirty="0">
+                <a:ln>
+                  <a:noFill/>
+                </a:ln>
+                <a:solidFill>
+                  <a:srgbClr val="0070C0"/>
+                </a:solidFill>
+                <a:effectLst/>
+                <a:latin typeface="Tahoma" charset="0"/>
+              </a:rPr>
+              <a:t>4</a:t>
+            </a:r>
+            <a:r>
+              <a:rPr kumimoji="0" lang="en-GB" sz="1800" b="0" i="0" u="none" strike="noStrike" cap="none" normalizeH="0" baseline="0" dirty="0">
+                <a:ln>
+                  <a:noFill/>
+                </a:ln>
+                <a:solidFill>
+                  <a:schemeClr val="tx1"/>
+                </a:solidFill>
+                <a:effectLst/>
+                <a:latin typeface="Tahoma" charset="0"/>
+              </a:rPr>
+              <a:t> to obtain </a:t>
+            </a:r>
+            <a:r>
+              <a:rPr kumimoji="0" lang="en-GB" sz="1800" b="0" i="0" u="none" strike="noStrike" cap="none" normalizeH="0" baseline="0" dirty="0">
+                <a:ln>
+                  <a:noFill/>
+                </a:ln>
+                <a:solidFill>
+                  <a:srgbClr val="0070C0"/>
+                </a:solidFill>
+                <a:effectLst/>
+                <a:latin typeface="Tahoma" charset="0"/>
+              </a:rPr>
+              <a:t>2</a:t>
+            </a:r>
+            <a:endParaRPr kumimoji="0" lang="en-GB" sz="1800" b="0" i="0" u="none" strike="noStrike" cap="none" normalizeH="0" baseline="0" dirty="0">
+              <a:ln>
+                <a:noFill/>
+              </a:ln>
+              <a:solidFill>
+                <a:srgbClr val="0070C0"/>
+              </a:solidFill>
+              <a:effectLst/>
+              <a:latin typeface="Menlo" panose="020B0609030804020204" pitchFamily="49" charset="0"/>
+              <a:ea typeface="Menlo" panose="020B0609030804020204" pitchFamily="49" charset="0"/>
+              <a:cs typeface="Menlo" panose="020B0609030804020204" pitchFamily="49" charset="0"/>
+            </a:endParaRPr>
+          </a:p>
+        </p:txBody>
+      </p:sp>
+      <p:cxnSp>
+        <p:nvCxnSpPr>
+          <p:cNvPr id="7" name="Straight Arrow Connector 6">
+            <a:extLst>
+              <a:ext uri="{FF2B5EF4-FFF2-40B4-BE49-F238E27FC236}">
+                <a16:creationId xmlns:a16="http://schemas.microsoft.com/office/drawing/2014/main" id="{F252F3CC-1B2F-266D-0F46-719F7D3ED25B}"/>
+              </a:ext>
+            </a:extLst>
+          </p:cNvPr>
+          <p:cNvCxnSpPr>
+            <a:cxnSpLocks/>
+            <a:stCxn id="6" idx="0"/>
+            <a:endCxn id="4" idx="2"/>
+          </p:cNvCxnSpPr>
+          <p:nvPr/>
+        </p:nvCxnSpPr>
+        <p:spPr bwMode="auto">
+          <a:xfrm flipH="1" flipV="1">
+            <a:off x="6362701" y="4201642"/>
+            <a:ext cx="818758" cy="1163746"/>
+          </a:xfrm>
+          <a:prstGeom prst="straightConnector1">
+            <a:avLst/>
+          </a:prstGeom>
+          <a:solidFill>
+            <a:schemeClr val="accent1"/>
+          </a:solidFill>
+          <a:ln w="15875" cap="flat" cmpd="sng" algn="ctr">
+            <a:solidFill>
+              <a:schemeClr val="tx1"/>
+            </a:solidFill>
+            <a:prstDash val="solid"/>
+            <a:miter lim="800000"/>
+            <a:headEnd type="none" w="med" len="med"/>
+            <a:tailEnd type="triangle" w="lg" len="med"/>
+          </a:ln>
+          <a:effectLst/>
+        </p:spPr>
+      </p:cxnSp>
+      <p:sp>
+        <p:nvSpPr>
+          <p:cNvPr id="13" name="Rectangle 12">
+            <a:extLst>
+              <a:ext uri="{FF2B5EF4-FFF2-40B4-BE49-F238E27FC236}">
+                <a16:creationId xmlns:a16="http://schemas.microsoft.com/office/drawing/2014/main" id="{587CF2DA-B75D-3AD4-6E5A-AD3EA2E785DC}"/>
+              </a:ext>
+            </a:extLst>
+          </p:cNvPr>
+          <p:cNvSpPr/>
+          <p:nvPr/>
+        </p:nvSpPr>
+        <p:spPr bwMode="auto">
+          <a:xfrm>
+            <a:off x="5685535" y="3040927"/>
+            <a:ext cx="3334970" cy="381000"/>
+          </a:xfrm>
+          <a:prstGeom prst="rect">
+            <a:avLst/>
+          </a:prstGeom>
+          <a:solidFill>
+            <a:srgbClr val="FFE267"/>
+          </a:solidFill>
+          <a:ln w="9525" cap="flat" cmpd="sng" algn="ctr">
+            <a:solidFill>
+              <a:schemeClr val="tx1"/>
+            </a:solidFill>
+            <a:prstDash val="solid"/>
+            <a:miter lim="800000"/>
+            <a:headEnd type="none" w="med" len="med"/>
+            <a:tailEnd type="none" w="med" len="med"/>
+          </a:ln>
+          <a:effectLst/>
+        </p:spPr>
+        <p:txBody>
+          <a:bodyPr vert="horz" wrap="square" lIns="91440" tIns="45720" rIns="91440" bIns="45720" numCol="1" rtlCol="0" anchor="t" anchorCtr="0" compatLnSpc="1">
+            <a:prstTxWarp prst="textNoShape">
+              <a:avLst/>
+            </a:prstTxWarp>
+          </a:bodyPr>
+          <a:lstStyle/>
+          <a:p>
+            <a:pPr marL="0" marR="0" indent="0" algn="l" defTabSz="914400" rtl="0" eaLnBrk="1" fontAlgn="base" latinLnBrk="0" hangingPunct="1">
+              <a:lnSpc>
+                <a:spcPct val="100000"/>
+              </a:lnSpc>
+              <a:spcBef>
+                <a:spcPct val="0"/>
+              </a:spcBef>
+              <a:spcAft>
+                <a:spcPct val="0"/>
+              </a:spcAft>
+              <a:buClrTx/>
+              <a:buSzTx/>
+              <a:buFontTx/>
+              <a:buNone/>
+              <a:tabLst/>
+            </a:pPr>
+            <a:r>
+              <a:rPr kumimoji="0" lang="en-GB" sz="1800" b="0" i="0" u="none" strike="noStrike" cap="none" normalizeH="0" baseline="0" dirty="0">
+                <a:ln>
+                  <a:noFill/>
+                </a:ln>
+                <a:solidFill>
+                  <a:schemeClr val="tx1"/>
+                </a:solidFill>
+                <a:effectLst/>
+                <a:latin typeface="Tahoma" charset="0"/>
+              </a:rPr>
+              <a:t>Read equation left-to-right (&gt;)</a:t>
+            </a:r>
+            <a:endParaRPr kumimoji="0" lang="en-GB" sz="1800" b="0" i="0" u="none" strike="noStrike" cap="none" normalizeH="0" baseline="0" dirty="0">
+              <a:ln>
+                <a:noFill/>
+              </a:ln>
+              <a:solidFill>
+                <a:srgbClr val="0070C0"/>
+              </a:solidFill>
+              <a:effectLst/>
+              <a:latin typeface="Tahoma" charset="0"/>
+            </a:endParaRPr>
+          </a:p>
+        </p:txBody>
+      </p:sp>
+      <p:sp>
+        <p:nvSpPr>
+          <p:cNvPr id="14" name="Rectangle 13">
+            <a:extLst>
+              <a:ext uri="{FF2B5EF4-FFF2-40B4-BE49-F238E27FC236}">
+                <a16:creationId xmlns:a16="http://schemas.microsoft.com/office/drawing/2014/main" id="{3FCD3571-E39E-BE0F-1113-40C313587BFB}"/>
+              </a:ext>
+            </a:extLst>
+          </p:cNvPr>
+          <p:cNvSpPr/>
+          <p:nvPr/>
+        </p:nvSpPr>
+        <p:spPr bwMode="auto">
+          <a:xfrm>
+            <a:off x="625366" y="5728559"/>
+            <a:ext cx="2319600" cy="381000"/>
+          </a:xfrm>
+          <a:prstGeom prst="rect">
+            <a:avLst/>
+          </a:prstGeom>
+          <a:solidFill>
+            <a:srgbClr val="FFE267"/>
+          </a:solidFill>
+          <a:ln w="25400" cap="flat" cmpd="sng" algn="ctr">
+            <a:solidFill>
+              <a:srgbClr val="C00000"/>
+            </a:solidFill>
+            <a:prstDash val="solid"/>
+            <a:miter lim="800000"/>
+            <a:headEnd type="none" w="med" len="med"/>
+            <a:tailEnd type="none" w="med" len="med"/>
+          </a:ln>
+          <a:effectLst/>
+        </p:spPr>
+        <p:txBody>
+          <a:bodyPr vert="horz" wrap="none" lIns="91440" tIns="45720" rIns="91440" bIns="45720" numCol="1" rtlCol="0" anchor="t" anchorCtr="0" compatLnSpc="1">
+            <a:prstTxWarp prst="textNoShape">
+              <a:avLst/>
+            </a:prstTxWarp>
+          </a:bodyPr>
+          <a:lstStyle/>
+          <a:p>
+            <a:pPr marL="0" marR="0" indent="0" algn="l" defTabSz="914400" rtl="0" eaLnBrk="1" fontAlgn="base" latinLnBrk="0" hangingPunct="1">
+              <a:lnSpc>
+                <a:spcPct val="100000"/>
+              </a:lnSpc>
+              <a:spcBef>
+                <a:spcPct val="0"/>
+              </a:spcBef>
+              <a:spcAft>
+                <a:spcPct val="0"/>
+              </a:spcAft>
+              <a:buClrTx/>
+              <a:buSzTx/>
+              <a:buFontTx/>
+              <a:buNone/>
+              <a:tabLst/>
+            </a:pPr>
+            <a:r>
+              <a:rPr kumimoji="0" lang="en-GB" sz="1800" b="0" i="0" u="none" strike="noStrike" cap="none" normalizeH="0" baseline="0" dirty="0">
+                <a:ln>
+                  <a:noFill/>
+                </a:ln>
+                <a:solidFill>
+                  <a:schemeClr val="tx1"/>
+                </a:solidFill>
+                <a:effectLst/>
+                <a:latin typeface="Tahoma" charset="0"/>
+              </a:rPr>
+              <a:t>File: </a:t>
+            </a:r>
+            <a:r>
+              <a:rPr kumimoji="0" lang="en-GB" sz="1800" b="0" i="0" u="none" strike="noStrike" cap="none" normalizeH="0" baseline="0" dirty="0" err="1">
+                <a:ln>
+                  <a:noFill/>
+                </a:ln>
+                <a:solidFill>
+                  <a:schemeClr val="tx1"/>
+                </a:solidFill>
+                <a:effectLst/>
+                <a:latin typeface="Tahoma" charset="0"/>
+              </a:rPr>
+              <a:t>Proof_rewrite.sc</a:t>
+            </a:r>
+            <a:endParaRPr kumimoji="0" lang="en-GB" sz="1800" b="0" i="0" u="none" strike="noStrike" cap="none" normalizeH="0" baseline="0" dirty="0">
+              <a:ln>
+                <a:noFill/>
+              </a:ln>
+              <a:solidFill>
+                <a:schemeClr val="tx1"/>
+              </a:solidFill>
+              <a:effectLst/>
+              <a:latin typeface="Tahoma" charset="0"/>
+            </a:endParaRPr>
+          </a:p>
+        </p:txBody>
+      </p:sp>
     </p:spTree>
     <p:extLst>
       <p:ext uri="{BB962C8B-B14F-4D97-AF65-F5344CB8AC3E}">
@@ -7082,10 +9394,1565 @@
           </a:prstGeom>
         </p:spPr>
       </p:pic>
+      <p:sp>
+        <p:nvSpPr>
+          <p:cNvPr id="4" name="Rectangle 3">
+            <a:extLst>
+              <a:ext uri="{FF2B5EF4-FFF2-40B4-BE49-F238E27FC236}">
+                <a16:creationId xmlns:a16="http://schemas.microsoft.com/office/drawing/2014/main" id="{D7F852B8-DB87-E1B6-BCAE-76EC6456DA76}"/>
+              </a:ext>
+            </a:extLst>
+          </p:cNvPr>
+          <p:cNvSpPr/>
+          <p:nvPr/>
+        </p:nvSpPr>
+        <p:spPr bwMode="auto">
+          <a:xfrm>
+            <a:off x="5685535" y="3040927"/>
+            <a:ext cx="3334970" cy="381000"/>
+          </a:xfrm>
+          <a:prstGeom prst="rect">
+            <a:avLst/>
+          </a:prstGeom>
+          <a:solidFill>
+            <a:srgbClr val="FFE267"/>
+          </a:solidFill>
+          <a:ln w="9525" cap="flat" cmpd="sng" algn="ctr">
+            <a:solidFill>
+              <a:schemeClr val="tx1"/>
+            </a:solidFill>
+            <a:prstDash val="solid"/>
+            <a:miter lim="800000"/>
+            <a:headEnd type="none" w="med" len="med"/>
+            <a:tailEnd type="none" w="med" len="med"/>
+          </a:ln>
+          <a:effectLst/>
+        </p:spPr>
+        <p:txBody>
+          <a:bodyPr vert="horz" wrap="square" lIns="91440" tIns="45720" rIns="91440" bIns="45720" numCol="1" rtlCol="0" anchor="t" anchorCtr="0" compatLnSpc="1">
+            <a:prstTxWarp prst="textNoShape">
+              <a:avLst/>
+            </a:prstTxWarp>
+          </a:bodyPr>
+          <a:lstStyle/>
+          <a:p>
+            <a:pPr marL="0" marR="0" indent="0" algn="l" defTabSz="914400" rtl="0" eaLnBrk="1" fontAlgn="base" latinLnBrk="0" hangingPunct="1">
+              <a:lnSpc>
+                <a:spcPct val="100000"/>
+              </a:lnSpc>
+              <a:spcBef>
+                <a:spcPct val="0"/>
+              </a:spcBef>
+              <a:spcAft>
+                <a:spcPct val="0"/>
+              </a:spcAft>
+              <a:buClrTx/>
+              <a:buSzTx/>
+              <a:buFontTx/>
+              <a:buNone/>
+              <a:tabLst/>
+            </a:pPr>
+            <a:r>
+              <a:rPr kumimoji="0" lang="en-GB" sz="1800" b="0" i="0" u="none" strike="noStrike" cap="none" normalizeH="0" baseline="0" dirty="0">
+                <a:ln>
+                  <a:noFill/>
+                </a:ln>
+                <a:solidFill>
+                  <a:schemeClr val="tx1"/>
+                </a:solidFill>
+                <a:effectLst/>
+                <a:latin typeface="Tahoma" charset="0"/>
+              </a:rPr>
+              <a:t>Read equation right-to-left (&lt;)</a:t>
+            </a:r>
+            <a:endParaRPr kumimoji="0" lang="en-GB" sz="1800" b="0" i="0" u="none" strike="noStrike" cap="none" normalizeH="0" baseline="0" dirty="0">
+              <a:ln>
+                <a:noFill/>
+              </a:ln>
+              <a:solidFill>
+                <a:srgbClr val="0070C0"/>
+              </a:solidFill>
+              <a:effectLst/>
+              <a:latin typeface="Tahoma" charset="0"/>
+            </a:endParaRPr>
+          </a:p>
+        </p:txBody>
+      </p:sp>
+      <p:sp>
+        <p:nvSpPr>
+          <p:cNvPr id="6" name="Rectangle 5">
+            <a:extLst>
+              <a:ext uri="{FF2B5EF4-FFF2-40B4-BE49-F238E27FC236}">
+                <a16:creationId xmlns:a16="http://schemas.microsoft.com/office/drawing/2014/main" id="{89A1DA41-4A89-4195-2E95-0CD92392DADD}"/>
+              </a:ext>
+            </a:extLst>
+          </p:cNvPr>
+          <p:cNvSpPr/>
+          <p:nvPr/>
+        </p:nvSpPr>
+        <p:spPr bwMode="auto">
+          <a:xfrm>
+            <a:off x="5410201" y="3820642"/>
+            <a:ext cx="1905000" cy="381000"/>
+          </a:xfrm>
+          <a:prstGeom prst="rect">
+            <a:avLst/>
+          </a:prstGeom>
+          <a:noFill/>
+          <a:ln w="25400" cap="flat" cmpd="sng" algn="ctr">
+            <a:solidFill>
+              <a:schemeClr val="tx2">
+                <a:lumMod val="60000"/>
+                <a:lumOff val="40000"/>
+              </a:schemeClr>
+            </a:solidFill>
+            <a:prstDash val="solid"/>
+            <a:miter lim="800000"/>
+            <a:headEnd type="none" w="med" len="med"/>
+            <a:tailEnd type="none" w="med" len="med"/>
+          </a:ln>
+          <a:effectLst/>
+        </p:spPr>
+        <p:txBody>
+          <a:bodyPr vert="horz" wrap="none" lIns="91440" tIns="45720" rIns="91440" bIns="45720" numCol="1" rtlCol="0" anchor="t" anchorCtr="0" compatLnSpc="1">
+            <a:prstTxWarp prst="textNoShape">
+              <a:avLst/>
+            </a:prstTxWarp>
+          </a:bodyPr>
+          <a:lstStyle/>
+          <a:p>
+            <a:pPr marL="0" marR="0" indent="0" algn="l" defTabSz="914400" rtl="0" eaLnBrk="1" fontAlgn="base" latinLnBrk="0" hangingPunct="1">
+              <a:lnSpc>
+                <a:spcPct val="100000"/>
+              </a:lnSpc>
+              <a:spcBef>
+                <a:spcPct val="0"/>
+              </a:spcBef>
+              <a:spcAft>
+                <a:spcPct val="0"/>
+              </a:spcAft>
+              <a:buClrTx/>
+              <a:buSzTx/>
+              <a:buFontTx/>
+              <a:buNone/>
+              <a:tabLst/>
+            </a:pPr>
+            <a:endParaRPr kumimoji="0" lang="en-GB" sz="2400" b="0" i="0" u="none" strike="noStrike" cap="none" normalizeH="0" baseline="0">
+              <a:ln>
+                <a:noFill/>
+              </a:ln>
+              <a:solidFill>
+                <a:schemeClr val="tx1"/>
+              </a:solidFill>
+              <a:effectLst/>
+              <a:latin typeface="Tahoma" charset="0"/>
+            </a:endParaRPr>
+          </a:p>
+        </p:txBody>
+      </p:sp>
+      <p:sp>
+        <p:nvSpPr>
+          <p:cNvPr id="7" name="Rectangle 6">
+            <a:extLst>
+              <a:ext uri="{FF2B5EF4-FFF2-40B4-BE49-F238E27FC236}">
+                <a16:creationId xmlns:a16="http://schemas.microsoft.com/office/drawing/2014/main" id="{484AA65C-B698-A4CD-D3EF-3285A1133735}"/>
+              </a:ext>
+            </a:extLst>
+          </p:cNvPr>
+          <p:cNvSpPr/>
+          <p:nvPr/>
+        </p:nvSpPr>
+        <p:spPr bwMode="auto">
+          <a:xfrm>
+            <a:off x="5676117" y="5365388"/>
+            <a:ext cx="3010683" cy="381000"/>
+          </a:xfrm>
+          <a:prstGeom prst="rect">
+            <a:avLst/>
+          </a:prstGeom>
+          <a:solidFill>
+            <a:srgbClr val="FFE267"/>
+          </a:solidFill>
+          <a:ln w="9525" cap="flat" cmpd="sng" algn="ctr">
+            <a:solidFill>
+              <a:schemeClr val="tx1"/>
+            </a:solidFill>
+            <a:prstDash val="solid"/>
+            <a:miter lim="800000"/>
+            <a:headEnd type="none" w="med" len="med"/>
+            <a:tailEnd type="none" w="med" len="med"/>
+          </a:ln>
+          <a:effectLst/>
+        </p:spPr>
+        <p:txBody>
+          <a:bodyPr vert="horz" wrap="square" lIns="91440" tIns="45720" rIns="91440" bIns="45720" numCol="1" rtlCol="0" anchor="t" anchorCtr="0" compatLnSpc="1">
+            <a:prstTxWarp prst="textNoShape">
+              <a:avLst/>
+            </a:prstTxWarp>
+          </a:bodyPr>
+          <a:lstStyle/>
+          <a:p>
+            <a:pPr marL="0" marR="0" indent="0" algn="l" defTabSz="914400" rtl="0" eaLnBrk="1" fontAlgn="base" latinLnBrk="0" hangingPunct="1">
+              <a:lnSpc>
+                <a:spcPct val="100000"/>
+              </a:lnSpc>
+              <a:spcBef>
+                <a:spcPct val="0"/>
+              </a:spcBef>
+              <a:spcAft>
+                <a:spcPct val="0"/>
+              </a:spcAft>
+              <a:buClrTx/>
+              <a:buSzTx/>
+              <a:buFontTx/>
+              <a:buNone/>
+              <a:tabLst/>
+            </a:pPr>
+            <a:r>
+              <a:rPr kumimoji="0" lang="en-GB" sz="1800" b="0" i="0" u="none" strike="noStrike" cap="none" normalizeH="0" baseline="0" dirty="0">
+                <a:ln>
+                  <a:noFill/>
+                </a:ln>
+                <a:solidFill>
+                  <a:schemeClr val="tx1"/>
+                </a:solidFill>
+                <a:effectLst/>
+                <a:latin typeface="Tahoma" charset="0"/>
+              </a:rPr>
+              <a:t>Substitute </a:t>
+            </a:r>
+            <a:r>
+              <a:rPr lang="en-GB" sz="1800" dirty="0">
+                <a:solidFill>
+                  <a:srgbClr val="0070C0"/>
+                </a:solidFill>
+                <a:latin typeface="Tahoma" charset="0"/>
+              </a:rPr>
+              <a:t>1</a:t>
+            </a:r>
+            <a:r>
+              <a:rPr kumimoji="0" lang="en-GB" sz="1800" b="0" i="0" u="none" strike="noStrike" cap="none" normalizeH="0" baseline="0" dirty="0">
+                <a:ln>
+                  <a:noFill/>
+                </a:ln>
+                <a:solidFill>
+                  <a:schemeClr val="tx1"/>
+                </a:solidFill>
+                <a:effectLst/>
+                <a:latin typeface="Tahoma" charset="0"/>
+              </a:rPr>
+              <a:t> in </a:t>
+            </a:r>
+            <a:r>
+              <a:rPr kumimoji="0" lang="en-GB" sz="1800" b="0" i="0" u="none" strike="noStrike" cap="none" normalizeH="0" baseline="0" dirty="0">
+                <a:ln>
+                  <a:noFill/>
+                </a:ln>
+                <a:solidFill>
+                  <a:srgbClr val="0070C0"/>
+                </a:solidFill>
+                <a:effectLst/>
+                <a:latin typeface="Tahoma" charset="0"/>
+              </a:rPr>
+              <a:t>4</a:t>
+            </a:r>
+            <a:r>
+              <a:rPr kumimoji="0" lang="en-GB" sz="1800" b="0" i="0" u="none" strike="noStrike" cap="none" normalizeH="0" baseline="0" dirty="0">
+                <a:ln>
+                  <a:noFill/>
+                </a:ln>
+                <a:solidFill>
+                  <a:schemeClr val="tx1"/>
+                </a:solidFill>
+                <a:effectLst/>
+                <a:latin typeface="Tahoma" charset="0"/>
+              </a:rPr>
+              <a:t> to obtain </a:t>
+            </a:r>
+            <a:r>
+              <a:rPr kumimoji="0" lang="en-GB" sz="1800" b="0" i="0" u="none" strike="noStrike" cap="none" normalizeH="0" baseline="0" dirty="0">
+                <a:ln>
+                  <a:noFill/>
+                </a:ln>
+                <a:solidFill>
+                  <a:srgbClr val="0070C0"/>
+                </a:solidFill>
+                <a:effectLst/>
+                <a:latin typeface="Tahoma" charset="0"/>
+              </a:rPr>
+              <a:t>2</a:t>
+            </a:r>
+            <a:endParaRPr kumimoji="0" lang="en-GB" sz="1800" b="0" i="0" u="none" strike="noStrike" cap="none" normalizeH="0" baseline="0" dirty="0">
+              <a:ln>
+                <a:noFill/>
+              </a:ln>
+              <a:solidFill>
+                <a:srgbClr val="0070C0"/>
+              </a:solidFill>
+              <a:effectLst/>
+              <a:latin typeface="Menlo" panose="020B0609030804020204" pitchFamily="49" charset="0"/>
+              <a:ea typeface="Menlo" panose="020B0609030804020204" pitchFamily="49" charset="0"/>
+              <a:cs typeface="Menlo" panose="020B0609030804020204" pitchFamily="49" charset="0"/>
+            </a:endParaRPr>
+          </a:p>
+        </p:txBody>
+      </p:sp>
+      <p:cxnSp>
+        <p:nvCxnSpPr>
+          <p:cNvPr id="8" name="Straight Arrow Connector 7">
+            <a:extLst>
+              <a:ext uri="{FF2B5EF4-FFF2-40B4-BE49-F238E27FC236}">
+                <a16:creationId xmlns:a16="http://schemas.microsoft.com/office/drawing/2014/main" id="{88BE82A9-2648-1FFD-3811-CC8B5C5A5C88}"/>
+              </a:ext>
+            </a:extLst>
+          </p:cNvPr>
+          <p:cNvCxnSpPr>
+            <a:cxnSpLocks/>
+            <a:stCxn id="7" idx="0"/>
+            <a:endCxn id="6" idx="2"/>
+          </p:cNvCxnSpPr>
+          <p:nvPr/>
+        </p:nvCxnSpPr>
+        <p:spPr bwMode="auto">
+          <a:xfrm flipH="1" flipV="1">
+            <a:off x="6362701" y="4201642"/>
+            <a:ext cx="818758" cy="1163746"/>
+          </a:xfrm>
+          <a:prstGeom prst="straightConnector1">
+            <a:avLst/>
+          </a:prstGeom>
+          <a:solidFill>
+            <a:schemeClr val="accent1"/>
+          </a:solidFill>
+          <a:ln w="15875" cap="flat" cmpd="sng" algn="ctr">
+            <a:solidFill>
+              <a:schemeClr val="tx1"/>
+            </a:solidFill>
+            <a:prstDash val="solid"/>
+            <a:miter lim="800000"/>
+            <a:headEnd type="none" w="med" len="med"/>
+            <a:tailEnd type="triangle" w="lg" len="med"/>
+          </a:ln>
+          <a:effectLst/>
+        </p:spPr>
+      </p:cxnSp>
+      <p:sp>
+        <p:nvSpPr>
+          <p:cNvPr id="10" name="Rectangle 9">
+            <a:extLst>
+              <a:ext uri="{FF2B5EF4-FFF2-40B4-BE49-F238E27FC236}">
+                <a16:creationId xmlns:a16="http://schemas.microsoft.com/office/drawing/2014/main" id="{9026DD25-8FB9-D208-B5EF-6A0A6B47F478}"/>
+              </a:ext>
+            </a:extLst>
+          </p:cNvPr>
+          <p:cNvSpPr/>
+          <p:nvPr/>
+        </p:nvSpPr>
+        <p:spPr bwMode="auto">
+          <a:xfrm>
+            <a:off x="625366" y="5728559"/>
+            <a:ext cx="2319600" cy="381000"/>
+          </a:xfrm>
+          <a:prstGeom prst="rect">
+            <a:avLst/>
+          </a:prstGeom>
+          <a:solidFill>
+            <a:srgbClr val="FFE267"/>
+          </a:solidFill>
+          <a:ln w="25400" cap="flat" cmpd="sng" algn="ctr">
+            <a:solidFill>
+              <a:srgbClr val="C00000"/>
+            </a:solidFill>
+            <a:prstDash val="solid"/>
+            <a:miter lim="800000"/>
+            <a:headEnd type="none" w="med" len="med"/>
+            <a:tailEnd type="none" w="med" len="med"/>
+          </a:ln>
+          <a:effectLst/>
+        </p:spPr>
+        <p:txBody>
+          <a:bodyPr vert="horz" wrap="none" lIns="91440" tIns="45720" rIns="91440" bIns="45720" numCol="1" rtlCol="0" anchor="t" anchorCtr="0" compatLnSpc="1">
+            <a:prstTxWarp prst="textNoShape">
+              <a:avLst/>
+            </a:prstTxWarp>
+          </a:bodyPr>
+          <a:lstStyle/>
+          <a:p>
+            <a:pPr marL="0" marR="0" indent="0" algn="l" defTabSz="914400" rtl="0" eaLnBrk="1" fontAlgn="base" latinLnBrk="0" hangingPunct="1">
+              <a:lnSpc>
+                <a:spcPct val="100000"/>
+              </a:lnSpc>
+              <a:spcBef>
+                <a:spcPct val="0"/>
+              </a:spcBef>
+              <a:spcAft>
+                <a:spcPct val="0"/>
+              </a:spcAft>
+              <a:buClrTx/>
+              <a:buSzTx/>
+              <a:buFontTx/>
+              <a:buNone/>
+              <a:tabLst/>
+            </a:pPr>
+            <a:r>
+              <a:rPr kumimoji="0" lang="en-GB" sz="1800" b="0" i="0" u="none" strike="noStrike" cap="none" normalizeH="0" baseline="0" dirty="0">
+                <a:ln>
+                  <a:noFill/>
+                </a:ln>
+                <a:solidFill>
+                  <a:schemeClr val="tx1"/>
+                </a:solidFill>
+                <a:effectLst/>
+                <a:latin typeface="Tahoma" charset="0"/>
+              </a:rPr>
+              <a:t>File: </a:t>
+            </a:r>
+            <a:r>
+              <a:rPr kumimoji="0" lang="en-GB" sz="1800" b="0" i="0" u="none" strike="noStrike" cap="none" normalizeH="0" baseline="0" dirty="0" err="1">
+                <a:ln>
+                  <a:noFill/>
+                </a:ln>
+                <a:solidFill>
+                  <a:schemeClr val="tx1"/>
+                </a:solidFill>
+                <a:effectLst/>
+                <a:latin typeface="Tahoma" charset="0"/>
+              </a:rPr>
+              <a:t>Proof_rewrite.sc</a:t>
+            </a:r>
+            <a:endParaRPr kumimoji="0" lang="en-GB" sz="1800" b="0" i="0" u="none" strike="noStrike" cap="none" normalizeH="0" baseline="0" dirty="0">
+              <a:ln>
+                <a:noFill/>
+              </a:ln>
+              <a:solidFill>
+                <a:schemeClr val="tx1"/>
+              </a:solidFill>
+              <a:effectLst/>
+              <a:latin typeface="Tahoma" charset="0"/>
+            </a:endParaRPr>
+          </a:p>
+        </p:txBody>
+      </p:sp>
     </p:spTree>
     <p:extLst>
       <p:ext uri="{BB962C8B-B14F-4D97-AF65-F5344CB8AC3E}">
         <p14:creationId xmlns:p14="http://schemas.microsoft.com/office/powerpoint/2010/main" val="2036394989"/>
+      </p:ext>
+    </p:extLst>
+  </p:cSld>
+  <p:clrMapOvr>
+    <a:masterClrMapping/>
+  </p:clrMapOvr>
+</p:sld>
+</file>
+
+<file path=ppt/slides/slide8.xml><?xml version="1.0" encoding="utf-8"?>
+<p:sld xmlns:a="http://schemas.openxmlformats.org/drawingml/2006/main" xmlns:r="http://schemas.openxmlformats.org/officeDocument/2006/relationships" xmlns:p="http://schemas.openxmlformats.org/presentationml/2006/main">
+  <p:cSld>
+    <p:spTree>
+      <p:nvGrpSpPr>
+        <p:cNvPr id="1" name="">
+          <a:extLst>
+            <a:ext uri="{FF2B5EF4-FFF2-40B4-BE49-F238E27FC236}">
+              <a16:creationId xmlns:a16="http://schemas.microsoft.com/office/drawing/2014/main" id="{2C6A2B4B-259D-7CB3-C57E-F3F660EC2B09}"/>
+            </a:ext>
+          </a:extLst>
+        </p:cNvPr>
+        <p:cNvGrpSpPr/>
+        <p:nvPr/>
+      </p:nvGrpSpPr>
+      <p:grpSpPr>
+        <a:xfrm>
+          <a:off x="0" y="0"/>
+          <a:ext cx="0" cy="0"/>
+          <a:chOff x="0" y="0"/>
+          <a:chExt cx="0" cy="0"/>
+        </a:xfrm>
+      </p:grpSpPr>
+      <p:sp>
+        <p:nvSpPr>
+          <p:cNvPr id="2" name="Title 1">
+            <a:extLst>
+              <a:ext uri="{FF2B5EF4-FFF2-40B4-BE49-F238E27FC236}">
+                <a16:creationId xmlns:a16="http://schemas.microsoft.com/office/drawing/2014/main" id="{C6C2F7C3-A88C-C645-0FD4-2AA0D1116983}"/>
+              </a:ext>
+            </a:extLst>
+          </p:cNvPr>
+          <p:cNvSpPr>
+            <a:spLocks noGrp="1"/>
+          </p:cNvSpPr>
+          <p:nvPr>
+            <p:ph type="title"/>
+          </p:nvPr>
+        </p:nvSpPr>
+        <p:spPr/>
+        <p:txBody>
+          <a:bodyPr/>
+          <a:lstStyle/>
+          <a:p>
+            <a:r>
+              <a:rPr lang="en-US" sz="3600" dirty="0"/>
+              <a:t>Proving Dedicated Rewriting Rules</a:t>
+            </a:r>
+          </a:p>
+        </p:txBody>
+      </p:sp>
+      <p:sp>
+        <p:nvSpPr>
+          <p:cNvPr id="128" name="Slide Number Placeholder 127">
+            <a:extLst>
+              <a:ext uri="{FF2B5EF4-FFF2-40B4-BE49-F238E27FC236}">
+                <a16:creationId xmlns:a16="http://schemas.microsoft.com/office/drawing/2014/main" id="{C324ACC8-B477-7298-BB96-634CF9A0083F}"/>
+              </a:ext>
+            </a:extLst>
+          </p:cNvPr>
+          <p:cNvSpPr>
+            <a:spLocks noGrp="1"/>
+          </p:cNvSpPr>
+          <p:nvPr>
+            <p:ph type="sldNum" sz="quarter" idx="11"/>
+          </p:nvPr>
+        </p:nvSpPr>
+        <p:spPr/>
+        <p:txBody>
+          <a:bodyPr/>
+          <a:lstStyle/>
+          <a:p>
+            <a:pPr>
+              <a:defRPr/>
+            </a:pPr>
+            <a:fld id="{6E0AA622-F4CE-604D-A669-CD3D12FC535C}" type="slidenum">
+              <a:rPr lang="en-US" smtClean="0"/>
+              <a:pPr>
+                <a:defRPr/>
+              </a:pPr>
+              <a:t>8</a:t>
+            </a:fld>
+            <a:endParaRPr lang="en-US" dirty="0"/>
+          </a:p>
+        </p:txBody>
+      </p:sp>
+      <p:sp>
+        <p:nvSpPr>
+          <p:cNvPr id="3" name="TextBox 2">
+            <a:extLst>
+              <a:ext uri="{FF2B5EF4-FFF2-40B4-BE49-F238E27FC236}">
+                <a16:creationId xmlns:a16="http://schemas.microsoft.com/office/drawing/2014/main" id="{6AF824B6-F9A8-DB64-9D6C-807FF28EE1BF}"/>
+              </a:ext>
+            </a:extLst>
+          </p:cNvPr>
+          <p:cNvSpPr txBox="1"/>
+          <p:nvPr/>
+        </p:nvSpPr>
+        <p:spPr>
+          <a:xfrm>
+            <a:off x="381000" y="1158925"/>
+            <a:ext cx="8016766" cy="338554"/>
+          </a:xfrm>
+          <a:prstGeom prst="rect">
+            <a:avLst/>
+          </a:prstGeom>
+          <a:gradFill flip="none" rotWithShape="1">
+            <a:gsLst>
+              <a:gs pos="0">
+                <a:schemeClr val="bg1"/>
+              </a:gs>
+              <a:gs pos="74000">
+                <a:srgbClr val="FFE267"/>
+              </a:gs>
+              <a:gs pos="83000">
+                <a:srgbClr val="FFE267"/>
+              </a:gs>
+              <a:gs pos="100000">
+                <a:srgbClr val="FFE267"/>
+              </a:gs>
+            </a:gsLst>
+            <a:lin ang="10800000" scaled="1"/>
+            <a:tileRect/>
+          </a:gradFill>
+        </p:spPr>
+        <p:txBody>
+          <a:bodyPr wrap="square" rtlCol="0">
+            <a:spAutoFit/>
+          </a:bodyPr>
+          <a:lstStyle/>
+          <a:p>
+            <a:r>
+              <a:rPr lang="en-US" sz="1600" dirty="0"/>
+              <a:t>Backward substitution</a:t>
+            </a:r>
+          </a:p>
+        </p:txBody>
+      </p:sp>
+      <p:sp>
+        <p:nvSpPr>
+          <p:cNvPr id="10" name="Rectangle 9">
+            <a:extLst>
+              <a:ext uri="{FF2B5EF4-FFF2-40B4-BE49-F238E27FC236}">
+                <a16:creationId xmlns:a16="http://schemas.microsoft.com/office/drawing/2014/main" id="{A2315BBC-1C6C-9F1A-9FF7-BEDFB4BE7821}"/>
+              </a:ext>
+            </a:extLst>
+          </p:cNvPr>
+          <p:cNvSpPr/>
+          <p:nvPr/>
+        </p:nvSpPr>
+        <p:spPr bwMode="auto">
+          <a:xfrm>
+            <a:off x="536826" y="6383676"/>
+            <a:ext cx="2117834" cy="381000"/>
+          </a:xfrm>
+          <a:prstGeom prst="rect">
+            <a:avLst/>
+          </a:prstGeom>
+          <a:solidFill>
+            <a:srgbClr val="FFE267"/>
+          </a:solidFill>
+          <a:ln w="25400" cap="flat" cmpd="sng" algn="ctr">
+            <a:solidFill>
+              <a:srgbClr val="C00000"/>
+            </a:solidFill>
+            <a:prstDash val="solid"/>
+            <a:miter lim="800000"/>
+            <a:headEnd type="none" w="med" len="med"/>
+            <a:tailEnd type="none" w="med" len="med"/>
+          </a:ln>
+          <a:effectLst/>
+        </p:spPr>
+        <p:txBody>
+          <a:bodyPr vert="horz" wrap="none" lIns="91440" tIns="45720" rIns="91440" bIns="45720" numCol="1" rtlCol="0" anchor="t" anchorCtr="0" compatLnSpc="1">
+            <a:prstTxWarp prst="textNoShape">
+              <a:avLst/>
+            </a:prstTxWarp>
+          </a:bodyPr>
+          <a:lstStyle/>
+          <a:p>
+            <a:pPr marL="0" marR="0" indent="0" algn="l" defTabSz="914400" rtl="0" eaLnBrk="1" fontAlgn="base" latinLnBrk="0" hangingPunct="1">
+              <a:lnSpc>
+                <a:spcPct val="100000"/>
+              </a:lnSpc>
+              <a:spcBef>
+                <a:spcPct val="0"/>
+              </a:spcBef>
+              <a:spcAft>
+                <a:spcPct val="0"/>
+              </a:spcAft>
+              <a:buClrTx/>
+              <a:buSzTx/>
+              <a:buFontTx/>
+              <a:buNone/>
+              <a:tabLst/>
+            </a:pPr>
+            <a:r>
+              <a:rPr kumimoji="0" lang="en-GB" sz="1800" b="0" i="0" u="none" strike="noStrike" cap="none" normalizeH="0" baseline="0" dirty="0">
+                <a:ln>
+                  <a:noFill/>
+                </a:ln>
+                <a:solidFill>
+                  <a:schemeClr val="tx1"/>
+                </a:solidFill>
+                <a:effectLst/>
+                <a:latin typeface="Tahoma" charset="0"/>
+              </a:rPr>
+              <a:t>File: </a:t>
+            </a:r>
+            <a:r>
+              <a:rPr kumimoji="0" lang="en-GB" sz="1800" b="0" i="0" u="none" strike="noStrike" cap="none" normalizeH="0" baseline="0" dirty="0" err="1">
+                <a:ln>
+                  <a:noFill/>
+                </a:ln>
+                <a:solidFill>
+                  <a:schemeClr val="tx1"/>
+                </a:solidFill>
+                <a:effectLst/>
+                <a:latin typeface="Tahoma" charset="0"/>
+              </a:rPr>
+              <a:t>Proof_</a:t>
+            </a:r>
+            <a:r>
+              <a:rPr lang="en-GB" sz="1800" dirty="0" err="1">
+                <a:latin typeface="Tahoma" charset="0"/>
+              </a:rPr>
+              <a:t>simpl</a:t>
+            </a:r>
+            <a:r>
+              <a:rPr kumimoji="0" lang="en-GB" sz="1800" b="0" i="0" u="none" strike="noStrike" cap="none" normalizeH="0" baseline="0" dirty="0" err="1">
+                <a:ln>
+                  <a:noFill/>
+                </a:ln>
+                <a:solidFill>
+                  <a:schemeClr val="tx1"/>
+                </a:solidFill>
+                <a:effectLst/>
+                <a:latin typeface="Tahoma" charset="0"/>
+              </a:rPr>
+              <a:t>.sc</a:t>
+            </a:r>
+            <a:endParaRPr kumimoji="0" lang="en-GB" sz="1800" b="0" i="0" u="none" strike="noStrike" cap="none" normalizeH="0" baseline="0" dirty="0">
+              <a:ln>
+                <a:noFill/>
+              </a:ln>
+              <a:solidFill>
+                <a:schemeClr val="tx1"/>
+              </a:solidFill>
+              <a:effectLst/>
+              <a:latin typeface="Tahoma" charset="0"/>
+            </a:endParaRPr>
+          </a:p>
+        </p:txBody>
+      </p:sp>
+      <p:pic>
+        <p:nvPicPr>
+          <p:cNvPr id="11" name="Picture 10" descr="A screenshot of a computer program&#10;&#10;Description automatically generated">
+            <a:extLst>
+              <a:ext uri="{FF2B5EF4-FFF2-40B4-BE49-F238E27FC236}">
+                <a16:creationId xmlns:a16="http://schemas.microsoft.com/office/drawing/2014/main" id="{116C20C9-6159-3F54-06C4-9D8C34A334D9}"/>
+              </a:ext>
+            </a:extLst>
+          </p:cNvPr>
+          <p:cNvPicPr>
+            <a:picLocks noChangeAspect="1"/>
+          </p:cNvPicPr>
+          <p:nvPr/>
+        </p:nvPicPr>
+        <p:blipFill>
+          <a:blip r:embed="rId3"/>
+          <a:stretch>
+            <a:fillRect/>
+          </a:stretch>
+        </p:blipFill>
+        <p:spPr>
+          <a:xfrm>
+            <a:off x="533401" y="1518541"/>
+            <a:ext cx="5794860" cy="4729859"/>
+          </a:xfrm>
+          <a:prstGeom prst="rect">
+            <a:avLst/>
+          </a:prstGeom>
+        </p:spPr>
+      </p:pic>
+      <p:sp>
+        <p:nvSpPr>
+          <p:cNvPr id="12" name="Rectangle 11">
+            <a:extLst>
+              <a:ext uri="{FF2B5EF4-FFF2-40B4-BE49-F238E27FC236}">
+                <a16:creationId xmlns:a16="http://schemas.microsoft.com/office/drawing/2014/main" id="{4BA7E3E4-43CA-FE79-EC3D-3745B06BC3C6}"/>
+              </a:ext>
+            </a:extLst>
+          </p:cNvPr>
+          <p:cNvSpPr/>
+          <p:nvPr/>
+        </p:nvSpPr>
+        <p:spPr bwMode="auto">
+          <a:xfrm>
+            <a:off x="6477000" y="1676400"/>
+            <a:ext cx="2362200" cy="338554"/>
+          </a:xfrm>
+          <a:prstGeom prst="rect">
+            <a:avLst/>
+          </a:prstGeom>
+          <a:solidFill>
+            <a:srgbClr val="FFE267"/>
+          </a:solidFill>
+          <a:ln w="9525" cap="flat" cmpd="sng" algn="ctr">
+            <a:solidFill>
+              <a:schemeClr val="tx1"/>
+            </a:solidFill>
+            <a:prstDash val="solid"/>
+            <a:miter lim="800000"/>
+            <a:headEnd type="none" w="med" len="med"/>
+            <a:tailEnd type="none" w="med" len="med"/>
+          </a:ln>
+          <a:effectLst/>
+        </p:spPr>
+        <p:txBody>
+          <a:bodyPr vert="horz" wrap="square" lIns="91440" tIns="45720" rIns="91440" bIns="45720" numCol="1" rtlCol="0" anchor="t" anchorCtr="0" compatLnSpc="1">
+            <a:prstTxWarp prst="textNoShape">
+              <a:avLst/>
+            </a:prstTxWarp>
+          </a:bodyPr>
+          <a:lstStyle/>
+          <a:p>
+            <a:pPr marL="0" marR="0" indent="0" algn="l" defTabSz="914400" rtl="0" eaLnBrk="1" fontAlgn="base" latinLnBrk="0" hangingPunct="1">
+              <a:lnSpc>
+                <a:spcPct val="100000"/>
+              </a:lnSpc>
+              <a:spcBef>
+                <a:spcPct val="0"/>
+              </a:spcBef>
+              <a:spcAft>
+                <a:spcPct val="0"/>
+              </a:spcAft>
+              <a:buClrTx/>
+              <a:buSzTx/>
+              <a:buFontTx/>
+              <a:buNone/>
+              <a:tabLst/>
+            </a:pPr>
+            <a:r>
+              <a:rPr kumimoji="0" lang="en-GB" sz="1800" b="0" i="0" u="none" strike="noStrike" cap="none" normalizeH="0" baseline="0" dirty="0">
+                <a:ln>
+                  <a:noFill/>
+                </a:ln>
+                <a:solidFill>
+                  <a:schemeClr val="tx1"/>
+                </a:solidFill>
+                <a:effectLst/>
+                <a:latin typeface="Tahoma" charset="0"/>
+              </a:rPr>
+              <a:t>Definition of function</a:t>
+            </a:r>
+          </a:p>
+        </p:txBody>
+      </p:sp>
+      <p:cxnSp>
+        <p:nvCxnSpPr>
+          <p:cNvPr id="13" name="Straight Arrow Connector 12">
+            <a:extLst>
+              <a:ext uri="{FF2B5EF4-FFF2-40B4-BE49-F238E27FC236}">
+                <a16:creationId xmlns:a16="http://schemas.microsoft.com/office/drawing/2014/main" id="{9855982F-39CF-8095-B05A-1ADD7B1042F2}"/>
+              </a:ext>
+            </a:extLst>
+          </p:cNvPr>
+          <p:cNvCxnSpPr>
+            <a:cxnSpLocks/>
+            <a:stCxn id="12" idx="1"/>
+          </p:cNvCxnSpPr>
+          <p:nvPr/>
+        </p:nvCxnSpPr>
+        <p:spPr bwMode="auto">
+          <a:xfrm flipH="1">
+            <a:off x="5403351" y="1845677"/>
+            <a:ext cx="1073649" cy="0"/>
+          </a:xfrm>
+          <a:prstGeom prst="straightConnector1">
+            <a:avLst/>
+          </a:prstGeom>
+          <a:solidFill>
+            <a:schemeClr val="accent1"/>
+          </a:solidFill>
+          <a:ln w="15875" cap="flat" cmpd="sng" algn="ctr">
+            <a:solidFill>
+              <a:schemeClr val="tx1"/>
+            </a:solidFill>
+            <a:prstDash val="solid"/>
+            <a:miter lim="800000"/>
+            <a:headEnd type="none" w="med" len="med"/>
+            <a:tailEnd type="triangle" w="lg" len="med"/>
+          </a:ln>
+          <a:effectLst/>
+        </p:spPr>
+      </p:cxnSp>
+      <p:sp>
+        <p:nvSpPr>
+          <p:cNvPr id="18" name="Rectangle 17">
+            <a:extLst>
+              <a:ext uri="{FF2B5EF4-FFF2-40B4-BE49-F238E27FC236}">
+                <a16:creationId xmlns:a16="http://schemas.microsoft.com/office/drawing/2014/main" id="{F4402ABB-94C9-7C67-1660-90A11854B890}"/>
+              </a:ext>
+            </a:extLst>
+          </p:cNvPr>
+          <p:cNvSpPr/>
+          <p:nvPr/>
+        </p:nvSpPr>
+        <p:spPr bwMode="auto">
+          <a:xfrm>
+            <a:off x="6477000" y="2193875"/>
+            <a:ext cx="2362200" cy="338554"/>
+          </a:xfrm>
+          <a:prstGeom prst="rect">
+            <a:avLst/>
+          </a:prstGeom>
+          <a:solidFill>
+            <a:srgbClr val="FFE267"/>
+          </a:solidFill>
+          <a:ln w="9525" cap="flat" cmpd="sng" algn="ctr">
+            <a:solidFill>
+              <a:schemeClr val="tx1"/>
+            </a:solidFill>
+            <a:prstDash val="solid"/>
+            <a:miter lim="800000"/>
+            <a:headEnd type="none" w="med" len="med"/>
+            <a:tailEnd type="none" w="med" len="med"/>
+          </a:ln>
+          <a:effectLst/>
+        </p:spPr>
+        <p:txBody>
+          <a:bodyPr vert="horz" wrap="square" lIns="91440" tIns="45720" rIns="91440" bIns="45720" numCol="1" rtlCol="0" anchor="t" anchorCtr="0" compatLnSpc="1">
+            <a:prstTxWarp prst="textNoShape">
+              <a:avLst/>
+            </a:prstTxWarp>
+          </a:bodyPr>
+          <a:lstStyle/>
+          <a:p>
+            <a:pPr marL="0" marR="0" indent="0" algn="l" defTabSz="914400" rtl="0" eaLnBrk="1" fontAlgn="base" latinLnBrk="0" hangingPunct="1">
+              <a:lnSpc>
+                <a:spcPct val="100000"/>
+              </a:lnSpc>
+              <a:spcBef>
+                <a:spcPct val="0"/>
+              </a:spcBef>
+              <a:spcAft>
+                <a:spcPct val="0"/>
+              </a:spcAft>
+              <a:buClrTx/>
+              <a:buSzTx/>
+              <a:buFontTx/>
+              <a:buNone/>
+              <a:tabLst/>
+            </a:pPr>
+            <a:r>
+              <a:rPr kumimoji="0" lang="en-GB" sz="1800" b="0" i="0" u="none" strike="noStrike" cap="none" normalizeH="0" baseline="0" dirty="0">
+                <a:ln>
+                  <a:noFill/>
+                </a:ln>
+                <a:solidFill>
+                  <a:schemeClr val="tx1"/>
+                </a:solidFill>
+                <a:effectLst/>
+                <a:latin typeface="Tahoma" charset="0"/>
+              </a:rPr>
+              <a:t>Rewrite rule lemmas</a:t>
+            </a:r>
+          </a:p>
+        </p:txBody>
+      </p:sp>
+      <p:cxnSp>
+        <p:nvCxnSpPr>
+          <p:cNvPr id="19" name="Straight Arrow Connector 18">
+            <a:extLst>
+              <a:ext uri="{FF2B5EF4-FFF2-40B4-BE49-F238E27FC236}">
+                <a16:creationId xmlns:a16="http://schemas.microsoft.com/office/drawing/2014/main" id="{4FF1C125-8EB6-FB2E-0D40-8C8C6EC05976}"/>
+              </a:ext>
+            </a:extLst>
+          </p:cNvPr>
+          <p:cNvCxnSpPr>
+            <a:cxnSpLocks/>
+            <a:stCxn id="18" idx="1"/>
+          </p:cNvCxnSpPr>
+          <p:nvPr/>
+        </p:nvCxnSpPr>
+        <p:spPr bwMode="auto">
+          <a:xfrm flipH="1">
+            <a:off x="5403351" y="2363152"/>
+            <a:ext cx="1073649" cy="0"/>
+          </a:xfrm>
+          <a:prstGeom prst="straightConnector1">
+            <a:avLst/>
+          </a:prstGeom>
+          <a:solidFill>
+            <a:schemeClr val="accent1"/>
+          </a:solidFill>
+          <a:ln w="15875" cap="flat" cmpd="sng" algn="ctr">
+            <a:solidFill>
+              <a:schemeClr val="tx1"/>
+            </a:solidFill>
+            <a:prstDash val="solid"/>
+            <a:miter lim="800000"/>
+            <a:headEnd type="none" w="med" len="med"/>
+            <a:tailEnd type="triangle" w="lg" len="med"/>
+          </a:ln>
+          <a:effectLst/>
+        </p:spPr>
+      </p:cxnSp>
+      <p:cxnSp>
+        <p:nvCxnSpPr>
+          <p:cNvPr id="20" name="Straight Arrow Connector 19">
+            <a:extLst>
+              <a:ext uri="{FF2B5EF4-FFF2-40B4-BE49-F238E27FC236}">
+                <a16:creationId xmlns:a16="http://schemas.microsoft.com/office/drawing/2014/main" id="{A5A15374-A222-FCD1-1767-AC3DA896C5E6}"/>
+              </a:ext>
+            </a:extLst>
+          </p:cNvPr>
+          <p:cNvCxnSpPr>
+            <a:cxnSpLocks/>
+            <a:stCxn id="18" idx="1"/>
+          </p:cNvCxnSpPr>
+          <p:nvPr/>
+        </p:nvCxnSpPr>
+        <p:spPr bwMode="auto">
+          <a:xfrm flipH="1">
+            <a:off x="5257800" y="2363152"/>
+            <a:ext cx="1219200" cy="1751648"/>
+          </a:xfrm>
+          <a:prstGeom prst="straightConnector1">
+            <a:avLst/>
+          </a:prstGeom>
+          <a:solidFill>
+            <a:schemeClr val="accent1"/>
+          </a:solidFill>
+          <a:ln w="15875" cap="flat" cmpd="sng" algn="ctr">
+            <a:solidFill>
+              <a:schemeClr val="tx1"/>
+            </a:solidFill>
+            <a:prstDash val="solid"/>
+            <a:miter lim="800000"/>
+            <a:headEnd type="none" w="med" len="med"/>
+            <a:tailEnd type="triangle" w="lg" len="med"/>
+          </a:ln>
+          <a:effectLst/>
+        </p:spPr>
+      </p:cxnSp>
+    </p:spTree>
+    <p:extLst>
+      <p:ext uri="{BB962C8B-B14F-4D97-AF65-F5344CB8AC3E}">
+        <p14:creationId xmlns:p14="http://schemas.microsoft.com/office/powerpoint/2010/main" val="2634738562"/>
+      </p:ext>
+    </p:extLst>
+  </p:cSld>
+  <p:clrMapOvr>
+    <a:masterClrMapping/>
+  </p:clrMapOvr>
+</p:sld>
+</file>
+
+<file path=ppt/slides/slide9.xml><?xml version="1.0" encoding="utf-8"?>
+<p:sld xmlns:a="http://schemas.openxmlformats.org/drawingml/2006/main" xmlns:r="http://schemas.openxmlformats.org/officeDocument/2006/relationships" xmlns:p="http://schemas.openxmlformats.org/presentationml/2006/main">
+  <p:cSld>
+    <p:spTree>
+      <p:nvGrpSpPr>
+        <p:cNvPr id="1" name="">
+          <a:extLst>
+            <a:ext uri="{FF2B5EF4-FFF2-40B4-BE49-F238E27FC236}">
+              <a16:creationId xmlns:a16="http://schemas.microsoft.com/office/drawing/2014/main" id="{0F3E82DE-21E3-0832-B5DB-A83FE6FD6851}"/>
+            </a:ext>
+          </a:extLst>
+        </p:cNvPr>
+        <p:cNvGrpSpPr/>
+        <p:nvPr/>
+      </p:nvGrpSpPr>
+      <p:grpSpPr>
+        <a:xfrm>
+          <a:off x="0" y="0"/>
+          <a:ext cx="0" cy="0"/>
+          <a:chOff x="0" y="0"/>
+          <a:chExt cx="0" cy="0"/>
+        </a:xfrm>
+      </p:grpSpPr>
+      <p:pic>
+        <p:nvPicPr>
+          <p:cNvPr id="5" name="Picture 4" descr="A screenshot of a computer program&#10;&#10;Description automatically generated">
+            <a:extLst>
+              <a:ext uri="{FF2B5EF4-FFF2-40B4-BE49-F238E27FC236}">
+                <a16:creationId xmlns:a16="http://schemas.microsoft.com/office/drawing/2014/main" id="{32ABD79A-AC7E-835A-7C7E-D6A5CD3BFDEE}"/>
+              </a:ext>
+            </a:extLst>
+          </p:cNvPr>
+          <p:cNvPicPr>
+            <a:picLocks noChangeAspect="1"/>
+          </p:cNvPicPr>
+          <p:nvPr/>
+        </p:nvPicPr>
+        <p:blipFill>
+          <a:blip r:embed="rId3"/>
+          <a:stretch>
+            <a:fillRect/>
+          </a:stretch>
+        </p:blipFill>
+        <p:spPr>
+          <a:xfrm>
+            <a:off x="533401" y="1518541"/>
+            <a:ext cx="5853922" cy="3129659"/>
+          </a:xfrm>
+          <a:prstGeom prst="rect">
+            <a:avLst/>
+          </a:prstGeom>
+        </p:spPr>
+      </p:pic>
+      <p:sp>
+        <p:nvSpPr>
+          <p:cNvPr id="2" name="Title 1">
+            <a:extLst>
+              <a:ext uri="{FF2B5EF4-FFF2-40B4-BE49-F238E27FC236}">
+                <a16:creationId xmlns:a16="http://schemas.microsoft.com/office/drawing/2014/main" id="{B3893A52-4FFC-FED2-6137-99B06B95C39B}"/>
+              </a:ext>
+            </a:extLst>
+          </p:cNvPr>
+          <p:cNvSpPr>
+            <a:spLocks noGrp="1"/>
+          </p:cNvSpPr>
+          <p:nvPr>
+            <p:ph type="title"/>
+          </p:nvPr>
+        </p:nvSpPr>
+        <p:spPr/>
+        <p:txBody>
+          <a:bodyPr/>
+          <a:lstStyle/>
+          <a:p>
+            <a:r>
+              <a:rPr lang="en-US" sz="3600" dirty="0"/>
+              <a:t>Proving Dedicated Rewriting Rules</a:t>
+            </a:r>
+          </a:p>
+        </p:txBody>
+      </p:sp>
+      <p:sp>
+        <p:nvSpPr>
+          <p:cNvPr id="128" name="Slide Number Placeholder 127">
+            <a:extLst>
+              <a:ext uri="{FF2B5EF4-FFF2-40B4-BE49-F238E27FC236}">
+                <a16:creationId xmlns:a16="http://schemas.microsoft.com/office/drawing/2014/main" id="{B337CA3B-F120-5E8E-B8CD-B959463857F2}"/>
+              </a:ext>
+            </a:extLst>
+          </p:cNvPr>
+          <p:cNvSpPr>
+            <a:spLocks noGrp="1"/>
+          </p:cNvSpPr>
+          <p:nvPr>
+            <p:ph type="sldNum" sz="quarter" idx="11"/>
+          </p:nvPr>
+        </p:nvSpPr>
+        <p:spPr/>
+        <p:txBody>
+          <a:bodyPr/>
+          <a:lstStyle/>
+          <a:p>
+            <a:pPr>
+              <a:defRPr/>
+            </a:pPr>
+            <a:fld id="{6E0AA622-F4CE-604D-A669-CD3D12FC535C}" type="slidenum">
+              <a:rPr lang="en-US" smtClean="0"/>
+              <a:pPr>
+                <a:defRPr/>
+              </a:pPr>
+              <a:t>9</a:t>
+            </a:fld>
+            <a:endParaRPr lang="en-US" dirty="0"/>
+          </a:p>
+        </p:txBody>
+      </p:sp>
+      <p:sp>
+        <p:nvSpPr>
+          <p:cNvPr id="3" name="TextBox 2">
+            <a:extLst>
+              <a:ext uri="{FF2B5EF4-FFF2-40B4-BE49-F238E27FC236}">
+                <a16:creationId xmlns:a16="http://schemas.microsoft.com/office/drawing/2014/main" id="{02568D96-8A8B-A9BB-D58E-BF0C81805D2E}"/>
+              </a:ext>
+            </a:extLst>
+          </p:cNvPr>
+          <p:cNvSpPr txBox="1"/>
+          <p:nvPr/>
+        </p:nvSpPr>
+        <p:spPr>
+          <a:xfrm>
+            <a:off x="381000" y="1158925"/>
+            <a:ext cx="8016766" cy="338554"/>
+          </a:xfrm>
+          <a:prstGeom prst="rect">
+            <a:avLst/>
+          </a:prstGeom>
+          <a:gradFill flip="none" rotWithShape="1">
+            <a:gsLst>
+              <a:gs pos="0">
+                <a:schemeClr val="bg1"/>
+              </a:gs>
+              <a:gs pos="74000">
+                <a:srgbClr val="FFE267"/>
+              </a:gs>
+              <a:gs pos="83000">
+                <a:srgbClr val="FFE267"/>
+              </a:gs>
+              <a:gs pos="100000">
+                <a:srgbClr val="FFE267"/>
+              </a:gs>
+            </a:gsLst>
+            <a:lin ang="10800000" scaled="1"/>
+            <a:tileRect/>
+          </a:gradFill>
+        </p:spPr>
+        <p:txBody>
+          <a:bodyPr wrap="square" rtlCol="0">
+            <a:spAutoFit/>
+          </a:bodyPr>
+          <a:lstStyle/>
+          <a:p>
+            <a:r>
+              <a:rPr lang="en-US" sz="1600" dirty="0"/>
+              <a:t>Backward substitution</a:t>
+            </a:r>
+          </a:p>
+        </p:txBody>
+      </p:sp>
+      <p:sp>
+        <p:nvSpPr>
+          <p:cNvPr id="10" name="Rectangle 9">
+            <a:extLst>
+              <a:ext uri="{FF2B5EF4-FFF2-40B4-BE49-F238E27FC236}">
+                <a16:creationId xmlns:a16="http://schemas.microsoft.com/office/drawing/2014/main" id="{F634742A-C5B7-7C47-671D-0EBEFF0D2FD2}"/>
+              </a:ext>
+            </a:extLst>
+          </p:cNvPr>
+          <p:cNvSpPr/>
+          <p:nvPr/>
+        </p:nvSpPr>
+        <p:spPr bwMode="auto">
+          <a:xfrm>
+            <a:off x="536826" y="6383676"/>
+            <a:ext cx="2117834" cy="381000"/>
+          </a:xfrm>
+          <a:prstGeom prst="rect">
+            <a:avLst/>
+          </a:prstGeom>
+          <a:solidFill>
+            <a:srgbClr val="FFE267"/>
+          </a:solidFill>
+          <a:ln w="25400" cap="flat" cmpd="sng" algn="ctr">
+            <a:solidFill>
+              <a:srgbClr val="C00000"/>
+            </a:solidFill>
+            <a:prstDash val="solid"/>
+            <a:miter lim="800000"/>
+            <a:headEnd type="none" w="med" len="med"/>
+            <a:tailEnd type="none" w="med" len="med"/>
+          </a:ln>
+          <a:effectLst/>
+        </p:spPr>
+        <p:txBody>
+          <a:bodyPr vert="horz" wrap="none" lIns="91440" tIns="45720" rIns="91440" bIns="45720" numCol="1" rtlCol="0" anchor="t" anchorCtr="0" compatLnSpc="1">
+            <a:prstTxWarp prst="textNoShape">
+              <a:avLst/>
+            </a:prstTxWarp>
+          </a:bodyPr>
+          <a:lstStyle/>
+          <a:p>
+            <a:pPr marL="0" marR="0" indent="0" algn="l" defTabSz="914400" rtl="0" eaLnBrk="1" fontAlgn="base" latinLnBrk="0" hangingPunct="1">
+              <a:lnSpc>
+                <a:spcPct val="100000"/>
+              </a:lnSpc>
+              <a:spcBef>
+                <a:spcPct val="0"/>
+              </a:spcBef>
+              <a:spcAft>
+                <a:spcPct val="0"/>
+              </a:spcAft>
+              <a:buClrTx/>
+              <a:buSzTx/>
+              <a:buFontTx/>
+              <a:buNone/>
+              <a:tabLst/>
+            </a:pPr>
+            <a:r>
+              <a:rPr kumimoji="0" lang="en-GB" sz="1800" b="0" i="0" u="none" strike="noStrike" cap="none" normalizeH="0" baseline="0" dirty="0">
+                <a:ln>
+                  <a:noFill/>
+                </a:ln>
+                <a:solidFill>
+                  <a:schemeClr val="tx1"/>
+                </a:solidFill>
+                <a:effectLst/>
+                <a:latin typeface="Tahoma" charset="0"/>
+              </a:rPr>
+              <a:t>File: </a:t>
+            </a:r>
+            <a:r>
+              <a:rPr kumimoji="0" lang="en-GB" sz="1800" b="0" i="0" u="none" strike="noStrike" cap="none" normalizeH="0" baseline="0" dirty="0" err="1">
+                <a:ln>
+                  <a:noFill/>
+                </a:ln>
+                <a:solidFill>
+                  <a:schemeClr val="tx1"/>
+                </a:solidFill>
+                <a:effectLst/>
+                <a:latin typeface="Tahoma" charset="0"/>
+              </a:rPr>
+              <a:t>Proof_</a:t>
+            </a:r>
+            <a:r>
+              <a:rPr lang="en-GB" sz="1800" dirty="0" err="1">
+                <a:latin typeface="Tahoma" charset="0"/>
+              </a:rPr>
+              <a:t>simpl</a:t>
+            </a:r>
+            <a:r>
+              <a:rPr kumimoji="0" lang="en-GB" sz="1800" b="0" i="0" u="none" strike="noStrike" cap="none" normalizeH="0" baseline="0" dirty="0" err="1">
+                <a:ln>
+                  <a:noFill/>
+                </a:ln>
+                <a:solidFill>
+                  <a:schemeClr val="tx1"/>
+                </a:solidFill>
+                <a:effectLst/>
+                <a:latin typeface="Tahoma" charset="0"/>
+              </a:rPr>
+              <a:t>.sc</a:t>
+            </a:r>
+            <a:endParaRPr kumimoji="0" lang="en-GB" sz="1800" b="0" i="0" u="none" strike="noStrike" cap="none" normalizeH="0" baseline="0" dirty="0">
+              <a:ln>
+                <a:noFill/>
+              </a:ln>
+              <a:solidFill>
+                <a:schemeClr val="tx1"/>
+              </a:solidFill>
+              <a:effectLst/>
+              <a:latin typeface="Tahoma" charset="0"/>
+            </a:endParaRPr>
+          </a:p>
+        </p:txBody>
+      </p:sp>
+      <p:sp>
+        <p:nvSpPr>
+          <p:cNvPr id="12" name="Rectangle 11">
+            <a:extLst>
+              <a:ext uri="{FF2B5EF4-FFF2-40B4-BE49-F238E27FC236}">
+                <a16:creationId xmlns:a16="http://schemas.microsoft.com/office/drawing/2014/main" id="{A7EB12F0-03F0-E2E8-305A-E6857E6AC5EA}"/>
+              </a:ext>
+            </a:extLst>
+          </p:cNvPr>
+          <p:cNvSpPr/>
+          <p:nvPr/>
+        </p:nvSpPr>
+        <p:spPr bwMode="auto">
+          <a:xfrm>
+            <a:off x="6477000" y="1676400"/>
+            <a:ext cx="2362200" cy="685800"/>
+          </a:xfrm>
+          <a:prstGeom prst="rect">
+            <a:avLst/>
+          </a:prstGeom>
+          <a:solidFill>
+            <a:srgbClr val="FFE267"/>
+          </a:solidFill>
+          <a:ln w="9525" cap="flat" cmpd="sng" algn="ctr">
+            <a:solidFill>
+              <a:schemeClr val="tx1"/>
+            </a:solidFill>
+            <a:prstDash val="solid"/>
+            <a:miter lim="800000"/>
+            <a:headEnd type="none" w="med" len="med"/>
+            <a:tailEnd type="none" w="med" len="med"/>
+          </a:ln>
+          <a:effectLst/>
+        </p:spPr>
+        <p:txBody>
+          <a:bodyPr vert="horz" wrap="square" lIns="91440" tIns="45720" rIns="91440" bIns="45720" numCol="1" rtlCol="0" anchor="t" anchorCtr="0" compatLnSpc="1">
+            <a:prstTxWarp prst="textNoShape">
+              <a:avLst/>
+            </a:prstTxWarp>
+          </a:bodyPr>
+          <a:lstStyle/>
+          <a:p>
+            <a:pPr marL="0" marR="0" indent="0" algn="l" defTabSz="914400" rtl="0" eaLnBrk="1" fontAlgn="base" latinLnBrk="0" hangingPunct="1">
+              <a:lnSpc>
+                <a:spcPct val="100000"/>
+              </a:lnSpc>
+              <a:spcBef>
+                <a:spcPct val="0"/>
+              </a:spcBef>
+              <a:spcAft>
+                <a:spcPct val="0"/>
+              </a:spcAft>
+              <a:buClrTx/>
+              <a:buSzTx/>
+              <a:buFontTx/>
+              <a:buNone/>
+              <a:tabLst/>
+            </a:pPr>
+            <a:r>
+              <a:rPr kumimoji="0" lang="en-GB" sz="1800" b="0" i="0" u="none" strike="noStrike" cap="none" normalizeH="0" baseline="0" dirty="0">
+                <a:ln>
+                  <a:noFill/>
+                </a:ln>
+                <a:solidFill>
+                  <a:schemeClr val="tx1"/>
+                </a:solidFill>
+                <a:effectLst/>
+                <a:latin typeface="Tahoma" charset="0"/>
+              </a:rPr>
+              <a:t>Definition of function that uses </a:t>
+            </a:r>
+            <a:r>
+              <a:rPr kumimoji="0" lang="en-GB" sz="1800" b="0" i="0" u="none" strike="noStrike" cap="none" normalizeH="0" baseline="0" dirty="0">
+                <a:ln>
+                  <a:noFill/>
+                </a:ln>
+                <a:solidFill>
+                  <a:srgbClr val="8922FD"/>
+                </a:solidFill>
+                <a:effectLst/>
+                <a:latin typeface="Menlo" panose="020B0609030804020204" pitchFamily="49" charset="0"/>
+                <a:ea typeface="Menlo" panose="020B0609030804020204" pitchFamily="49" charset="0"/>
+                <a:cs typeface="Menlo" panose="020B0609030804020204" pitchFamily="49" charset="0"/>
+              </a:rPr>
+              <a:t>min</a:t>
+            </a:r>
+          </a:p>
+        </p:txBody>
+      </p:sp>
+      <p:cxnSp>
+        <p:nvCxnSpPr>
+          <p:cNvPr id="13" name="Straight Arrow Connector 12">
+            <a:extLst>
+              <a:ext uri="{FF2B5EF4-FFF2-40B4-BE49-F238E27FC236}">
+                <a16:creationId xmlns:a16="http://schemas.microsoft.com/office/drawing/2014/main" id="{434936A0-83D9-850A-8E5B-0D9B84F77630}"/>
+              </a:ext>
+            </a:extLst>
+          </p:cNvPr>
+          <p:cNvCxnSpPr>
+            <a:cxnSpLocks/>
+            <a:stCxn id="12" idx="1"/>
+          </p:cNvCxnSpPr>
+          <p:nvPr/>
+        </p:nvCxnSpPr>
+        <p:spPr bwMode="auto">
+          <a:xfrm flipH="1" flipV="1">
+            <a:off x="5403351" y="1845677"/>
+            <a:ext cx="1073649" cy="173623"/>
+          </a:xfrm>
+          <a:prstGeom prst="straightConnector1">
+            <a:avLst/>
+          </a:prstGeom>
+          <a:solidFill>
+            <a:schemeClr val="accent1"/>
+          </a:solidFill>
+          <a:ln w="15875" cap="flat" cmpd="sng" algn="ctr">
+            <a:solidFill>
+              <a:schemeClr val="tx1"/>
+            </a:solidFill>
+            <a:prstDash val="solid"/>
+            <a:miter lim="800000"/>
+            <a:headEnd type="none" w="med" len="med"/>
+            <a:tailEnd type="triangle" w="lg" len="med"/>
+          </a:ln>
+          <a:effectLst/>
+        </p:spPr>
+      </p:cxnSp>
+      <p:sp>
+        <p:nvSpPr>
+          <p:cNvPr id="18" name="Rectangle 17">
+            <a:extLst>
+              <a:ext uri="{FF2B5EF4-FFF2-40B4-BE49-F238E27FC236}">
+                <a16:creationId xmlns:a16="http://schemas.microsoft.com/office/drawing/2014/main" id="{DA068E22-EBF7-7018-076B-2D87AEC0BCA6}"/>
+              </a:ext>
+            </a:extLst>
+          </p:cNvPr>
+          <p:cNvSpPr/>
+          <p:nvPr/>
+        </p:nvSpPr>
+        <p:spPr bwMode="auto">
+          <a:xfrm>
+            <a:off x="6387322" y="3781830"/>
+            <a:ext cx="2451877" cy="685799"/>
+          </a:xfrm>
+          <a:prstGeom prst="rect">
+            <a:avLst/>
+          </a:prstGeom>
+          <a:solidFill>
+            <a:srgbClr val="FFE267"/>
+          </a:solidFill>
+          <a:ln w="9525" cap="flat" cmpd="sng" algn="ctr">
+            <a:solidFill>
+              <a:schemeClr val="tx1"/>
+            </a:solidFill>
+            <a:prstDash val="solid"/>
+            <a:miter lim="800000"/>
+            <a:headEnd type="none" w="med" len="med"/>
+            <a:tailEnd type="none" w="med" len="med"/>
+          </a:ln>
+          <a:effectLst/>
+        </p:spPr>
+        <p:txBody>
+          <a:bodyPr vert="horz" wrap="square" lIns="91440" tIns="45720" rIns="91440" bIns="45720" numCol="1" rtlCol="0" anchor="t" anchorCtr="0" compatLnSpc="1">
+            <a:prstTxWarp prst="textNoShape">
+              <a:avLst/>
+            </a:prstTxWarp>
+          </a:bodyPr>
+          <a:lstStyle/>
+          <a:p>
+            <a:pPr marL="0" marR="0" indent="0" algn="l" defTabSz="914400" rtl="0" eaLnBrk="1" fontAlgn="base" latinLnBrk="0" hangingPunct="1">
+              <a:lnSpc>
+                <a:spcPct val="100000"/>
+              </a:lnSpc>
+              <a:spcBef>
+                <a:spcPct val="0"/>
+              </a:spcBef>
+              <a:spcAft>
+                <a:spcPct val="0"/>
+              </a:spcAft>
+              <a:buClrTx/>
+              <a:buSzTx/>
+              <a:buFontTx/>
+              <a:buNone/>
+              <a:tabLst/>
+            </a:pPr>
+            <a:r>
+              <a:rPr lang="en-GB" sz="1800" dirty="0">
+                <a:latin typeface="Tahoma" charset="0"/>
+              </a:rPr>
+              <a:t>Use of the r</a:t>
+            </a:r>
+            <a:r>
+              <a:rPr kumimoji="0" lang="en-GB" sz="1800" b="0" i="0" u="none" strike="noStrike" cap="none" normalizeH="0" baseline="0" dirty="0">
+                <a:ln>
+                  <a:noFill/>
+                </a:ln>
+                <a:solidFill>
+                  <a:schemeClr val="tx1"/>
+                </a:solidFill>
+                <a:effectLst/>
+                <a:latin typeface="Tahoma" charset="0"/>
+              </a:rPr>
+              <a:t>ewrite rule lemmas by </a:t>
+            </a:r>
+            <a:r>
+              <a:rPr kumimoji="0" lang="en-GB" sz="1800" b="0" i="0" u="none" strike="noStrike" cap="none" normalizeH="0" baseline="0" dirty="0">
+                <a:ln>
+                  <a:noFill/>
+                </a:ln>
+                <a:solidFill>
+                  <a:srgbClr val="8922FD"/>
+                </a:solidFill>
+                <a:effectLst/>
+                <a:latin typeface="Menlo" panose="020B0609030804020204" pitchFamily="49" charset="0"/>
+                <a:ea typeface="Menlo" panose="020B0609030804020204" pitchFamily="49" charset="0"/>
+                <a:cs typeface="Menlo" panose="020B0609030804020204" pitchFamily="49" charset="0"/>
+              </a:rPr>
+              <a:t>Rewrite</a:t>
+            </a:r>
+          </a:p>
+        </p:txBody>
+      </p:sp>
+      <p:cxnSp>
+        <p:nvCxnSpPr>
+          <p:cNvPr id="19" name="Straight Arrow Connector 18">
+            <a:extLst>
+              <a:ext uri="{FF2B5EF4-FFF2-40B4-BE49-F238E27FC236}">
+                <a16:creationId xmlns:a16="http://schemas.microsoft.com/office/drawing/2014/main" id="{701868E9-ED0C-0B56-3B39-1FE0BC86DE01}"/>
+              </a:ext>
+            </a:extLst>
+          </p:cNvPr>
+          <p:cNvCxnSpPr>
+            <a:cxnSpLocks/>
+            <a:stCxn id="18" idx="1"/>
+          </p:cNvCxnSpPr>
+          <p:nvPr/>
+        </p:nvCxnSpPr>
+        <p:spPr bwMode="auto">
+          <a:xfrm flipH="1" flipV="1">
+            <a:off x="5313674" y="3951108"/>
+            <a:ext cx="1073648" cy="173622"/>
+          </a:xfrm>
+          <a:prstGeom prst="straightConnector1">
+            <a:avLst/>
+          </a:prstGeom>
+          <a:solidFill>
+            <a:schemeClr val="accent1"/>
+          </a:solidFill>
+          <a:ln w="15875" cap="flat" cmpd="sng" algn="ctr">
+            <a:solidFill>
+              <a:schemeClr val="tx1"/>
+            </a:solidFill>
+            <a:prstDash val="solid"/>
+            <a:miter lim="800000"/>
+            <a:headEnd type="none" w="med" len="med"/>
+            <a:tailEnd type="triangle" w="lg" len="med"/>
+          </a:ln>
+          <a:effectLst/>
+        </p:spPr>
+      </p:cxnSp>
+    </p:spTree>
+    <p:extLst>
+      <p:ext uri="{BB962C8B-B14F-4D97-AF65-F5344CB8AC3E}">
+        <p14:creationId xmlns:p14="http://schemas.microsoft.com/office/powerpoint/2010/main" val="3973296974"/>
       </p:ext>
     </p:extLst>
   </p:cSld>

--- a/slides/A-01-01-Proofs-Rewriting.pptx
+++ b/slides/A-01-01-Proofs-Rewriting.pptx
@@ -8940,17 +8940,13 @@
               <a:t> in </a:t>
             </a:r>
             <a:r>
-              <a:rPr kumimoji="0" lang="en-GB" sz="1800" b="0" i="0" u="none" strike="noStrike" cap="none" normalizeH="0" baseline="0" dirty="0">
-                <a:ln>
-                  <a:noFill/>
-                </a:ln>
+              <a:rPr lang="en-GB" sz="1800" dirty="0">
                 <a:solidFill>
                   <a:srgbClr val="0070C0"/>
                 </a:solidFill>
-                <a:effectLst/>
                 <a:latin typeface="Tahoma" charset="0"/>
               </a:rPr>
-              <a:t>4</a:t>
+              <a:t>3</a:t>
             </a:r>
             <a:r>
               <a:rPr kumimoji="0" lang="en-GB" sz="1800" b="0" i="0" u="none" strike="noStrike" cap="none" normalizeH="0" baseline="0" dirty="0">
@@ -9641,20 +9637,42 @@
                 <a:effectLst/>
                 <a:latin typeface="Tahoma" charset="0"/>
               </a:rPr>
-              <a:t> in </a:t>
-            </a:r>
-            <a:r>
-              <a:rPr kumimoji="0" lang="en-GB" sz="1800" b="0" i="0" u="none" strike="noStrike" cap="none" normalizeH="0" baseline="0" dirty="0">
+              <a:t> </a:t>
+            </a:r>
+            <a:r>
+              <a:rPr kumimoji="0" lang="en-GB" sz="1800" b="0" i="0" u="none" strike="noStrike" cap="none" normalizeH="0" baseline="0">
                 <a:ln>
                   <a:noFill/>
                 </a:ln>
                 <a:solidFill>
-                  <a:srgbClr val="0070C0"/>
+                  <a:schemeClr val="tx1"/>
                 </a:solidFill>
                 <a:effectLst/>
                 <a:latin typeface="Tahoma" charset="0"/>
               </a:rPr>
-              <a:t>4</a:t>
+              <a:t>in </a:t>
+            </a:r>
+            <a:r>
+              <a:rPr lang="en-GB" sz="1800" dirty="0">
+                <a:solidFill>
+                  <a:srgbClr val="0070C0"/>
+                </a:solidFill>
+                <a:latin typeface="Tahoma" charset="0"/>
+              </a:rPr>
+              <a:t>3</a:t>
+            </a:r>
+            <a:r>
+              <a:rPr kumimoji="0" lang="en-GB" sz="1800" b="0" i="0" u="none" strike="noStrike" cap="none" normalizeH="0" baseline="0">
+                <a:ln>
+                  <a:noFill/>
+                </a:ln>
+                <a:solidFill>
+                  <a:schemeClr val="tx1"/>
+                </a:solidFill>
+                <a:effectLst/>
+                <a:latin typeface="Tahoma" charset="0"/>
+              </a:rPr>
+              <a:t> </a:t>
             </a:r>
             <a:r>
               <a:rPr kumimoji="0" lang="en-GB" sz="1800" b="0" i="0" u="none" strike="noStrike" cap="none" normalizeH="0" baseline="0" dirty="0">
@@ -9667,7 +9685,7 @@
                 <a:effectLst/>
                 <a:latin typeface="Tahoma" charset="0"/>
               </a:rPr>
-              <a:t> to obtain </a:t>
+              <a:t>to obtain </a:t>
             </a:r>
             <a:r>
               <a:rPr kumimoji="0" lang="en-GB" sz="1800" b="0" i="0" u="none" strike="noStrike" cap="none" normalizeH="0" baseline="0" dirty="0">

--- a/slides/A-01-01-Proofs-Rewriting.pptx
+++ b/slides/A-01-01-Proofs-Rewriting.pptx
@@ -6735,7 +6735,7 @@
         <p:spPr bwMode="auto">
           <a:xfrm>
             <a:off x="3919020" y="3657600"/>
-            <a:ext cx="2273300" cy="685800"/>
+            <a:ext cx="2786580" cy="685800"/>
           </a:xfrm>
           <a:prstGeom prst="rect">
             <a:avLst/>
@@ -6789,7 +6789,33 @@
                 <a:effectLst/>
                 <a:latin typeface="Tahoma" charset="0"/>
               </a:rPr>
-              <a:t>Definition of rewrite set called </a:t>
+              <a:t>Definition of a </a:t>
+            </a:r>
+            <a:r>
+              <a:rPr kumimoji="0" lang="en-GB" sz="1800" b="0" i="1" u="none" strike="noStrike" cap="none" normalizeH="0" baseline="0" dirty="0">
+                <a:ln>
+                  <a:noFill/>
+                </a:ln>
+                <a:solidFill>
+                  <a:schemeClr val="tx1"/>
+                </a:solidFill>
+                <a:effectLst/>
+                <a:latin typeface="Tahoma" charset="0"/>
+              </a:rPr>
+              <a:t>rewrite set </a:t>
+            </a:r>
+            <a:r>
+              <a:rPr kumimoji="0" lang="en-GB" sz="1800" b="0" i="0" u="none" strike="noStrike" cap="none" normalizeH="0" baseline="0" dirty="0">
+                <a:ln>
+                  <a:noFill/>
+                </a:ln>
+                <a:solidFill>
+                  <a:schemeClr val="tx1"/>
+                </a:solidFill>
+                <a:effectLst/>
+                <a:latin typeface="Tahoma" charset="0"/>
+              </a:rPr>
+              <a:t>called </a:t>
             </a:r>
             <a:r>
               <a:rPr kumimoji="0" lang="en-GB" sz="1800" b="0" i="0" u="none" strike="noStrike" cap="none" normalizeH="0" baseline="0" dirty="0" err="1">
@@ -7759,7 +7785,33 @@
                 <a:effectLst/>
                 <a:latin typeface="Tahoma" charset="0"/>
               </a:rPr>
-              <a:t>This is a forward rewriting step that rewrites a previous fact (</a:t>
+              <a:t>This is a </a:t>
+            </a:r>
+            <a:r>
+              <a:rPr kumimoji="0" lang="en-GB" sz="1800" b="1" i="0" u="none" strike="noStrike" cap="none" normalizeH="0" baseline="0" dirty="0">
+                <a:ln>
+                  <a:noFill/>
+                </a:ln>
+                <a:solidFill>
+                  <a:schemeClr val="tx1"/>
+                </a:solidFill>
+                <a:effectLst/>
+                <a:latin typeface="Tahoma" charset="0"/>
+              </a:rPr>
+              <a:t>forward</a:t>
+            </a:r>
+            <a:r>
+              <a:rPr kumimoji="0" lang="en-GB" sz="1800" b="0" i="0" u="none" strike="noStrike" cap="none" normalizeH="0" baseline="0" dirty="0">
+                <a:ln>
+                  <a:noFill/>
+                </a:ln>
+                <a:solidFill>
+                  <a:schemeClr val="tx1"/>
+                </a:solidFill>
+                <a:effectLst/>
+                <a:latin typeface="Tahoma" charset="0"/>
+              </a:rPr>
+              <a:t> rewriting step that rewrites a previous fact (</a:t>
             </a:r>
             <a:r>
               <a:rPr kumimoji="0" lang="en-GB" sz="1800" b="0" i="0" u="none" strike="noStrike" cap="none" normalizeH="0" baseline="0" dirty="0">
@@ -8382,7 +8434,7 @@
         <p:spPr bwMode="auto">
           <a:xfrm>
             <a:off x="1618030" y="5612710"/>
-            <a:ext cx="3515776" cy="667374"/>
+            <a:ext cx="3715970" cy="667374"/>
           </a:xfrm>
           <a:prstGeom prst="rect">
             <a:avLst/>
@@ -8439,10 +8491,23 @@
               <a:t>This is a </a:t>
             </a:r>
             <a:r>
-              <a:rPr lang="en-GB" sz="1800" dirty="0">
+              <a:rPr lang="en-GB" sz="1800" b="1" dirty="0">
                 <a:latin typeface="Tahoma" charset="0"/>
               </a:rPr>
               <a:t>back</a:t>
+            </a:r>
+            <a:r>
+              <a:rPr kumimoji="0" lang="en-GB" sz="1800" b="1" i="0" u="none" strike="noStrike" cap="none" normalizeH="0" baseline="0" dirty="0">
+                <a:ln>
+                  <a:noFill/>
+                </a:ln>
+                <a:solidFill>
+                  <a:schemeClr val="tx1"/>
+                </a:solidFill>
+                <a:effectLst/>
+                <a:latin typeface="Tahoma" charset="0"/>
+              </a:rPr>
+              <a:t>ward</a:t>
             </a:r>
             <a:r>
               <a:rPr kumimoji="0" lang="en-GB" sz="1800" b="0" i="0" u="none" strike="noStrike" cap="none" normalizeH="0" baseline="0" dirty="0">
@@ -8455,7 +8520,7 @@
                 <a:effectLst/>
                 <a:latin typeface="Tahoma" charset="0"/>
               </a:rPr>
-              <a:t>ward rewriting step that rewrites the current goal (</a:t>
+              <a:t> rewriting step that rewrites the current goal (</a:t>
             </a:r>
             <a:r>
               <a:rPr kumimoji="0" lang="en-GB" sz="1800" b="0" i="0" u="none" strike="noStrike" cap="none" normalizeH="0" baseline="0" dirty="0">
